--- a/Design/Mario Rules.pptx
+++ b/Design/Mario Rules.pptx
@@ -13,6 +13,13 @@
     <p:sldId id="259" r:id="rId10"/>
     <p:sldId id="260" r:id="rId11"/>
     <p:sldId id="261" r:id="rId12"/>
+    <p:sldId id="265" r:id="rId13"/>
+    <p:sldId id="266" r:id="rId14"/>
+    <p:sldId id="267" r:id="rId15"/>
+    <p:sldId id="268" r:id="rId16"/>
+    <p:sldId id="271" r:id="rId17"/>
+    <p:sldId id="269" r:id="rId18"/>
+    <p:sldId id="270" r:id="rId19"/>
   </p:sldIdLst>
   <p:sldSz cx="12192000" cy="6858000"/>
   <p:notesSz cx="6858000" cy="9144000"/>
@@ -452,7 +459,7 @@
           <a:p>
             <a:fld id="{846CE7D5-CF57-46EF-B807-FDD0502418D4}" type="datetimeFigureOut">
               <a:rPr lang="en-US" smtClean="0"/>
-              <a:t>5/14/2021</a:t>
+              <a:t>5/21/2021</a:t>
             </a:fld>
             <a:endParaRPr lang="en-US"/>
           </a:p>
@@ -622,7 +629,7 @@
           <a:p>
             <a:fld id="{846CE7D5-CF57-46EF-B807-FDD0502418D4}" type="datetimeFigureOut">
               <a:rPr lang="en-US" smtClean="0"/>
-              <a:t>5/14/2021</a:t>
+              <a:t>5/21/2021</a:t>
             </a:fld>
             <a:endParaRPr lang="en-US"/>
           </a:p>
@@ -802,7 +809,7 @@
           <a:p>
             <a:fld id="{846CE7D5-CF57-46EF-B807-FDD0502418D4}" type="datetimeFigureOut">
               <a:rPr lang="en-US" smtClean="0"/>
-              <a:t>5/14/2021</a:t>
+              <a:t>5/21/2021</a:t>
             </a:fld>
             <a:endParaRPr lang="en-US"/>
           </a:p>
@@ -972,7 +979,7 @@
           <a:p>
             <a:fld id="{846CE7D5-CF57-46EF-B807-FDD0502418D4}" type="datetimeFigureOut">
               <a:rPr lang="en-US" smtClean="0"/>
-              <a:t>5/14/2021</a:t>
+              <a:t>5/21/2021</a:t>
             </a:fld>
             <a:endParaRPr lang="en-US"/>
           </a:p>
@@ -1218,7 +1225,7 @@
           <a:p>
             <a:fld id="{846CE7D5-CF57-46EF-B807-FDD0502418D4}" type="datetimeFigureOut">
               <a:rPr lang="en-US" smtClean="0"/>
-              <a:t>5/14/2021</a:t>
+              <a:t>5/21/2021</a:t>
             </a:fld>
             <a:endParaRPr lang="en-US"/>
           </a:p>
@@ -1450,7 +1457,7 @@
           <a:p>
             <a:fld id="{846CE7D5-CF57-46EF-B807-FDD0502418D4}" type="datetimeFigureOut">
               <a:rPr lang="en-US" smtClean="0"/>
-              <a:t>5/14/2021</a:t>
+              <a:t>5/21/2021</a:t>
             </a:fld>
             <a:endParaRPr lang="en-US"/>
           </a:p>
@@ -1817,7 +1824,7 @@
           <a:p>
             <a:fld id="{846CE7D5-CF57-46EF-B807-FDD0502418D4}" type="datetimeFigureOut">
               <a:rPr lang="en-US" smtClean="0"/>
-              <a:t>5/14/2021</a:t>
+              <a:t>5/21/2021</a:t>
             </a:fld>
             <a:endParaRPr lang="en-US"/>
           </a:p>
@@ -1935,7 +1942,7 @@
           <a:p>
             <a:fld id="{846CE7D5-CF57-46EF-B807-FDD0502418D4}" type="datetimeFigureOut">
               <a:rPr lang="en-US" smtClean="0"/>
-              <a:t>5/14/2021</a:t>
+              <a:t>5/21/2021</a:t>
             </a:fld>
             <a:endParaRPr lang="en-US"/>
           </a:p>
@@ -2030,7 +2037,7 @@
           <a:p>
             <a:fld id="{846CE7D5-CF57-46EF-B807-FDD0502418D4}" type="datetimeFigureOut">
               <a:rPr lang="en-US" smtClean="0"/>
-              <a:t>5/14/2021</a:t>
+              <a:t>5/21/2021</a:t>
             </a:fld>
             <a:endParaRPr lang="en-US"/>
           </a:p>
@@ -2307,7 +2314,7 @@
           <a:p>
             <a:fld id="{846CE7D5-CF57-46EF-B807-FDD0502418D4}" type="datetimeFigureOut">
               <a:rPr lang="en-US" smtClean="0"/>
-              <a:t>5/14/2021</a:t>
+              <a:t>5/21/2021</a:t>
             </a:fld>
             <a:endParaRPr lang="en-US"/>
           </a:p>
@@ -2564,7 +2571,7 @@
           <a:p>
             <a:fld id="{846CE7D5-CF57-46EF-B807-FDD0502418D4}" type="datetimeFigureOut">
               <a:rPr lang="en-US" smtClean="0"/>
-              <a:t>5/14/2021</a:t>
+              <a:t>5/21/2021</a:t>
             </a:fld>
             <a:endParaRPr lang="en-US"/>
           </a:p>
@@ -2777,7 +2784,7 @@
           <a:p>
             <a:fld id="{846CE7D5-CF57-46EF-B807-FDD0502418D4}" type="datetimeFigureOut">
               <a:rPr lang="en-US" smtClean="0"/>
-              <a:t>5/14/2021</a:t>
+              <a:t>5/21/2021</a:t>
             </a:fld>
             <a:endParaRPr lang="en-US"/>
           </a:p>
@@ -3239,6 +3246,1495 @@
 </p:sld>
 </file>
 
+<file path=ppt/slides/slide10.xml><?xml version="1.0" encoding="utf-8"?>
+<p:sld xmlns:a="http://schemas.openxmlformats.org/drawingml/2006/main" xmlns:r="http://schemas.openxmlformats.org/officeDocument/2006/relationships" xmlns:p="http://schemas.openxmlformats.org/presentationml/2006/main">
+  <p:cSld>
+    <p:spTree>
+      <p:nvGrpSpPr>
+        <p:cNvPr id="1" name=""/>
+        <p:cNvGrpSpPr/>
+        <p:nvPr/>
+      </p:nvGrpSpPr>
+      <p:grpSpPr>
+        <a:xfrm>
+          <a:off x="0" y="0"/>
+          <a:ext cx="0" cy="0"/>
+          <a:chOff x="0" y="0"/>
+          <a:chExt cx="0" cy="0"/>
+        </a:xfrm>
+      </p:grpSpPr>
+      <p:sp>
+        <p:nvSpPr>
+          <p:cNvPr id="2" name="Title 1">
+            <a:extLst>
+              <a:ext uri="{FF2B5EF4-FFF2-40B4-BE49-F238E27FC236}">
+                <a16:creationId xmlns:a16="http://schemas.microsoft.com/office/drawing/2014/main" id="{E65736D8-E0BC-49F2-9B64-C240E1FA57AA}"/>
+              </a:ext>
+            </a:extLst>
+          </p:cNvPr>
+          <p:cNvSpPr>
+            <a:spLocks noGrp="1"/>
+          </p:cNvSpPr>
+          <p:nvPr>
+            <p:ph type="title"/>
+          </p:nvPr>
+        </p:nvSpPr>
+        <p:spPr/>
+        <p:txBody>
+          <a:bodyPr/>
+          <a:lstStyle/>
+          <a:p>
+            <a:endParaRPr lang="en-US"/>
+          </a:p>
+        </p:txBody>
+      </p:sp>
+      <p:sp>
+        <p:nvSpPr>
+          <p:cNvPr id="3" name="Content Placeholder 2">
+            <a:extLst>
+              <a:ext uri="{FF2B5EF4-FFF2-40B4-BE49-F238E27FC236}">
+                <a16:creationId xmlns:a16="http://schemas.microsoft.com/office/drawing/2014/main" id="{14B6FC5C-40D2-4ED6-9532-46DBF62A8E1F}"/>
+              </a:ext>
+            </a:extLst>
+          </p:cNvPr>
+          <p:cNvSpPr>
+            <a:spLocks noGrp="1"/>
+          </p:cNvSpPr>
+          <p:nvPr>
+            <p:ph idx="1"/>
+          </p:nvPr>
+        </p:nvSpPr>
+        <p:spPr/>
+        <p:txBody>
+          <a:bodyPr/>
+          <a:lstStyle/>
+          <a:p>
+            <a:endParaRPr lang="en-US"/>
+          </a:p>
+        </p:txBody>
+      </p:sp>
+      <p:sp>
+        <p:nvSpPr>
+          <p:cNvPr id="4" name="Rectangle: Rounded Corners 3">
+            <a:extLst>
+              <a:ext uri="{FF2B5EF4-FFF2-40B4-BE49-F238E27FC236}">
+                <a16:creationId xmlns:a16="http://schemas.microsoft.com/office/drawing/2014/main" id="{6581FE13-5EE0-4A7F-BF00-C7B25525C292}"/>
+              </a:ext>
+            </a:extLst>
+          </p:cNvPr>
+          <p:cNvSpPr/>
+          <p:nvPr/>
+        </p:nvSpPr>
+        <p:spPr>
+          <a:xfrm>
+            <a:off x="586740" y="1059180"/>
+            <a:ext cx="8793480" cy="5006340"/>
+          </a:xfrm>
+          <a:prstGeom prst="roundRect">
+            <a:avLst/>
+          </a:prstGeom>
+        </p:spPr>
+        <p:style>
+          <a:lnRef idx="2">
+            <a:schemeClr val="accent1">
+              <a:shade val="50000"/>
+            </a:schemeClr>
+          </a:lnRef>
+          <a:fillRef idx="1">
+            <a:schemeClr val="accent1"/>
+          </a:fillRef>
+          <a:effectRef idx="0">
+            <a:schemeClr val="accent1"/>
+          </a:effectRef>
+          <a:fontRef idx="minor">
+            <a:schemeClr val="lt1"/>
+          </a:fontRef>
+        </p:style>
+        <p:txBody>
+          <a:bodyPr rtlCol="0" anchor="ctr"/>
+          <a:lstStyle/>
+          <a:p>
+            <a:pPr algn="ctr"/>
+            <a:r>
+              <a:rPr lang="en-US" dirty="0"/>
+              <a:t>The actual game……</a:t>
+            </a:r>
+          </a:p>
+        </p:txBody>
+      </p:sp>
+    </p:spTree>
+    <p:extLst>
+      <p:ext uri="{BB962C8B-B14F-4D97-AF65-F5344CB8AC3E}">
+        <p14:creationId xmlns:p14="http://schemas.microsoft.com/office/powerpoint/2010/main" val="953294602"/>
+      </p:ext>
+    </p:extLst>
+  </p:cSld>
+  <p:clrMapOvr>
+    <a:masterClrMapping/>
+  </p:clrMapOvr>
+</p:sld>
+</file>
+
+<file path=ppt/slides/slide11.xml><?xml version="1.0" encoding="utf-8"?>
+<p:sld xmlns:a="http://schemas.openxmlformats.org/drawingml/2006/main" xmlns:r="http://schemas.openxmlformats.org/officeDocument/2006/relationships" xmlns:p="http://schemas.openxmlformats.org/presentationml/2006/main">
+  <p:cSld>
+    <p:spTree>
+      <p:nvGrpSpPr>
+        <p:cNvPr id="1" name=""/>
+        <p:cNvGrpSpPr/>
+        <p:nvPr/>
+      </p:nvGrpSpPr>
+      <p:grpSpPr>
+        <a:xfrm>
+          <a:off x="0" y="0"/>
+          <a:ext cx="0" cy="0"/>
+          <a:chOff x="0" y="0"/>
+          <a:chExt cx="0" cy="0"/>
+        </a:xfrm>
+      </p:grpSpPr>
+      <p:sp>
+        <p:nvSpPr>
+          <p:cNvPr id="2" name="Title 1">
+            <a:extLst>
+              <a:ext uri="{FF2B5EF4-FFF2-40B4-BE49-F238E27FC236}">
+                <a16:creationId xmlns:a16="http://schemas.microsoft.com/office/drawing/2014/main" id="{13A1538D-67C0-4906-B38B-D202C2A1A9E9}"/>
+              </a:ext>
+            </a:extLst>
+          </p:cNvPr>
+          <p:cNvSpPr>
+            <a:spLocks noGrp="1"/>
+          </p:cNvSpPr>
+          <p:nvPr>
+            <p:ph type="title"/>
+          </p:nvPr>
+        </p:nvSpPr>
+        <p:spPr/>
+        <p:txBody>
+          <a:bodyPr/>
+          <a:lstStyle/>
+          <a:p>
+            <a:endParaRPr lang="en-US"/>
+          </a:p>
+        </p:txBody>
+      </p:sp>
+      <p:sp>
+        <p:nvSpPr>
+          <p:cNvPr id="3" name="Content Placeholder 2">
+            <a:extLst>
+              <a:ext uri="{FF2B5EF4-FFF2-40B4-BE49-F238E27FC236}">
+                <a16:creationId xmlns:a16="http://schemas.microsoft.com/office/drawing/2014/main" id="{3497D6AE-D4B7-4D5D-A952-3EF824F172DE}"/>
+              </a:ext>
+            </a:extLst>
+          </p:cNvPr>
+          <p:cNvSpPr>
+            <a:spLocks noGrp="1"/>
+          </p:cNvSpPr>
+          <p:nvPr>
+            <p:ph idx="1"/>
+          </p:nvPr>
+        </p:nvSpPr>
+        <p:spPr>
+          <a:xfrm>
+            <a:off x="9380220" y="1825625"/>
+            <a:ext cx="2811780" cy="4351338"/>
+          </a:xfrm>
+        </p:spPr>
+        <p:txBody>
+          <a:bodyPr/>
+          <a:lstStyle/>
+          <a:p>
+            <a:r>
+              <a:rPr lang="en-US" dirty="0"/>
+              <a:t>If click RESTART button</a:t>
+            </a:r>
+          </a:p>
+          <a:p>
+            <a:pPr lvl="1"/>
+            <a:r>
+              <a:rPr lang="en-US" dirty="0"/>
+              <a:t>Remove restart screen</a:t>
+            </a:r>
+          </a:p>
+          <a:p>
+            <a:pPr lvl="1"/>
+            <a:r>
+              <a:rPr lang="en-US" dirty="0"/>
+              <a:t>Restart level()</a:t>
+            </a:r>
+          </a:p>
+          <a:p>
+            <a:pPr lvl="1"/>
+            <a:endParaRPr lang="en-US" dirty="0"/>
+          </a:p>
+        </p:txBody>
+      </p:sp>
+      <p:sp>
+        <p:nvSpPr>
+          <p:cNvPr id="4" name="Rectangle: Rounded Corners 3">
+            <a:extLst>
+              <a:ext uri="{FF2B5EF4-FFF2-40B4-BE49-F238E27FC236}">
+                <a16:creationId xmlns:a16="http://schemas.microsoft.com/office/drawing/2014/main" id="{05984947-3055-443A-BAE9-147260E12A4B}"/>
+              </a:ext>
+            </a:extLst>
+          </p:cNvPr>
+          <p:cNvSpPr/>
+          <p:nvPr/>
+        </p:nvSpPr>
+        <p:spPr>
+          <a:xfrm>
+            <a:off x="586740" y="1059180"/>
+            <a:ext cx="8793480" cy="5006340"/>
+          </a:xfrm>
+          <a:prstGeom prst="roundRect">
+            <a:avLst/>
+          </a:prstGeom>
+        </p:spPr>
+        <p:style>
+          <a:lnRef idx="2">
+            <a:schemeClr val="accent1">
+              <a:shade val="50000"/>
+            </a:schemeClr>
+          </a:lnRef>
+          <a:fillRef idx="1">
+            <a:schemeClr val="accent1"/>
+          </a:fillRef>
+          <a:effectRef idx="0">
+            <a:schemeClr val="accent1"/>
+          </a:effectRef>
+          <a:fontRef idx="minor">
+            <a:schemeClr val="lt1"/>
+          </a:fontRef>
+        </p:style>
+        <p:txBody>
+          <a:bodyPr rtlCol="0" anchor="ctr"/>
+          <a:lstStyle/>
+          <a:p>
+            <a:pPr algn="ctr"/>
+            <a:r>
+              <a:rPr lang="en-US" dirty="0" err="1"/>
+              <a:t>Ohhhhh</a:t>
+            </a:r>
+            <a:r>
+              <a:rPr lang="en-US" dirty="0"/>
+              <a:t>, too bad…</a:t>
+            </a:r>
+          </a:p>
+          <a:p>
+            <a:pPr algn="ctr"/>
+            <a:r>
+              <a:rPr lang="en-US" dirty="0"/>
+              <a:t>game over</a:t>
+            </a:r>
+          </a:p>
+          <a:p>
+            <a:pPr algn="ctr"/>
+            <a:endParaRPr lang="en-US" dirty="0"/>
+          </a:p>
+          <a:p>
+            <a:pPr algn="ctr"/>
+            <a:endParaRPr lang="en-US" dirty="0"/>
+          </a:p>
+        </p:txBody>
+      </p:sp>
+      <p:sp>
+        <p:nvSpPr>
+          <p:cNvPr id="5" name="Rectangle: Rounded Corners 4">
+            <a:extLst>
+              <a:ext uri="{FF2B5EF4-FFF2-40B4-BE49-F238E27FC236}">
+                <a16:creationId xmlns:a16="http://schemas.microsoft.com/office/drawing/2014/main" id="{A15271DD-1667-43B3-B03E-37EF4379222B}"/>
+              </a:ext>
+            </a:extLst>
+          </p:cNvPr>
+          <p:cNvSpPr/>
+          <p:nvPr/>
+        </p:nvSpPr>
+        <p:spPr>
+          <a:xfrm>
+            <a:off x="3432810" y="4320540"/>
+            <a:ext cx="3101340" cy="967740"/>
+          </a:xfrm>
+          <a:prstGeom prst="roundRect">
+            <a:avLst/>
+          </a:prstGeom>
+        </p:spPr>
+        <p:style>
+          <a:lnRef idx="2">
+            <a:schemeClr val="accent4">
+              <a:shade val="50000"/>
+            </a:schemeClr>
+          </a:lnRef>
+          <a:fillRef idx="1">
+            <a:schemeClr val="accent4"/>
+          </a:fillRef>
+          <a:effectRef idx="0">
+            <a:schemeClr val="accent4"/>
+          </a:effectRef>
+          <a:fontRef idx="minor">
+            <a:schemeClr val="lt1"/>
+          </a:fontRef>
+        </p:style>
+        <p:txBody>
+          <a:bodyPr rtlCol="0" anchor="ctr"/>
+          <a:lstStyle/>
+          <a:p>
+            <a:pPr algn="ctr"/>
+            <a:r>
+              <a:rPr lang="en-US" dirty="0"/>
+              <a:t>RETRY</a:t>
+            </a:r>
+          </a:p>
+        </p:txBody>
+      </p:sp>
+    </p:spTree>
+    <p:extLst>
+      <p:ext uri="{BB962C8B-B14F-4D97-AF65-F5344CB8AC3E}">
+        <p14:creationId xmlns:p14="http://schemas.microsoft.com/office/powerpoint/2010/main" val="2127941822"/>
+      </p:ext>
+    </p:extLst>
+  </p:cSld>
+  <p:clrMapOvr>
+    <a:masterClrMapping/>
+  </p:clrMapOvr>
+</p:sld>
+</file>
+
+<file path=ppt/slides/slide12.xml><?xml version="1.0" encoding="utf-8"?>
+<p:sld xmlns:a="http://schemas.openxmlformats.org/drawingml/2006/main" xmlns:r="http://schemas.openxmlformats.org/officeDocument/2006/relationships" xmlns:p="http://schemas.openxmlformats.org/presentationml/2006/main">
+  <p:cSld>
+    <p:spTree>
+      <p:nvGrpSpPr>
+        <p:cNvPr id="1" name=""/>
+        <p:cNvGrpSpPr/>
+        <p:nvPr/>
+      </p:nvGrpSpPr>
+      <p:grpSpPr>
+        <a:xfrm>
+          <a:off x="0" y="0"/>
+          <a:ext cx="0" cy="0"/>
+          <a:chOff x="0" y="0"/>
+          <a:chExt cx="0" cy="0"/>
+        </a:xfrm>
+      </p:grpSpPr>
+      <p:sp>
+        <p:nvSpPr>
+          <p:cNvPr id="6" name="Rectangle 5">
+            <a:extLst>
+              <a:ext uri="{FF2B5EF4-FFF2-40B4-BE49-F238E27FC236}">
+                <a16:creationId xmlns:a16="http://schemas.microsoft.com/office/drawing/2014/main" id="{8555B237-9B48-44DB-8051-B29D1D13C831}"/>
+              </a:ext>
+            </a:extLst>
+          </p:cNvPr>
+          <p:cNvSpPr/>
+          <p:nvPr/>
+        </p:nvSpPr>
+        <p:spPr>
+          <a:xfrm>
+            <a:off x="7585441" y="2971797"/>
+            <a:ext cx="439616" cy="413239"/>
+          </a:xfrm>
+          <a:prstGeom prst="rect">
+            <a:avLst/>
+          </a:prstGeom>
+          <a:solidFill>
+            <a:srgbClr val="FF0000"/>
+          </a:solidFill>
+        </p:spPr>
+        <p:style>
+          <a:lnRef idx="2">
+            <a:schemeClr val="accent6">
+              <a:shade val="50000"/>
+            </a:schemeClr>
+          </a:lnRef>
+          <a:fillRef idx="1">
+            <a:schemeClr val="accent6"/>
+          </a:fillRef>
+          <a:effectRef idx="0">
+            <a:schemeClr val="accent6"/>
+          </a:effectRef>
+          <a:fontRef idx="minor">
+            <a:schemeClr val="lt1"/>
+          </a:fontRef>
+        </p:style>
+        <p:txBody>
+          <a:bodyPr rtlCol="0" anchor="ctr"/>
+          <a:lstStyle/>
+          <a:p>
+            <a:pPr algn="ctr"/>
+            <a:endParaRPr lang="en-US"/>
+          </a:p>
+        </p:txBody>
+      </p:sp>
+      <p:sp>
+        <p:nvSpPr>
+          <p:cNvPr id="7" name="Rectangle 6">
+            <a:extLst>
+              <a:ext uri="{FF2B5EF4-FFF2-40B4-BE49-F238E27FC236}">
+                <a16:creationId xmlns:a16="http://schemas.microsoft.com/office/drawing/2014/main" id="{18BCD94E-7213-489A-B5ED-BBED53F77293}"/>
+              </a:ext>
+            </a:extLst>
+          </p:cNvPr>
+          <p:cNvSpPr/>
+          <p:nvPr/>
+        </p:nvSpPr>
+        <p:spPr>
+          <a:xfrm>
+            <a:off x="1395291" y="2985964"/>
+            <a:ext cx="439616" cy="413239"/>
+          </a:xfrm>
+          <a:prstGeom prst="rect">
+            <a:avLst/>
+          </a:prstGeom>
+          <a:solidFill>
+            <a:srgbClr val="00B050"/>
+          </a:solidFill>
+        </p:spPr>
+        <p:style>
+          <a:lnRef idx="2">
+            <a:schemeClr val="accent6">
+              <a:shade val="50000"/>
+            </a:schemeClr>
+          </a:lnRef>
+          <a:fillRef idx="1">
+            <a:schemeClr val="accent6"/>
+          </a:fillRef>
+          <a:effectRef idx="0">
+            <a:schemeClr val="accent6"/>
+          </a:effectRef>
+          <a:fontRef idx="minor">
+            <a:schemeClr val="lt1"/>
+          </a:fontRef>
+        </p:style>
+        <p:txBody>
+          <a:bodyPr rtlCol="0" anchor="ctr"/>
+          <a:lstStyle/>
+          <a:p>
+            <a:pPr algn="ctr"/>
+            <a:endParaRPr lang="en-US" dirty="0"/>
+          </a:p>
+        </p:txBody>
+      </p:sp>
+      <p:sp>
+        <p:nvSpPr>
+          <p:cNvPr id="8" name="Rectangle 7">
+            <a:extLst>
+              <a:ext uri="{FF2B5EF4-FFF2-40B4-BE49-F238E27FC236}">
+                <a16:creationId xmlns:a16="http://schemas.microsoft.com/office/drawing/2014/main" id="{53EB4EE4-17F8-4967-81F1-70336FFADEAC}"/>
+              </a:ext>
+            </a:extLst>
+          </p:cNvPr>
+          <p:cNvSpPr/>
+          <p:nvPr/>
+        </p:nvSpPr>
+        <p:spPr>
+          <a:xfrm>
+            <a:off x="5816600" y="1123950"/>
+            <a:ext cx="139700" cy="2243503"/>
+          </a:xfrm>
+          <a:prstGeom prst="rect">
+            <a:avLst/>
+          </a:prstGeom>
+        </p:spPr>
+        <p:style>
+          <a:lnRef idx="2">
+            <a:schemeClr val="accent4">
+              <a:shade val="50000"/>
+            </a:schemeClr>
+          </a:lnRef>
+          <a:fillRef idx="1">
+            <a:schemeClr val="accent4"/>
+          </a:fillRef>
+          <a:effectRef idx="0">
+            <a:schemeClr val="accent4"/>
+          </a:effectRef>
+          <a:fontRef idx="minor">
+            <a:schemeClr val="lt1"/>
+          </a:fontRef>
+        </p:style>
+        <p:txBody>
+          <a:bodyPr rtlCol="0" anchor="ctr"/>
+          <a:lstStyle/>
+          <a:p>
+            <a:pPr algn="ctr"/>
+            <a:endParaRPr lang="en-US"/>
+          </a:p>
+        </p:txBody>
+      </p:sp>
+      <p:sp>
+        <p:nvSpPr>
+          <p:cNvPr id="9" name="Rectangle 8">
+            <a:extLst>
+              <a:ext uri="{FF2B5EF4-FFF2-40B4-BE49-F238E27FC236}">
+                <a16:creationId xmlns:a16="http://schemas.microsoft.com/office/drawing/2014/main" id="{ECEEAAEE-DB35-44C1-8EE1-E8E74B29A17D}"/>
+              </a:ext>
+            </a:extLst>
+          </p:cNvPr>
+          <p:cNvSpPr/>
+          <p:nvPr/>
+        </p:nvSpPr>
+        <p:spPr>
+          <a:xfrm>
+            <a:off x="838200" y="3367453"/>
+            <a:ext cx="7631723" cy="211016"/>
+          </a:xfrm>
+          <a:prstGeom prst="rect">
+            <a:avLst/>
+          </a:prstGeom>
+          <a:solidFill>
+            <a:schemeClr val="tx1"/>
+          </a:solidFill>
+        </p:spPr>
+        <p:style>
+          <a:lnRef idx="2">
+            <a:schemeClr val="accent6">
+              <a:shade val="50000"/>
+            </a:schemeClr>
+          </a:lnRef>
+          <a:fillRef idx="1">
+            <a:schemeClr val="accent6"/>
+          </a:fillRef>
+          <a:effectRef idx="0">
+            <a:schemeClr val="accent6"/>
+          </a:effectRef>
+          <a:fontRef idx="minor">
+            <a:schemeClr val="lt1"/>
+          </a:fontRef>
+        </p:style>
+        <p:txBody>
+          <a:bodyPr rtlCol="0" anchor="ctr"/>
+          <a:lstStyle/>
+          <a:p>
+            <a:pPr algn="ctr"/>
+            <a:endParaRPr lang="en-US"/>
+          </a:p>
+        </p:txBody>
+      </p:sp>
+      <p:sp>
+        <p:nvSpPr>
+          <p:cNvPr id="10" name="Rectangle 9">
+            <a:extLst>
+              <a:ext uri="{FF2B5EF4-FFF2-40B4-BE49-F238E27FC236}">
+                <a16:creationId xmlns:a16="http://schemas.microsoft.com/office/drawing/2014/main" id="{E3075DED-CA5A-49B2-8DC7-734E49301565}"/>
+              </a:ext>
+            </a:extLst>
+          </p:cNvPr>
+          <p:cNvSpPr/>
+          <p:nvPr/>
+        </p:nvSpPr>
+        <p:spPr>
+          <a:xfrm>
+            <a:off x="736846" y="1704944"/>
+            <a:ext cx="3068514" cy="2146085"/>
+          </a:xfrm>
+          <a:prstGeom prst="rect">
+            <a:avLst/>
+          </a:prstGeom>
+          <a:solidFill>
+            <a:srgbClr val="00B050">
+              <a:alpha val="20000"/>
+            </a:srgbClr>
+          </a:solidFill>
+        </p:spPr>
+        <p:style>
+          <a:lnRef idx="2">
+            <a:schemeClr val="accent6">
+              <a:shade val="50000"/>
+            </a:schemeClr>
+          </a:lnRef>
+          <a:fillRef idx="1">
+            <a:schemeClr val="accent6"/>
+          </a:fillRef>
+          <a:effectRef idx="0">
+            <a:schemeClr val="accent6"/>
+          </a:effectRef>
+          <a:fontRef idx="minor">
+            <a:schemeClr val="lt1"/>
+          </a:fontRef>
+        </p:style>
+        <p:txBody>
+          <a:bodyPr rtlCol="0" anchor="ctr"/>
+          <a:lstStyle/>
+          <a:p>
+            <a:pPr algn="ctr"/>
+            <a:endParaRPr lang="en-US" dirty="0"/>
+          </a:p>
+        </p:txBody>
+      </p:sp>
+    </p:spTree>
+    <p:extLst>
+      <p:ext uri="{BB962C8B-B14F-4D97-AF65-F5344CB8AC3E}">
+        <p14:creationId xmlns:p14="http://schemas.microsoft.com/office/powerpoint/2010/main" val="2325646076"/>
+      </p:ext>
+    </p:extLst>
+  </p:cSld>
+  <p:clrMapOvr>
+    <a:masterClrMapping/>
+  </p:clrMapOvr>
+</p:sld>
+</file>
+
+<file path=ppt/slides/slide13.xml><?xml version="1.0" encoding="utf-8"?>
+<p:sld xmlns:a="http://schemas.openxmlformats.org/drawingml/2006/main" xmlns:r="http://schemas.openxmlformats.org/officeDocument/2006/relationships" xmlns:p="http://schemas.openxmlformats.org/presentationml/2006/main">
+  <p:cSld>
+    <p:spTree>
+      <p:nvGrpSpPr>
+        <p:cNvPr id="1" name=""/>
+        <p:cNvGrpSpPr/>
+        <p:nvPr/>
+      </p:nvGrpSpPr>
+      <p:grpSpPr>
+        <a:xfrm>
+          <a:off x="0" y="0"/>
+          <a:ext cx="0" cy="0"/>
+          <a:chOff x="0" y="0"/>
+          <a:chExt cx="0" cy="0"/>
+        </a:xfrm>
+      </p:grpSpPr>
+      <p:sp>
+        <p:nvSpPr>
+          <p:cNvPr id="2" name="Title 1">
+            <a:extLst>
+              <a:ext uri="{FF2B5EF4-FFF2-40B4-BE49-F238E27FC236}">
+                <a16:creationId xmlns:a16="http://schemas.microsoft.com/office/drawing/2014/main" id="{43C71F9C-85A5-4A41-9921-793F0369ED46}"/>
+              </a:ext>
+            </a:extLst>
+          </p:cNvPr>
+          <p:cNvSpPr>
+            <a:spLocks noGrp="1"/>
+          </p:cNvSpPr>
+          <p:nvPr>
+            <p:ph type="title"/>
+          </p:nvPr>
+        </p:nvSpPr>
+        <p:spPr/>
+        <p:txBody>
+          <a:bodyPr/>
+          <a:lstStyle/>
+          <a:p>
+            <a:r>
+              <a:rPr lang="en-US" dirty="0"/>
+              <a:t>Enemy structure</a:t>
+            </a:r>
+          </a:p>
+        </p:txBody>
+      </p:sp>
+      <p:sp>
+        <p:nvSpPr>
+          <p:cNvPr id="4" name="Rectangle 3">
+            <a:extLst>
+              <a:ext uri="{FF2B5EF4-FFF2-40B4-BE49-F238E27FC236}">
+                <a16:creationId xmlns:a16="http://schemas.microsoft.com/office/drawing/2014/main" id="{41DE9440-90BC-4D34-AD48-BC26A7C36E98}"/>
+              </a:ext>
+            </a:extLst>
+          </p:cNvPr>
+          <p:cNvSpPr/>
+          <p:nvPr/>
+        </p:nvSpPr>
+        <p:spPr>
+          <a:xfrm>
+            <a:off x="7502647" y="3809363"/>
+            <a:ext cx="1686131" cy="1584963"/>
+          </a:xfrm>
+          <a:prstGeom prst="rect">
+            <a:avLst/>
+          </a:prstGeom>
+          <a:solidFill>
+            <a:srgbClr val="FF0000"/>
+          </a:solidFill>
+        </p:spPr>
+        <p:style>
+          <a:lnRef idx="2">
+            <a:schemeClr val="accent6">
+              <a:shade val="50000"/>
+            </a:schemeClr>
+          </a:lnRef>
+          <a:fillRef idx="1">
+            <a:schemeClr val="accent6"/>
+          </a:fillRef>
+          <a:effectRef idx="0">
+            <a:schemeClr val="accent6"/>
+          </a:effectRef>
+          <a:fontRef idx="minor">
+            <a:schemeClr val="lt1"/>
+          </a:fontRef>
+        </p:style>
+        <p:txBody>
+          <a:bodyPr rtlCol="0" anchor="ctr"/>
+          <a:lstStyle/>
+          <a:p>
+            <a:pPr algn="ctr"/>
+            <a:r>
+              <a:rPr lang="en-US" dirty="0"/>
+              <a:t>Body collider</a:t>
+            </a:r>
+          </a:p>
+        </p:txBody>
+      </p:sp>
+      <p:sp>
+        <p:nvSpPr>
+          <p:cNvPr id="5" name="Rectangle 4">
+            <a:extLst>
+              <a:ext uri="{FF2B5EF4-FFF2-40B4-BE49-F238E27FC236}">
+                <a16:creationId xmlns:a16="http://schemas.microsoft.com/office/drawing/2014/main" id="{2B1152E3-4BBC-46B6-90E7-FC77E1CC8C8A}"/>
+              </a:ext>
+            </a:extLst>
+          </p:cNvPr>
+          <p:cNvSpPr/>
+          <p:nvPr/>
+        </p:nvSpPr>
+        <p:spPr>
+          <a:xfrm>
+            <a:off x="7704199" y="3292930"/>
+            <a:ext cx="1299028" cy="420234"/>
+          </a:xfrm>
+          <a:prstGeom prst="rect">
+            <a:avLst/>
+          </a:prstGeom>
+          <a:solidFill>
+            <a:schemeClr val="accent2"/>
+          </a:solidFill>
+        </p:spPr>
+        <p:style>
+          <a:lnRef idx="2">
+            <a:schemeClr val="accent6">
+              <a:shade val="50000"/>
+            </a:schemeClr>
+          </a:lnRef>
+          <a:fillRef idx="1">
+            <a:schemeClr val="accent6"/>
+          </a:fillRef>
+          <a:effectRef idx="0">
+            <a:schemeClr val="accent6"/>
+          </a:effectRef>
+          <a:fontRef idx="minor">
+            <a:schemeClr val="lt1"/>
+          </a:fontRef>
+        </p:style>
+        <p:txBody>
+          <a:bodyPr rtlCol="0" anchor="ctr"/>
+          <a:lstStyle/>
+          <a:p>
+            <a:pPr algn="ctr"/>
+            <a:r>
+              <a:rPr lang="en-US" dirty="0"/>
+              <a:t>Top collider</a:t>
+            </a:r>
+          </a:p>
+        </p:txBody>
+      </p:sp>
+      <p:sp>
+        <p:nvSpPr>
+          <p:cNvPr id="7" name="Rectangle 6">
+            <a:extLst>
+              <a:ext uri="{FF2B5EF4-FFF2-40B4-BE49-F238E27FC236}">
+                <a16:creationId xmlns:a16="http://schemas.microsoft.com/office/drawing/2014/main" id="{A0DABB58-23AB-4196-BD35-8A68070227A1}"/>
+              </a:ext>
+            </a:extLst>
+          </p:cNvPr>
+          <p:cNvSpPr/>
+          <p:nvPr/>
+        </p:nvSpPr>
+        <p:spPr>
+          <a:xfrm>
+            <a:off x="1035172" y="1957544"/>
+            <a:ext cx="2631953" cy="642781"/>
+          </a:xfrm>
+          <a:prstGeom prst="rect">
+            <a:avLst/>
+          </a:prstGeom>
+          <a:solidFill>
+            <a:srgbClr val="FF0000"/>
+          </a:solidFill>
+        </p:spPr>
+        <p:style>
+          <a:lnRef idx="2">
+            <a:schemeClr val="accent6">
+              <a:shade val="50000"/>
+            </a:schemeClr>
+          </a:lnRef>
+          <a:fillRef idx="1">
+            <a:schemeClr val="accent6"/>
+          </a:fillRef>
+          <a:effectRef idx="0">
+            <a:schemeClr val="accent6"/>
+          </a:effectRef>
+          <a:fontRef idx="minor">
+            <a:schemeClr val="lt1"/>
+          </a:fontRef>
+        </p:style>
+        <p:txBody>
+          <a:bodyPr rtlCol="0" anchor="ctr"/>
+          <a:lstStyle/>
+          <a:p>
+            <a:pPr algn="ctr"/>
+            <a:r>
+              <a:rPr lang="en-US" dirty="0"/>
+              <a:t>Game object : Enemy</a:t>
+            </a:r>
+          </a:p>
+          <a:p>
+            <a:pPr algn="ctr"/>
+            <a:r>
+              <a:rPr lang="en-US" dirty="0"/>
+              <a:t>3d cube</a:t>
+            </a:r>
+          </a:p>
+        </p:txBody>
+      </p:sp>
+      <p:sp>
+        <p:nvSpPr>
+          <p:cNvPr id="8" name="Rectangle 7">
+            <a:extLst>
+              <a:ext uri="{FF2B5EF4-FFF2-40B4-BE49-F238E27FC236}">
+                <a16:creationId xmlns:a16="http://schemas.microsoft.com/office/drawing/2014/main" id="{BC9B3101-750F-4053-B888-4B1FA7999FB1}"/>
+              </a:ext>
+            </a:extLst>
+          </p:cNvPr>
+          <p:cNvSpPr/>
+          <p:nvPr/>
+        </p:nvSpPr>
+        <p:spPr>
+          <a:xfrm>
+            <a:off x="2351148" y="2689609"/>
+            <a:ext cx="2136655" cy="642781"/>
+          </a:xfrm>
+          <a:prstGeom prst="rect">
+            <a:avLst/>
+          </a:prstGeom>
+          <a:solidFill>
+            <a:schemeClr val="accent2"/>
+          </a:solidFill>
+        </p:spPr>
+        <p:style>
+          <a:lnRef idx="2">
+            <a:schemeClr val="accent6">
+              <a:shade val="50000"/>
+            </a:schemeClr>
+          </a:lnRef>
+          <a:fillRef idx="1">
+            <a:schemeClr val="accent6"/>
+          </a:fillRef>
+          <a:effectRef idx="0">
+            <a:schemeClr val="accent6"/>
+          </a:effectRef>
+          <a:fontRef idx="minor">
+            <a:schemeClr val="lt1"/>
+          </a:fontRef>
+        </p:style>
+        <p:txBody>
+          <a:bodyPr rtlCol="0" anchor="ctr"/>
+          <a:lstStyle/>
+          <a:p>
+            <a:pPr algn="ctr"/>
+            <a:r>
+              <a:rPr lang="en-US" dirty="0"/>
+              <a:t>Game object: Head</a:t>
+            </a:r>
+          </a:p>
+        </p:txBody>
+      </p:sp>
+      <p:sp>
+        <p:nvSpPr>
+          <p:cNvPr id="9" name="Rectangle 8">
+            <a:extLst>
+              <a:ext uri="{FF2B5EF4-FFF2-40B4-BE49-F238E27FC236}">
+                <a16:creationId xmlns:a16="http://schemas.microsoft.com/office/drawing/2014/main" id="{AF89C6CB-8711-4F94-90E1-A7B8258723B4}"/>
+              </a:ext>
+            </a:extLst>
+          </p:cNvPr>
+          <p:cNvSpPr/>
+          <p:nvPr/>
+        </p:nvSpPr>
+        <p:spPr>
+          <a:xfrm>
+            <a:off x="2351148" y="3487972"/>
+            <a:ext cx="2136655" cy="642781"/>
+          </a:xfrm>
+          <a:prstGeom prst="rect">
+            <a:avLst/>
+          </a:prstGeom>
+          <a:solidFill>
+            <a:schemeClr val="accent6">
+              <a:lumMod val="75000"/>
+            </a:schemeClr>
+          </a:solidFill>
+        </p:spPr>
+        <p:style>
+          <a:lnRef idx="2">
+            <a:schemeClr val="accent6">
+              <a:shade val="50000"/>
+            </a:schemeClr>
+          </a:lnRef>
+          <a:fillRef idx="1">
+            <a:schemeClr val="accent6"/>
+          </a:fillRef>
+          <a:effectRef idx="0">
+            <a:schemeClr val="accent6"/>
+          </a:effectRef>
+          <a:fontRef idx="minor">
+            <a:schemeClr val="lt1"/>
+          </a:fontRef>
+        </p:style>
+        <p:txBody>
+          <a:bodyPr rtlCol="0" anchor="ctr"/>
+          <a:lstStyle/>
+          <a:p>
+            <a:pPr algn="ctr"/>
+            <a:r>
+              <a:rPr lang="en-US" dirty="0"/>
+              <a:t>Game object: 3d model of </a:t>
+            </a:r>
+            <a:r>
+              <a:rPr lang="en-US" dirty="0" err="1"/>
+              <a:t>goomba</a:t>
+            </a:r>
+            <a:endParaRPr lang="en-US" dirty="0"/>
+          </a:p>
+        </p:txBody>
+      </p:sp>
+    </p:spTree>
+    <p:extLst>
+      <p:ext uri="{BB962C8B-B14F-4D97-AF65-F5344CB8AC3E}">
+        <p14:creationId xmlns:p14="http://schemas.microsoft.com/office/powerpoint/2010/main" val="3435909588"/>
+      </p:ext>
+    </p:extLst>
+  </p:cSld>
+  <p:clrMapOvr>
+    <a:masterClrMapping/>
+  </p:clrMapOvr>
+</p:sld>
+</file>
+
+<file path=ppt/slides/slide14.xml><?xml version="1.0" encoding="utf-8"?>
+<p:sld xmlns:a="http://schemas.openxmlformats.org/drawingml/2006/main" xmlns:r="http://schemas.openxmlformats.org/officeDocument/2006/relationships" xmlns:p="http://schemas.openxmlformats.org/presentationml/2006/main">
+  <p:cSld>
+    <p:spTree>
+      <p:nvGrpSpPr>
+        <p:cNvPr id="1" name=""/>
+        <p:cNvGrpSpPr/>
+        <p:nvPr/>
+      </p:nvGrpSpPr>
+      <p:grpSpPr>
+        <a:xfrm>
+          <a:off x="0" y="0"/>
+          <a:ext cx="0" cy="0"/>
+          <a:chOff x="0" y="0"/>
+          <a:chExt cx="0" cy="0"/>
+        </a:xfrm>
+      </p:grpSpPr>
+      <p:sp>
+        <p:nvSpPr>
+          <p:cNvPr id="2" name="Title 1">
+            <a:extLst>
+              <a:ext uri="{FF2B5EF4-FFF2-40B4-BE49-F238E27FC236}">
+                <a16:creationId xmlns:a16="http://schemas.microsoft.com/office/drawing/2014/main" id="{6E533477-82DE-465C-B6A3-03025912A65F}"/>
+              </a:ext>
+            </a:extLst>
+          </p:cNvPr>
+          <p:cNvSpPr>
+            <a:spLocks noGrp="1"/>
+          </p:cNvSpPr>
+          <p:nvPr>
+            <p:ph type="title"/>
+          </p:nvPr>
+        </p:nvSpPr>
+        <p:spPr/>
+        <p:txBody>
+          <a:bodyPr/>
+          <a:lstStyle/>
+          <a:p>
+            <a:endParaRPr lang="en-US"/>
+          </a:p>
+        </p:txBody>
+      </p:sp>
+      <p:sp>
+        <p:nvSpPr>
+          <p:cNvPr id="3" name="Content Placeholder 2">
+            <a:extLst>
+              <a:ext uri="{FF2B5EF4-FFF2-40B4-BE49-F238E27FC236}">
+                <a16:creationId xmlns:a16="http://schemas.microsoft.com/office/drawing/2014/main" id="{63DD723C-694B-4AA9-9ACC-9A2DB2F3CBC2}"/>
+              </a:ext>
+            </a:extLst>
+          </p:cNvPr>
+          <p:cNvSpPr>
+            <a:spLocks noGrp="1"/>
+          </p:cNvSpPr>
+          <p:nvPr>
+            <p:ph idx="1"/>
+          </p:nvPr>
+        </p:nvSpPr>
+        <p:spPr/>
+        <p:txBody>
+          <a:bodyPr/>
+          <a:lstStyle/>
+          <a:p>
+            <a:endParaRPr lang="en-US"/>
+          </a:p>
+        </p:txBody>
+      </p:sp>
+      <p:pic>
+        <p:nvPicPr>
+          <p:cNvPr id="4" name="Picture 3">
+            <a:extLst>
+              <a:ext uri="{FF2B5EF4-FFF2-40B4-BE49-F238E27FC236}">
+                <a16:creationId xmlns:a16="http://schemas.microsoft.com/office/drawing/2014/main" id="{EDFD4161-622D-4241-A636-5AD3A2924B32}"/>
+              </a:ext>
+            </a:extLst>
+          </p:cNvPr>
+          <p:cNvPicPr>
+            <a:picLocks noChangeAspect="1"/>
+          </p:cNvPicPr>
+          <p:nvPr/>
+        </p:nvPicPr>
+        <p:blipFill>
+          <a:blip r:embed="rId2"/>
+          <a:stretch>
+            <a:fillRect/>
+          </a:stretch>
+        </p:blipFill>
+        <p:spPr>
+          <a:xfrm>
+            <a:off x="0" y="0"/>
+            <a:ext cx="12192000" cy="6858000"/>
+          </a:xfrm>
+          <a:prstGeom prst="rect">
+            <a:avLst/>
+          </a:prstGeom>
+        </p:spPr>
+      </p:pic>
+    </p:spTree>
+    <p:extLst>
+      <p:ext uri="{BB962C8B-B14F-4D97-AF65-F5344CB8AC3E}">
+        <p14:creationId xmlns:p14="http://schemas.microsoft.com/office/powerpoint/2010/main" val="3553364604"/>
+      </p:ext>
+    </p:extLst>
+  </p:cSld>
+  <p:clrMapOvr>
+    <a:masterClrMapping/>
+  </p:clrMapOvr>
+</p:sld>
+</file>
+
+<file path=ppt/slides/slide15.xml><?xml version="1.0" encoding="utf-8"?>
+<p:sld xmlns:a="http://schemas.openxmlformats.org/drawingml/2006/main" xmlns:r="http://schemas.openxmlformats.org/officeDocument/2006/relationships" xmlns:p="http://schemas.openxmlformats.org/presentationml/2006/main">
+  <p:cSld>
+    <p:spTree>
+      <p:nvGrpSpPr>
+        <p:cNvPr id="1" name=""/>
+        <p:cNvGrpSpPr/>
+        <p:nvPr/>
+      </p:nvGrpSpPr>
+      <p:grpSpPr>
+        <a:xfrm>
+          <a:off x="0" y="0"/>
+          <a:ext cx="0" cy="0"/>
+          <a:chOff x="0" y="0"/>
+          <a:chExt cx="0" cy="0"/>
+        </a:xfrm>
+      </p:grpSpPr>
+      <p:sp>
+        <p:nvSpPr>
+          <p:cNvPr id="2" name="Title 1">
+            <a:extLst>
+              <a:ext uri="{FF2B5EF4-FFF2-40B4-BE49-F238E27FC236}">
+                <a16:creationId xmlns:a16="http://schemas.microsoft.com/office/drawing/2014/main" id="{02B9D790-FA8B-44AC-A188-13D48A8FC8BA}"/>
+              </a:ext>
+            </a:extLst>
+          </p:cNvPr>
+          <p:cNvSpPr>
+            <a:spLocks noGrp="1"/>
+          </p:cNvSpPr>
+          <p:nvPr>
+            <p:ph type="title"/>
+          </p:nvPr>
+        </p:nvSpPr>
+        <p:spPr/>
+        <p:txBody>
+          <a:bodyPr/>
+          <a:lstStyle/>
+          <a:p>
+            <a:endParaRPr lang="en-US"/>
+          </a:p>
+        </p:txBody>
+      </p:sp>
+      <p:sp>
+        <p:nvSpPr>
+          <p:cNvPr id="3" name="Content Placeholder 2">
+            <a:extLst>
+              <a:ext uri="{FF2B5EF4-FFF2-40B4-BE49-F238E27FC236}">
+                <a16:creationId xmlns:a16="http://schemas.microsoft.com/office/drawing/2014/main" id="{559550E2-76F4-490B-BF64-EBD77064C7F2}"/>
+              </a:ext>
+            </a:extLst>
+          </p:cNvPr>
+          <p:cNvSpPr>
+            <a:spLocks noGrp="1"/>
+          </p:cNvSpPr>
+          <p:nvPr>
+            <p:ph idx="1"/>
+          </p:nvPr>
+        </p:nvSpPr>
+        <p:spPr/>
+        <p:txBody>
+          <a:bodyPr/>
+          <a:lstStyle/>
+          <a:p>
+            <a:endParaRPr lang="en-US"/>
+          </a:p>
+        </p:txBody>
+      </p:sp>
+      <p:pic>
+        <p:nvPicPr>
+          <p:cNvPr id="1026" name="Picture 2" descr="Top 10 Best Fighting Games for iOS/Android in 2020 - YouTube">
+            <a:extLst>
+              <a:ext uri="{FF2B5EF4-FFF2-40B4-BE49-F238E27FC236}">
+                <a16:creationId xmlns:a16="http://schemas.microsoft.com/office/drawing/2014/main" id="{5C23A19D-14C2-4EE6-A500-49DD75D7F3F6}"/>
+              </a:ext>
+            </a:extLst>
+          </p:cNvPr>
+          <p:cNvPicPr>
+            <a:picLocks noChangeAspect="1" noChangeArrowheads="1"/>
+          </p:cNvPicPr>
+          <p:nvPr/>
+        </p:nvPicPr>
+        <p:blipFill>
+          <a:blip r:embed="rId2">
+            <a:extLst>
+              <a:ext uri="{28A0092B-C50C-407E-A947-70E740481C1C}">
+                <a14:useLocalDpi xmlns:a14="http://schemas.microsoft.com/office/drawing/2010/main" val="0"/>
+              </a:ext>
+            </a:extLst>
+          </a:blip>
+          <a:srcRect/>
+          <a:stretch>
+            <a:fillRect/>
+          </a:stretch>
+        </p:blipFill>
+        <p:spPr bwMode="auto">
+          <a:xfrm>
+            <a:off x="0" y="0"/>
+            <a:ext cx="12192000" cy="6858000"/>
+          </a:xfrm>
+          <a:prstGeom prst="rect">
+            <a:avLst/>
+          </a:prstGeom>
+          <a:noFill/>
+          <a:extLst>
+            <a:ext uri="{909E8E84-426E-40DD-AFC4-6F175D3DCCD1}">
+              <a14:hiddenFill xmlns:a14="http://schemas.microsoft.com/office/drawing/2010/main">
+                <a:solidFill>
+                  <a:srgbClr val="FFFFFF"/>
+                </a:solidFill>
+              </a14:hiddenFill>
+            </a:ext>
+          </a:extLst>
+        </p:spPr>
+      </p:pic>
+      <p:sp>
+        <p:nvSpPr>
+          <p:cNvPr id="5" name="Rectangle 4">
+            <a:extLst>
+              <a:ext uri="{FF2B5EF4-FFF2-40B4-BE49-F238E27FC236}">
+                <a16:creationId xmlns:a16="http://schemas.microsoft.com/office/drawing/2014/main" id="{12BAD77E-E5E0-4E5A-B445-85656C766F0B}"/>
+              </a:ext>
+            </a:extLst>
+          </p:cNvPr>
+          <p:cNvSpPr/>
+          <p:nvPr/>
+        </p:nvSpPr>
+        <p:spPr>
+          <a:xfrm>
+            <a:off x="6361174" y="3912055"/>
+            <a:ext cx="496826" cy="420234"/>
+          </a:xfrm>
+          <a:prstGeom prst="rect">
+            <a:avLst/>
+          </a:prstGeom>
+          <a:solidFill>
+            <a:schemeClr val="accent2"/>
+          </a:solidFill>
+        </p:spPr>
+        <p:style>
+          <a:lnRef idx="2">
+            <a:schemeClr val="accent6">
+              <a:shade val="50000"/>
+            </a:schemeClr>
+          </a:lnRef>
+          <a:fillRef idx="1">
+            <a:schemeClr val="accent6"/>
+          </a:fillRef>
+          <a:effectRef idx="0">
+            <a:schemeClr val="accent6"/>
+          </a:effectRef>
+          <a:fontRef idx="minor">
+            <a:schemeClr val="lt1"/>
+          </a:fontRef>
+        </p:style>
+        <p:txBody>
+          <a:bodyPr rtlCol="0" anchor="ctr"/>
+          <a:lstStyle/>
+          <a:p>
+            <a:pPr algn="ctr"/>
+            <a:endParaRPr lang="en-US" dirty="0"/>
+          </a:p>
+        </p:txBody>
+      </p:sp>
+      <p:sp>
+        <p:nvSpPr>
+          <p:cNvPr id="6" name="Rectangle 5">
+            <a:extLst>
+              <a:ext uri="{FF2B5EF4-FFF2-40B4-BE49-F238E27FC236}">
+                <a16:creationId xmlns:a16="http://schemas.microsoft.com/office/drawing/2014/main" id="{66D9EFD6-1B74-405C-B20D-9111A406FCFE}"/>
+              </a:ext>
+            </a:extLst>
+          </p:cNvPr>
+          <p:cNvSpPr/>
+          <p:nvPr/>
+        </p:nvSpPr>
+        <p:spPr>
+          <a:xfrm>
+            <a:off x="7534275" y="2730955"/>
+            <a:ext cx="496826" cy="420234"/>
+          </a:xfrm>
+          <a:prstGeom prst="rect">
+            <a:avLst/>
+          </a:prstGeom>
+          <a:solidFill>
+            <a:schemeClr val="accent2"/>
+          </a:solidFill>
+        </p:spPr>
+        <p:style>
+          <a:lnRef idx="2">
+            <a:schemeClr val="accent6">
+              <a:shade val="50000"/>
+            </a:schemeClr>
+          </a:lnRef>
+          <a:fillRef idx="1">
+            <a:schemeClr val="accent6"/>
+          </a:fillRef>
+          <a:effectRef idx="0">
+            <a:schemeClr val="accent6"/>
+          </a:effectRef>
+          <a:fontRef idx="minor">
+            <a:schemeClr val="lt1"/>
+          </a:fontRef>
+        </p:style>
+        <p:txBody>
+          <a:bodyPr rtlCol="0" anchor="ctr"/>
+          <a:lstStyle/>
+          <a:p>
+            <a:pPr algn="ctr"/>
+            <a:endParaRPr lang="en-US" dirty="0"/>
+          </a:p>
+        </p:txBody>
+      </p:sp>
+      <p:sp>
+        <p:nvSpPr>
+          <p:cNvPr id="7" name="Rectangle 6">
+            <a:extLst>
+              <a:ext uri="{FF2B5EF4-FFF2-40B4-BE49-F238E27FC236}">
+                <a16:creationId xmlns:a16="http://schemas.microsoft.com/office/drawing/2014/main" id="{4896B1FE-C800-4C56-B712-920515CD84C9}"/>
+              </a:ext>
+            </a:extLst>
+          </p:cNvPr>
+          <p:cNvSpPr/>
+          <p:nvPr/>
+        </p:nvSpPr>
+        <p:spPr>
+          <a:xfrm>
+            <a:off x="6112761" y="5626555"/>
+            <a:ext cx="496826" cy="420234"/>
+          </a:xfrm>
+          <a:prstGeom prst="rect">
+            <a:avLst/>
+          </a:prstGeom>
+          <a:solidFill>
+            <a:schemeClr val="accent2"/>
+          </a:solidFill>
+        </p:spPr>
+        <p:style>
+          <a:lnRef idx="2">
+            <a:schemeClr val="accent6">
+              <a:shade val="50000"/>
+            </a:schemeClr>
+          </a:lnRef>
+          <a:fillRef idx="1">
+            <a:schemeClr val="accent6"/>
+          </a:fillRef>
+          <a:effectRef idx="0">
+            <a:schemeClr val="accent6"/>
+          </a:effectRef>
+          <a:fontRef idx="minor">
+            <a:schemeClr val="lt1"/>
+          </a:fontRef>
+        </p:style>
+        <p:txBody>
+          <a:bodyPr rtlCol="0" anchor="ctr"/>
+          <a:lstStyle/>
+          <a:p>
+            <a:pPr algn="ctr"/>
+            <a:endParaRPr lang="en-US" dirty="0"/>
+          </a:p>
+        </p:txBody>
+      </p:sp>
+      <p:sp>
+        <p:nvSpPr>
+          <p:cNvPr id="8" name="Rectangle 7">
+            <a:extLst>
+              <a:ext uri="{FF2B5EF4-FFF2-40B4-BE49-F238E27FC236}">
+                <a16:creationId xmlns:a16="http://schemas.microsoft.com/office/drawing/2014/main" id="{31DCBC0C-BBE9-4857-A34B-BC5614E9A7AB}"/>
+              </a:ext>
+            </a:extLst>
+          </p:cNvPr>
+          <p:cNvSpPr/>
+          <p:nvPr/>
+        </p:nvSpPr>
+        <p:spPr>
+          <a:xfrm>
+            <a:off x="4629150" y="2162174"/>
+            <a:ext cx="496826" cy="151947"/>
+          </a:xfrm>
+          <a:prstGeom prst="rect">
+            <a:avLst/>
+          </a:prstGeom>
+          <a:solidFill>
+            <a:schemeClr val="accent2"/>
+          </a:solidFill>
+        </p:spPr>
+        <p:style>
+          <a:lnRef idx="2">
+            <a:schemeClr val="accent6">
+              <a:shade val="50000"/>
+            </a:schemeClr>
+          </a:lnRef>
+          <a:fillRef idx="1">
+            <a:schemeClr val="accent6"/>
+          </a:fillRef>
+          <a:effectRef idx="0">
+            <a:schemeClr val="accent6"/>
+          </a:effectRef>
+          <a:fontRef idx="minor">
+            <a:schemeClr val="lt1"/>
+          </a:fontRef>
+        </p:style>
+        <p:txBody>
+          <a:bodyPr rtlCol="0" anchor="ctr"/>
+          <a:lstStyle/>
+          <a:p>
+            <a:pPr algn="ctr"/>
+            <a:endParaRPr lang="en-US" dirty="0"/>
+          </a:p>
+        </p:txBody>
+      </p:sp>
+      <p:sp>
+        <p:nvSpPr>
+          <p:cNvPr id="9" name="Rectangle 8">
+            <a:extLst>
+              <a:ext uri="{FF2B5EF4-FFF2-40B4-BE49-F238E27FC236}">
+                <a16:creationId xmlns:a16="http://schemas.microsoft.com/office/drawing/2014/main" id="{D3B08A89-79C2-4B35-853C-5E8DC32A49E3}"/>
+              </a:ext>
+            </a:extLst>
+          </p:cNvPr>
+          <p:cNvSpPr/>
+          <p:nvPr/>
+        </p:nvSpPr>
+        <p:spPr>
+          <a:xfrm>
+            <a:off x="4629150" y="2865098"/>
+            <a:ext cx="496826" cy="151947"/>
+          </a:xfrm>
+          <a:prstGeom prst="rect">
+            <a:avLst/>
+          </a:prstGeom>
+          <a:solidFill>
+            <a:schemeClr val="accent2"/>
+          </a:solidFill>
+        </p:spPr>
+        <p:style>
+          <a:lnRef idx="2">
+            <a:schemeClr val="accent6">
+              <a:shade val="50000"/>
+            </a:schemeClr>
+          </a:lnRef>
+          <a:fillRef idx="1">
+            <a:schemeClr val="accent6"/>
+          </a:fillRef>
+          <a:effectRef idx="0">
+            <a:schemeClr val="accent6"/>
+          </a:effectRef>
+          <a:fontRef idx="minor">
+            <a:schemeClr val="lt1"/>
+          </a:fontRef>
+        </p:style>
+        <p:txBody>
+          <a:bodyPr rtlCol="0" anchor="ctr"/>
+          <a:lstStyle/>
+          <a:p>
+            <a:pPr algn="ctr"/>
+            <a:endParaRPr lang="en-US" dirty="0"/>
+          </a:p>
+        </p:txBody>
+      </p:sp>
+      <p:sp>
+        <p:nvSpPr>
+          <p:cNvPr id="10" name="Rectangle 9">
+            <a:extLst>
+              <a:ext uri="{FF2B5EF4-FFF2-40B4-BE49-F238E27FC236}">
+                <a16:creationId xmlns:a16="http://schemas.microsoft.com/office/drawing/2014/main" id="{58C57710-2976-41DB-B823-744967AF9AFA}"/>
+              </a:ext>
+            </a:extLst>
+          </p:cNvPr>
+          <p:cNvSpPr/>
+          <p:nvPr/>
+        </p:nvSpPr>
+        <p:spPr>
+          <a:xfrm>
+            <a:off x="5087876" y="2368493"/>
+            <a:ext cx="77726" cy="442232"/>
+          </a:xfrm>
+          <a:prstGeom prst="rect">
+            <a:avLst/>
+          </a:prstGeom>
+          <a:solidFill>
+            <a:schemeClr val="accent2"/>
+          </a:solidFill>
+        </p:spPr>
+        <p:style>
+          <a:lnRef idx="2">
+            <a:schemeClr val="accent6">
+              <a:shade val="50000"/>
+            </a:schemeClr>
+          </a:lnRef>
+          <a:fillRef idx="1">
+            <a:schemeClr val="accent6"/>
+          </a:fillRef>
+          <a:effectRef idx="0">
+            <a:schemeClr val="accent6"/>
+          </a:effectRef>
+          <a:fontRef idx="minor">
+            <a:schemeClr val="lt1"/>
+          </a:fontRef>
+        </p:style>
+        <p:txBody>
+          <a:bodyPr rtlCol="0" anchor="ctr"/>
+          <a:lstStyle/>
+          <a:p>
+            <a:pPr algn="ctr"/>
+            <a:endParaRPr lang="en-US" dirty="0"/>
+          </a:p>
+        </p:txBody>
+      </p:sp>
+    </p:spTree>
+    <p:extLst>
+      <p:ext uri="{BB962C8B-B14F-4D97-AF65-F5344CB8AC3E}">
+        <p14:creationId xmlns:p14="http://schemas.microsoft.com/office/powerpoint/2010/main" val="1117208773"/>
+      </p:ext>
+    </p:extLst>
+  </p:cSld>
+  <p:clrMapOvr>
+    <a:masterClrMapping/>
+  </p:clrMapOvr>
+</p:sld>
+</file>
+
 <file path=ppt/slides/slide2.xml><?xml version="1.0" encoding="utf-8"?>
 <p:sld xmlns:a="http://schemas.openxmlformats.org/drawingml/2006/main" xmlns:r="http://schemas.openxmlformats.org/officeDocument/2006/relationships" xmlns:p="http://schemas.openxmlformats.org/presentationml/2006/main">
   <p:cSld>
@@ -5087,6 +6583,211 @@
     <p:extLst>
       <p:ext uri="{BB962C8B-B14F-4D97-AF65-F5344CB8AC3E}">
         <p14:creationId xmlns:p14="http://schemas.microsoft.com/office/powerpoint/2010/main" val="4077860347"/>
+      </p:ext>
+    </p:extLst>
+  </p:cSld>
+  <p:clrMapOvr>
+    <a:masterClrMapping/>
+  </p:clrMapOvr>
+</p:sld>
+</file>
+
+<file path=ppt/slides/slide9.xml><?xml version="1.0" encoding="utf-8"?>
+<p:sld xmlns:a="http://schemas.openxmlformats.org/drawingml/2006/main" xmlns:r="http://schemas.openxmlformats.org/officeDocument/2006/relationships" xmlns:p="http://schemas.openxmlformats.org/presentationml/2006/main">
+  <p:cSld>
+    <p:spTree>
+      <p:nvGrpSpPr>
+        <p:cNvPr id="1" name=""/>
+        <p:cNvGrpSpPr/>
+        <p:nvPr/>
+      </p:nvGrpSpPr>
+      <p:grpSpPr>
+        <a:xfrm>
+          <a:off x="0" y="0"/>
+          <a:ext cx="0" cy="0"/>
+          <a:chOff x="0" y="0"/>
+          <a:chExt cx="0" cy="0"/>
+        </a:xfrm>
+      </p:grpSpPr>
+      <p:sp>
+        <p:nvSpPr>
+          <p:cNvPr id="2" name="Title 1">
+            <a:extLst>
+              <a:ext uri="{FF2B5EF4-FFF2-40B4-BE49-F238E27FC236}">
+                <a16:creationId xmlns:a16="http://schemas.microsoft.com/office/drawing/2014/main" id="{13A1538D-67C0-4906-B38B-D202C2A1A9E9}"/>
+              </a:ext>
+            </a:extLst>
+          </p:cNvPr>
+          <p:cNvSpPr>
+            <a:spLocks noGrp="1"/>
+          </p:cNvSpPr>
+          <p:nvPr>
+            <p:ph type="title"/>
+          </p:nvPr>
+        </p:nvSpPr>
+        <p:spPr/>
+        <p:txBody>
+          <a:bodyPr/>
+          <a:lstStyle/>
+          <a:p>
+            <a:endParaRPr lang="en-US"/>
+          </a:p>
+        </p:txBody>
+      </p:sp>
+      <p:sp>
+        <p:nvSpPr>
+          <p:cNvPr id="3" name="Content Placeholder 2">
+            <a:extLst>
+              <a:ext uri="{FF2B5EF4-FFF2-40B4-BE49-F238E27FC236}">
+                <a16:creationId xmlns:a16="http://schemas.microsoft.com/office/drawing/2014/main" id="{3497D6AE-D4B7-4D5D-A952-3EF824F172DE}"/>
+              </a:ext>
+            </a:extLst>
+          </p:cNvPr>
+          <p:cNvSpPr>
+            <a:spLocks noGrp="1"/>
+          </p:cNvSpPr>
+          <p:nvPr>
+            <p:ph idx="1"/>
+          </p:nvPr>
+        </p:nvSpPr>
+        <p:spPr>
+          <a:xfrm>
+            <a:off x="9380220" y="1825625"/>
+            <a:ext cx="2529840" cy="4351338"/>
+          </a:xfrm>
+        </p:spPr>
+        <p:txBody>
+          <a:bodyPr/>
+          <a:lstStyle/>
+          <a:p>
+            <a:r>
+              <a:rPr lang="en-US" dirty="0"/>
+              <a:t>If click START GAME button:</a:t>
+            </a:r>
+          </a:p>
+          <a:p>
+            <a:pPr lvl="1"/>
+            <a:r>
+              <a:rPr lang="en-US" dirty="0"/>
+              <a:t>Close start screen</a:t>
+            </a:r>
+          </a:p>
+        </p:txBody>
+      </p:sp>
+      <p:sp>
+        <p:nvSpPr>
+          <p:cNvPr id="4" name="Rectangle: Rounded Corners 3">
+            <a:extLst>
+              <a:ext uri="{FF2B5EF4-FFF2-40B4-BE49-F238E27FC236}">
+                <a16:creationId xmlns:a16="http://schemas.microsoft.com/office/drawing/2014/main" id="{05984947-3055-443A-BAE9-147260E12A4B}"/>
+              </a:ext>
+            </a:extLst>
+          </p:cNvPr>
+          <p:cNvSpPr/>
+          <p:nvPr/>
+        </p:nvSpPr>
+        <p:spPr>
+          <a:xfrm>
+            <a:off x="586740" y="1059180"/>
+            <a:ext cx="8793480" cy="5006340"/>
+          </a:xfrm>
+          <a:prstGeom prst="roundRect">
+            <a:avLst/>
+          </a:prstGeom>
+        </p:spPr>
+        <p:style>
+          <a:lnRef idx="2">
+            <a:schemeClr val="accent1">
+              <a:shade val="50000"/>
+            </a:schemeClr>
+          </a:lnRef>
+          <a:fillRef idx="1">
+            <a:schemeClr val="accent1"/>
+          </a:fillRef>
+          <a:effectRef idx="0">
+            <a:schemeClr val="accent1"/>
+          </a:effectRef>
+          <a:fontRef idx="minor">
+            <a:schemeClr val="lt1"/>
+          </a:fontRef>
+        </p:style>
+        <p:txBody>
+          <a:bodyPr rtlCol="0" anchor="ctr"/>
+          <a:lstStyle/>
+          <a:p>
+            <a:pPr algn="ctr"/>
+            <a:r>
+              <a:rPr lang="en-US" dirty="0"/>
+              <a:t>Welcome to MARIO 2021</a:t>
+            </a:r>
+          </a:p>
+          <a:p>
+            <a:pPr algn="ctr"/>
+            <a:endParaRPr lang="en-US" dirty="0"/>
+          </a:p>
+          <a:p>
+            <a:pPr algn="ctr"/>
+            <a:endParaRPr lang="en-US" dirty="0"/>
+          </a:p>
+          <a:p>
+            <a:pPr algn="ctr"/>
+            <a:endParaRPr lang="en-US" dirty="0"/>
+          </a:p>
+        </p:txBody>
+      </p:sp>
+      <p:sp>
+        <p:nvSpPr>
+          <p:cNvPr id="5" name="Rectangle: Rounded Corners 4">
+            <a:extLst>
+              <a:ext uri="{FF2B5EF4-FFF2-40B4-BE49-F238E27FC236}">
+                <a16:creationId xmlns:a16="http://schemas.microsoft.com/office/drawing/2014/main" id="{A15271DD-1667-43B3-B03E-37EF4379222B}"/>
+              </a:ext>
+            </a:extLst>
+          </p:cNvPr>
+          <p:cNvSpPr/>
+          <p:nvPr/>
+        </p:nvSpPr>
+        <p:spPr>
+          <a:xfrm>
+            <a:off x="3432810" y="4320540"/>
+            <a:ext cx="3101340" cy="967740"/>
+          </a:xfrm>
+          <a:prstGeom prst="roundRect">
+            <a:avLst/>
+          </a:prstGeom>
+        </p:spPr>
+        <p:style>
+          <a:lnRef idx="2">
+            <a:schemeClr val="accent4">
+              <a:shade val="50000"/>
+            </a:schemeClr>
+          </a:lnRef>
+          <a:fillRef idx="1">
+            <a:schemeClr val="accent4"/>
+          </a:fillRef>
+          <a:effectRef idx="0">
+            <a:schemeClr val="accent4"/>
+          </a:effectRef>
+          <a:fontRef idx="minor">
+            <a:schemeClr val="lt1"/>
+          </a:fontRef>
+        </p:style>
+        <p:txBody>
+          <a:bodyPr rtlCol="0" anchor="ctr"/>
+          <a:lstStyle/>
+          <a:p>
+            <a:pPr algn="ctr"/>
+            <a:r>
+              <a:rPr lang="en-US" dirty="0"/>
+              <a:t>START GAME</a:t>
+            </a:r>
+          </a:p>
+        </p:txBody>
+      </p:sp>
+    </p:spTree>
+    <p:extLst>
+      <p:ext uri="{BB962C8B-B14F-4D97-AF65-F5344CB8AC3E}">
+        <p14:creationId xmlns:p14="http://schemas.microsoft.com/office/powerpoint/2010/main" val="368310475"/>
       </p:ext>
     </p:extLst>
   </p:cSld>
@@ -5358,18 +7059,18 @@
 </file>
 
 <file path=customXml/item1.xml><?xml version="1.0" encoding="utf-8"?>
-<p:properties xmlns:p="http://schemas.microsoft.com/office/2006/metadata/properties" xmlns:xsi="http://www.w3.org/2001/XMLSchema-instance" xmlns:pc="http://schemas.microsoft.com/office/infopath/2007/PartnerControls">
-  <documentManagement/>
-</p:properties>
-</file>
-
-<file path=customXml/item2.xml><?xml version="1.0" encoding="utf-8"?>
 <?mso-contentType ?>
 <FormTemplates xmlns="http://schemas.microsoft.com/sharepoint/v3/contenttype/forms">
   <Display>DocumentLibraryForm</Display>
   <Edit>DocumentLibraryForm</Edit>
   <New>DocumentLibraryForm</New>
 </FormTemplates>
+</file>
+
+<file path=customXml/item2.xml><?xml version="1.0" encoding="utf-8"?>
+<p:properties xmlns:p="http://schemas.microsoft.com/office/2006/metadata/properties" xmlns:xsi="http://www.w3.org/2001/XMLSchema-instance" xmlns:pc="http://schemas.microsoft.com/office/infopath/2007/PartnerControls">
+  <documentManagement/>
+</p:properties>
 </file>
 
 <file path=customXml/item3.xml><?xml version="1.0" encoding="utf-8"?>
@@ -5549,18 +7250,18 @@
 </file>
 
 <file path=customXml/itemProps1.xml><?xml version="1.0" encoding="utf-8"?>
-<ds:datastoreItem xmlns:ds="http://schemas.openxmlformats.org/officeDocument/2006/customXml" ds:itemID="{6F99CC6B-3FC4-4611-BB8A-0161C42924D8}">
+<ds:datastoreItem xmlns:ds="http://schemas.openxmlformats.org/officeDocument/2006/customXml" ds:itemID="{C77525A5-9444-4E49-A3A8-9EBC94C17F95}">
   <ds:schemaRefs>
-    <ds:schemaRef ds:uri="http://schemas.microsoft.com/office/2006/metadata/properties"/>
-    <ds:schemaRef ds:uri="http://schemas.microsoft.com/office/infopath/2007/PartnerControls"/>
+    <ds:schemaRef ds:uri="http://schemas.microsoft.com/sharepoint/v3/contenttype/forms"/>
   </ds:schemaRefs>
 </ds:datastoreItem>
 </file>
 
 <file path=customXml/itemProps2.xml><?xml version="1.0" encoding="utf-8"?>
-<ds:datastoreItem xmlns:ds="http://schemas.openxmlformats.org/officeDocument/2006/customXml" ds:itemID="{C77525A5-9444-4E49-A3A8-9EBC94C17F95}">
+<ds:datastoreItem xmlns:ds="http://schemas.openxmlformats.org/officeDocument/2006/customXml" ds:itemID="{6F99CC6B-3FC4-4611-BB8A-0161C42924D8}">
   <ds:schemaRefs>
-    <ds:schemaRef ds:uri="http://schemas.microsoft.com/sharepoint/v3/contenttype/forms"/>
+    <ds:schemaRef ds:uri="http://schemas.microsoft.com/office/2006/metadata/properties"/>
+    <ds:schemaRef ds:uri="http://schemas.microsoft.com/office/infopath/2007/PartnerControls"/>
   </ds:schemaRefs>
 </ds:datastoreItem>
 </file>

--- a/Design/Mario Rules.pptx
+++ b/Design/Mario Rules.pptx
@@ -8,18 +8,20 @@
     <p:sldId id="256" r:id="rId5"/>
     <p:sldId id="257" r:id="rId6"/>
     <p:sldId id="258" r:id="rId7"/>
-    <p:sldId id="262" r:id="rId8"/>
-    <p:sldId id="263" r:id="rId9"/>
-    <p:sldId id="259" r:id="rId10"/>
-    <p:sldId id="260" r:id="rId11"/>
-    <p:sldId id="261" r:id="rId12"/>
-    <p:sldId id="265" r:id="rId13"/>
-    <p:sldId id="266" r:id="rId14"/>
-    <p:sldId id="267" r:id="rId15"/>
-    <p:sldId id="268" r:id="rId16"/>
-    <p:sldId id="271" r:id="rId17"/>
-    <p:sldId id="269" r:id="rId18"/>
-    <p:sldId id="270" r:id="rId19"/>
+    <p:sldId id="259" r:id="rId8"/>
+    <p:sldId id="272" r:id="rId9"/>
+    <p:sldId id="273" r:id="rId10"/>
+    <p:sldId id="262" r:id="rId11"/>
+    <p:sldId id="263" r:id="rId12"/>
+    <p:sldId id="260" r:id="rId13"/>
+    <p:sldId id="261" r:id="rId14"/>
+    <p:sldId id="265" r:id="rId15"/>
+    <p:sldId id="266" r:id="rId16"/>
+    <p:sldId id="267" r:id="rId17"/>
+    <p:sldId id="268" r:id="rId18"/>
+    <p:sldId id="269" r:id="rId19"/>
+    <p:sldId id="270" r:id="rId20"/>
+    <p:sldId id="271" r:id="rId21"/>
   </p:sldIdLst>
   <p:sldSz cx="12192000" cy="6858000"/>
   <p:notesSz cx="6858000" cy="9144000"/>
@@ -459,7 +461,7 @@
           <a:p>
             <a:fld id="{846CE7D5-CF57-46EF-B807-FDD0502418D4}" type="datetimeFigureOut">
               <a:rPr lang="en-US" smtClean="0"/>
-              <a:t>5/21/2021</a:t>
+              <a:t>5/25/2021</a:t>
             </a:fld>
             <a:endParaRPr lang="en-US"/>
           </a:p>
@@ -629,7 +631,7 @@
           <a:p>
             <a:fld id="{846CE7D5-CF57-46EF-B807-FDD0502418D4}" type="datetimeFigureOut">
               <a:rPr lang="en-US" smtClean="0"/>
-              <a:t>5/21/2021</a:t>
+              <a:t>5/25/2021</a:t>
             </a:fld>
             <a:endParaRPr lang="en-US"/>
           </a:p>
@@ -809,7 +811,7 @@
           <a:p>
             <a:fld id="{846CE7D5-CF57-46EF-B807-FDD0502418D4}" type="datetimeFigureOut">
               <a:rPr lang="en-US" smtClean="0"/>
-              <a:t>5/21/2021</a:t>
+              <a:t>5/25/2021</a:t>
             </a:fld>
             <a:endParaRPr lang="en-US"/>
           </a:p>
@@ -979,7 +981,7 @@
           <a:p>
             <a:fld id="{846CE7D5-CF57-46EF-B807-FDD0502418D4}" type="datetimeFigureOut">
               <a:rPr lang="en-US" smtClean="0"/>
-              <a:t>5/21/2021</a:t>
+              <a:t>5/25/2021</a:t>
             </a:fld>
             <a:endParaRPr lang="en-US"/>
           </a:p>
@@ -1225,7 +1227,7 @@
           <a:p>
             <a:fld id="{846CE7D5-CF57-46EF-B807-FDD0502418D4}" type="datetimeFigureOut">
               <a:rPr lang="en-US" smtClean="0"/>
-              <a:t>5/21/2021</a:t>
+              <a:t>5/25/2021</a:t>
             </a:fld>
             <a:endParaRPr lang="en-US"/>
           </a:p>
@@ -1457,7 +1459,7 @@
           <a:p>
             <a:fld id="{846CE7D5-CF57-46EF-B807-FDD0502418D4}" type="datetimeFigureOut">
               <a:rPr lang="en-US" smtClean="0"/>
-              <a:t>5/21/2021</a:t>
+              <a:t>5/25/2021</a:t>
             </a:fld>
             <a:endParaRPr lang="en-US"/>
           </a:p>
@@ -1824,7 +1826,7 @@
           <a:p>
             <a:fld id="{846CE7D5-CF57-46EF-B807-FDD0502418D4}" type="datetimeFigureOut">
               <a:rPr lang="en-US" smtClean="0"/>
-              <a:t>5/21/2021</a:t>
+              <a:t>5/25/2021</a:t>
             </a:fld>
             <a:endParaRPr lang="en-US"/>
           </a:p>
@@ -1942,7 +1944,7 @@
           <a:p>
             <a:fld id="{846CE7D5-CF57-46EF-B807-FDD0502418D4}" type="datetimeFigureOut">
               <a:rPr lang="en-US" smtClean="0"/>
-              <a:t>5/21/2021</a:t>
+              <a:t>5/25/2021</a:t>
             </a:fld>
             <a:endParaRPr lang="en-US"/>
           </a:p>
@@ -2037,7 +2039,7 @@
           <a:p>
             <a:fld id="{846CE7D5-CF57-46EF-B807-FDD0502418D4}" type="datetimeFigureOut">
               <a:rPr lang="en-US" smtClean="0"/>
-              <a:t>5/21/2021</a:t>
+              <a:t>5/25/2021</a:t>
             </a:fld>
             <a:endParaRPr lang="en-US"/>
           </a:p>
@@ -2314,7 +2316,7 @@
           <a:p>
             <a:fld id="{846CE7D5-CF57-46EF-B807-FDD0502418D4}" type="datetimeFigureOut">
               <a:rPr lang="en-US" smtClean="0"/>
-              <a:t>5/21/2021</a:t>
+              <a:t>5/25/2021</a:t>
             </a:fld>
             <a:endParaRPr lang="en-US"/>
           </a:p>
@@ -2571,7 +2573,7 @@
           <a:p>
             <a:fld id="{846CE7D5-CF57-46EF-B807-FDD0502418D4}" type="datetimeFigureOut">
               <a:rPr lang="en-US" smtClean="0"/>
-              <a:t>5/21/2021</a:t>
+              <a:t>5/25/2021</a:t>
             </a:fld>
             <a:endParaRPr lang="en-US"/>
           </a:p>
@@ -2784,7 +2786,7 @@
           <a:p>
             <a:fld id="{846CE7D5-CF57-46EF-B807-FDD0502418D4}" type="datetimeFigureOut">
               <a:rPr lang="en-US" smtClean="0"/>
-              <a:t>5/21/2021</a:t>
+              <a:t>5/25/2021</a:t>
             </a:fld>
             <a:endParaRPr lang="en-US"/>
           </a:p>
@@ -3268,7 +3270,7 @@
           <p:cNvPr id="2" name="Title 1">
             <a:extLst>
               <a:ext uri="{FF2B5EF4-FFF2-40B4-BE49-F238E27FC236}">
-                <a16:creationId xmlns:a16="http://schemas.microsoft.com/office/drawing/2014/main" id="{E65736D8-E0BC-49F2-9B64-C240E1FA57AA}"/>
+                <a16:creationId xmlns:a16="http://schemas.microsoft.com/office/drawing/2014/main" id="{45CC1C2F-6FD2-4EC0-9161-74FE6A63B850}"/>
               </a:ext>
             </a:extLst>
           </p:cNvPr>
@@ -3284,7 +3286,13 @@
           <a:bodyPr/>
           <a:lstStyle/>
           <a:p>
-            <a:endParaRPr lang="en-US"/>
+            <a:r>
+              <a:rPr lang="en-US" dirty="0">
+                <a:cs typeface="Calibri Light"/>
+              </a:rPr>
+              <a:t>Plan </a:t>
+            </a:r>
+            <a:endParaRPr lang="en-US" dirty="0"/>
           </a:p>
         </p:txBody>
       </p:sp>
@@ -3293,7 +3301,7 @@
           <p:cNvPr id="3" name="Content Placeholder 2">
             <a:extLst>
               <a:ext uri="{FF2B5EF4-FFF2-40B4-BE49-F238E27FC236}">
-                <a16:creationId xmlns:a16="http://schemas.microsoft.com/office/drawing/2014/main" id="{14B6FC5C-40D2-4ED6-9532-46DBF62A8E1F}"/>
+                <a16:creationId xmlns:a16="http://schemas.microsoft.com/office/drawing/2014/main" id="{BE1D7F04-3294-4E28-A8D4-04DD85FA3276}"/>
               </a:ext>
             </a:extLst>
           </p:cNvPr>
@@ -3306,66 +3314,184 @@
         </p:nvSpPr>
         <p:spPr/>
         <p:txBody>
-          <a:bodyPr/>
-          <a:lstStyle/>
-          <a:p>
-            <a:endParaRPr lang="en-US"/>
-          </a:p>
-        </p:txBody>
-      </p:sp>
-      <p:sp>
-        <p:nvSpPr>
-          <p:cNvPr id="4" name="Rectangle: Rounded Corners 3">
-            <a:extLst>
-              <a:ext uri="{FF2B5EF4-FFF2-40B4-BE49-F238E27FC236}">
-                <a16:creationId xmlns:a16="http://schemas.microsoft.com/office/drawing/2014/main" id="{6581FE13-5EE0-4A7F-BF00-C7B25525C292}"/>
-              </a:ext>
-            </a:extLst>
-          </p:cNvPr>
-          <p:cNvSpPr/>
-          <p:nvPr/>
-        </p:nvSpPr>
-        <p:spPr>
-          <a:xfrm>
-            <a:off x="586740" y="1059180"/>
-            <a:ext cx="8793480" cy="5006340"/>
-          </a:xfrm>
-          <a:prstGeom prst="roundRect">
-            <a:avLst/>
-          </a:prstGeom>
-        </p:spPr>
-        <p:style>
-          <a:lnRef idx="2">
-            <a:schemeClr val="accent1">
-              <a:shade val="50000"/>
-            </a:schemeClr>
-          </a:lnRef>
-          <a:fillRef idx="1">
-            <a:schemeClr val="accent1"/>
-          </a:fillRef>
-          <a:effectRef idx="0">
-            <a:schemeClr val="accent1"/>
-          </a:effectRef>
-          <a:fontRef idx="minor">
-            <a:schemeClr val="lt1"/>
-          </a:fontRef>
-        </p:style>
-        <p:txBody>
-          <a:bodyPr rtlCol="0" anchor="ctr"/>
-          <a:lstStyle/>
-          <a:p>
-            <a:pPr algn="ctr"/>
-            <a:r>
-              <a:rPr lang="en-US" dirty="0"/>
-              <a:t>The actual game……</a:t>
-            </a:r>
+          <a:bodyPr vert="horz" lIns="91440" tIns="45720" rIns="91440" bIns="45720" rtlCol="0" anchor="t">
+            <a:normAutofit fontScale="40000" lnSpcReduction="20000"/>
+          </a:bodyPr>
+          <a:lstStyle/>
+          <a:p>
+            <a:r>
+              <a:rPr lang="en-US" dirty="0">
+                <a:solidFill>
+                  <a:srgbClr val="00B050"/>
+                </a:solidFill>
+                <a:ea typeface="+mn-lt"/>
+                <a:cs typeface="+mn-lt"/>
+              </a:rPr>
+              <a:t>Insert 3d model inside the cube (Filippo)</a:t>
+            </a:r>
+          </a:p>
+          <a:p>
+            <a:endParaRPr lang="en-US" dirty="0">
+              <a:solidFill>
+                <a:srgbClr val="00B050"/>
+              </a:solidFill>
+              <a:cs typeface="Calibri"/>
+            </a:endParaRPr>
+          </a:p>
+          <a:p>
+            <a:r>
+              <a:rPr lang="en-US" dirty="0">
+                <a:solidFill>
+                  <a:srgbClr val="00B050"/>
+                </a:solidFill>
+                <a:cs typeface="Calibri"/>
+              </a:rPr>
+              <a:t>All the big features:</a:t>
+            </a:r>
+            <a:endParaRPr lang="en-US" dirty="0">
+              <a:solidFill>
+                <a:srgbClr val="00B050"/>
+              </a:solidFill>
+            </a:endParaRPr>
+          </a:p>
+          <a:p>
+            <a:pPr lvl="1"/>
+            <a:r>
+              <a:rPr lang="en-US" dirty="0">
+                <a:solidFill>
+                  <a:srgbClr val="00B050"/>
+                </a:solidFill>
+                <a:cs typeface="Calibri"/>
+              </a:rPr>
+              <a:t>Mushroom, star, enemy</a:t>
+            </a:r>
+          </a:p>
+          <a:p>
+            <a:endParaRPr lang="en-US" sz="2400" dirty="0">
+              <a:cs typeface="Calibri"/>
+            </a:endParaRPr>
+          </a:p>
+          <a:p>
+            <a:r>
+              <a:rPr lang="en-US" dirty="0">
+                <a:cs typeface="Calibri" panose="020F0502020204030204"/>
+              </a:rPr>
+              <a:t>Complete game cycle</a:t>
+            </a:r>
+          </a:p>
+          <a:p>
+            <a:r>
+              <a:rPr lang="en-US" dirty="0">
+                <a:cs typeface="Calibri" panose="020F0502020204030204"/>
+              </a:rPr>
+              <a:t>Menu system</a:t>
+            </a:r>
+          </a:p>
+          <a:p>
+            <a:endParaRPr lang="en-US" dirty="0">
+              <a:cs typeface="Calibri" panose="020F0502020204030204"/>
+            </a:endParaRPr>
+          </a:p>
+          <a:p>
+            <a:r>
+              <a:rPr lang="en-US" dirty="0">
+                <a:cs typeface="Calibri" panose="020F0502020204030204"/>
+              </a:rPr>
+              <a:t>Level design (make it fun). </a:t>
+            </a:r>
+          </a:p>
+          <a:p>
+            <a:pPr lvl="1"/>
+            <a:r>
+              <a:rPr lang="en-US" dirty="0">
+                <a:cs typeface="Calibri" panose="020F0502020204030204"/>
+              </a:rPr>
+              <a:t>From Starting point to finish point </a:t>
+            </a:r>
+          </a:p>
+          <a:p>
+            <a:pPr marL="0" indent="0">
+              <a:buNone/>
+            </a:pPr>
+            <a:endParaRPr lang="en-US" dirty="0">
+              <a:cs typeface="Calibri" panose="020F0502020204030204"/>
+            </a:endParaRPr>
+          </a:p>
+          <a:p>
+            <a:r>
+              <a:rPr lang="en-US" dirty="0">
+                <a:cs typeface="Calibri" panose="020F0502020204030204"/>
+              </a:rPr>
+              <a:t>Change rules:</a:t>
+            </a:r>
+          </a:p>
+          <a:p>
+            <a:pPr lvl="1"/>
+            <a:r>
+              <a:rPr lang="en-US" dirty="0">
+                <a:cs typeface="Calibri" panose="020F0502020204030204"/>
+              </a:rPr>
+              <a:t>Health, damage, </a:t>
+            </a:r>
+          </a:p>
+          <a:p>
+            <a:pPr lvl="1"/>
+            <a:r>
+              <a:rPr lang="en-US" dirty="0">
+                <a:cs typeface="Calibri" panose="020F0502020204030204"/>
+              </a:rPr>
+              <a:t>Fire </a:t>
+            </a:r>
+          </a:p>
+          <a:p>
+            <a:pPr lvl="1"/>
+            <a:r>
+              <a:rPr lang="en-US" dirty="0">
+                <a:cs typeface="Calibri" panose="020F0502020204030204"/>
+              </a:rPr>
+              <a:t>Killing stuff</a:t>
+            </a:r>
+          </a:p>
+          <a:p>
+            <a:endParaRPr lang="en-US" dirty="0">
+              <a:cs typeface="Calibri" panose="020F0502020204030204"/>
+            </a:endParaRPr>
+          </a:p>
+          <a:p>
+            <a:r>
+              <a:rPr lang="en-US" dirty="0">
+                <a:cs typeface="Calibri" panose="020F0502020204030204"/>
+              </a:rPr>
+              <a:t>Animations </a:t>
+            </a:r>
+          </a:p>
+          <a:p>
+            <a:r>
+              <a:rPr lang="en-US" dirty="0">
+                <a:cs typeface="Calibri" panose="020F0502020204030204"/>
+              </a:rPr>
+              <a:t>Sound effects</a:t>
+            </a:r>
+          </a:p>
+          <a:p>
+            <a:r>
+              <a:rPr lang="en-US" dirty="0">
+                <a:cs typeface="Calibri" panose="020F0502020204030204"/>
+              </a:rPr>
+              <a:t>Visual effects </a:t>
+            </a:r>
+          </a:p>
+          <a:p>
+            <a:endParaRPr lang="en-US" dirty="0">
+              <a:cs typeface="Calibri" panose="020F0502020204030204"/>
+            </a:endParaRPr>
           </a:p>
         </p:txBody>
       </p:sp>
     </p:spTree>
     <p:extLst>
       <p:ext uri="{BB962C8B-B14F-4D97-AF65-F5344CB8AC3E}">
-        <p14:creationId xmlns:p14="http://schemas.microsoft.com/office/powerpoint/2010/main" val="953294602"/>
+        <p14:creationId xmlns:p14="http://schemas.microsoft.com/office/powerpoint/2010/main" val="4077860347"/>
       </p:ext>
     </p:extLst>
   </p:cSld>
@@ -3408,12 +3534,20 @@
             <p:ph type="title"/>
           </p:nvPr>
         </p:nvSpPr>
-        <p:spPr/>
+        <p:spPr>
+          <a:xfrm>
+            <a:off x="838200" y="116839"/>
+            <a:ext cx="10515600" cy="1325563"/>
+          </a:xfrm>
+        </p:spPr>
         <p:txBody>
           <a:bodyPr/>
           <a:lstStyle/>
           <a:p>
-            <a:endParaRPr lang="en-US"/>
+            <a:r>
+              <a:rPr lang="en-US" dirty="0"/>
+              <a:t>Menu system</a:t>
+            </a:r>
           </a:p>
         </p:txBody>
       </p:sp>
@@ -3436,7 +3570,7 @@
         <p:spPr>
           <a:xfrm>
             <a:off x="9380220" y="1825625"/>
-            <a:ext cx="2811780" cy="4351338"/>
+            <a:ext cx="2529840" cy="4351338"/>
           </a:xfrm>
         </p:spPr>
         <p:txBody>
@@ -3445,26 +3579,15 @@
           <a:p>
             <a:r>
               <a:rPr lang="en-US" dirty="0"/>
-              <a:t>If click RESTART button</a:t>
+              <a:t>If click START GAME button:</a:t>
             </a:r>
           </a:p>
           <a:p>
             <a:pPr lvl="1"/>
             <a:r>
               <a:rPr lang="en-US" dirty="0"/>
-              <a:t>Remove restart screen</a:t>
-            </a:r>
-          </a:p>
-          <a:p>
-            <a:pPr lvl="1"/>
-            <a:r>
-              <a:rPr lang="en-US" dirty="0"/>
-              <a:t>Restart level()</a:t>
-            </a:r>
-          </a:p>
-          <a:p>
-            <a:pPr lvl="1"/>
-            <a:endParaRPr lang="en-US" dirty="0"/>
+              <a:t>Close start screen</a:t>
+            </a:r>
           </a:p>
         </p:txBody>
       </p:sp>
@@ -3511,20 +3634,13 @@
           <a:p>
             <a:pPr algn="ctr"/>
             <a:r>
-              <a:rPr lang="en-US" dirty="0" err="1"/>
-              <a:t>Ohhhhh</a:t>
-            </a:r>
-            <a:r>
               <a:rPr lang="en-US" dirty="0"/>
-              <a:t>, too bad…</a:t>
+              <a:t>Welcome to MARIO 2021</a:t>
             </a:r>
           </a:p>
           <a:p>
             <a:pPr algn="ctr"/>
-            <a:r>
-              <a:rPr lang="en-US" dirty="0"/>
-              <a:t>game over</a:t>
-            </a:r>
+            <a:endParaRPr lang="en-US" dirty="0"/>
           </a:p>
           <a:p>
             <a:pPr algn="ctr"/>
@@ -3580,7 +3696,7 @@
             <a:pPr algn="ctr"/>
             <a:r>
               <a:rPr lang="en-US" dirty="0"/>
-              <a:t>RETRY</a:t>
+              <a:t>START GAME</a:t>
             </a:r>
           </a:p>
         </p:txBody>
@@ -3588,7 +3704,7 @@
     </p:spTree>
     <p:extLst>
       <p:ext uri="{BB962C8B-B14F-4D97-AF65-F5344CB8AC3E}">
-        <p14:creationId xmlns:p14="http://schemas.microsoft.com/office/powerpoint/2010/main" val="2127941822"/>
+        <p14:creationId xmlns:p14="http://schemas.microsoft.com/office/powerpoint/2010/main" val="368310475"/>
       </p:ext>
     </p:extLst>
   </p:cSld>
@@ -3617,6 +3733,358 @@
       </p:grpSpPr>
       <p:sp>
         <p:nvSpPr>
+          <p:cNvPr id="2" name="Title 1">
+            <a:extLst>
+              <a:ext uri="{FF2B5EF4-FFF2-40B4-BE49-F238E27FC236}">
+                <a16:creationId xmlns:a16="http://schemas.microsoft.com/office/drawing/2014/main" id="{E65736D8-E0BC-49F2-9B64-C240E1FA57AA}"/>
+              </a:ext>
+            </a:extLst>
+          </p:cNvPr>
+          <p:cNvSpPr>
+            <a:spLocks noGrp="1"/>
+          </p:cNvSpPr>
+          <p:nvPr>
+            <p:ph type="title"/>
+          </p:nvPr>
+        </p:nvSpPr>
+        <p:spPr/>
+        <p:txBody>
+          <a:bodyPr/>
+          <a:lstStyle/>
+          <a:p>
+            <a:endParaRPr lang="en-US"/>
+          </a:p>
+        </p:txBody>
+      </p:sp>
+      <p:sp>
+        <p:nvSpPr>
+          <p:cNvPr id="3" name="Content Placeholder 2">
+            <a:extLst>
+              <a:ext uri="{FF2B5EF4-FFF2-40B4-BE49-F238E27FC236}">
+                <a16:creationId xmlns:a16="http://schemas.microsoft.com/office/drawing/2014/main" id="{14B6FC5C-40D2-4ED6-9532-46DBF62A8E1F}"/>
+              </a:ext>
+            </a:extLst>
+          </p:cNvPr>
+          <p:cNvSpPr>
+            <a:spLocks noGrp="1"/>
+          </p:cNvSpPr>
+          <p:nvPr>
+            <p:ph idx="1"/>
+          </p:nvPr>
+        </p:nvSpPr>
+        <p:spPr/>
+        <p:txBody>
+          <a:bodyPr/>
+          <a:lstStyle/>
+          <a:p>
+            <a:endParaRPr lang="en-US"/>
+          </a:p>
+        </p:txBody>
+      </p:sp>
+      <p:sp>
+        <p:nvSpPr>
+          <p:cNvPr id="4" name="Rectangle: Rounded Corners 3">
+            <a:extLst>
+              <a:ext uri="{FF2B5EF4-FFF2-40B4-BE49-F238E27FC236}">
+                <a16:creationId xmlns:a16="http://schemas.microsoft.com/office/drawing/2014/main" id="{6581FE13-5EE0-4A7F-BF00-C7B25525C292}"/>
+              </a:ext>
+            </a:extLst>
+          </p:cNvPr>
+          <p:cNvSpPr/>
+          <p:nvPr/>
+        </p:nvSpPr>
+        <p:spPr>
+          <a:xfrm>
+            <a:off x="586740" y="1059180"/>
+            <a:ext cx="8793480" cy="5006340"/>
+          </a:xfrm>
+          <a:prstGeom prst="roundRect">
+            <a:avLst/>
+          </a:prstGeom>
+        </p:spPr>
+        <p:style>
+          <a:lnRef idx="2">
+            <a:schemeClr val="accent1">
+              <a:shade val="50000"/>
+            </a:schemeClr>
+          </a:lnRef>
+          <a:fillRef idx="1">
+            <a:schemeClr val="accent1"/>
+          </a:fillRef>
+          <a:effectRef idx="0">
+            <a:schemeClr val="accent1"/>
+          </a:effectRef>
+          <a:fontRef idx="minor">
+            <a:schemeClr val="lt1"/>
+          </a:fontRef>
+        </p:style>
+        <p:txBody>
+          <a:bodyPr rtlCol="0" anchor="ctr"/>
+          <a:lstStyle/>
+          <a:p>
+            <a:pPr algn="ctr"/>
+            <a:r>
+              <a:rPr lang="en-US" dirty="0"/>
+              <a:t>The actual game……</a:t>
+            </a:r>
+          </a:p>
+        </p:txBody>
+      </p:sp>
+    </p:spTree>
+    <p:extLst>
+      <p:ext uri="{BB962C8B-B14F-4D97-AF65-F5344CB8AC3E}">
+        <p14:creationId xmlns:p14="http://schemas.microsoft.com/office/powerpoint/2010/main" val="953294602"/>
+      </p:ext>
+    </p:extLst>
+  </p:cSld>
+  <p:clrMapOvr>
+    <a:masterClrMapping/>
+  </p:clrMapOvr>
+</p:sld>
+</file>
+
+<file path=ppt/slides/slide13.xml><?xml version="1.0" encoding="utf-8"?>
+<p:sld xmlns:a="http://schemas.openxmlformats.org/drawingml/2006/main" xmlns:r="http://schemas.openxmlformats.org/officeDocument/2006/relationships" xmlns:p="http://schemas.openxmlformats.org/presentationml/2006/main">
+  <p:cSld>
+    <p:spTree>
+      <p:nvGrpSpPr>
+        <p:cNvPr id="1" name=""/>
+        <p:cNvGrpSpPr/>
+        <p:nvPr/>
+      </p:nvGrpSpPr>
+      <p:grpSpPr>
+        <a:xfrm>
+          <a:off x="0" y="0"/>
+          <a:ext cx="0" cy="0"/>
+          <a:chOff x="0" y="0"/>
+          <a:chExt cx="0" cy="0"/>
+        </a:xfrm>
+      </p:grpSpPr>
+      <p:sp>
+        <p:nvSpPr>
+          <p:cNvPr id="2" name="Title 1">
+            <a:extLst>
+              <a:ext uri="{FF2B5EF4-FFF2-40B4-BE49-F238E27FC236}">
+                <a16:creationId xmlns:a16="http://schemas.microsoft.com/office/drawing/2014/main" id="{13A1538D-67C0-4906-B38B-D202C2A1A9E9}"/>
+              </a:ext>
+            </a:extLst>
+          </p:cNvPr>
+          <p:cNvSpPr>
+            <a:spLocks noGrp="1"/>
+          </p:cNvSpPr>
+          <p:nvPr>
+            <p:ph type="title"/>
+          </p:nvPr>
+        </p:nvSpPr>
+        <p:spPr/>
+        <p:txBody>
+          <a:bodyPr/>
+          <a:lstStyle/>
+          <a:p>
+            <a:endParaRPr lang="en-US"/>
+          </a:p>
+        </p:txBody>
+      </p:sp>
+      <p:sp>
+        <p:nvSpPr>
+          <p:cNvPr id="3" name="Content Placeholder 2">
+            <a:extLst>
+              <a:ext uri="{FF2B5EF4-FFF2-40B4-BE49-F238E27FC236}">
+                <a16:creationId xmlns:a16="http://schemas.microsoft.com/office/drawing/2014/main" id="{3497D6AE-D4B7-4D5D-A952-3EF824F172DE}"/>
+              </a:ext>
+            </a:extLst>
+          </p:cNvPr>
+          <p:cNvSpPr>
+            <a:spLocks noGrp="1"/>
+          </p:cNvSpPr>
+          <p:nvPr>
+            <p:ph idx="1"/>
+          </p:nvPr>
+        </p:nvSpPr>
+        <p:spPr>
+          <a:xfrm>
+            <a:off x="9380220" y="1825625"/>
+            <a:ext cx="2811780" cy="4351338"/>
+          </a:xfrm>
+        </p:spPr>
+        <p:txBody>
+          <a:bodyPr/>
+          <a:lstStyle/>
+          <a:p>
+            <a:r>
+              <a:rPr lang="en-US" dirty="0"/>
+              <a:t>If click RESTART button</a:t>
+            </a:r>
+          </a:p>
+          <a:p>
+            <a:pPr lvl="1"/>
+            <a:r>
+              <a:rPr lang="en-US" dirty="0"/>
+              <a:t>Remove restart screen</a:t>
+            </a:r>
+          </a:p>
+          <a:p>
+            <a:pPr lvl="1"/>
+            <a:r>
+              <a:rPr lang="en-US" dirty="0"/>
+              <a:t>Restart level()</a:t>
+            </a:r>
+          </a:p>
+          <a:p>
+            <a:pPr lvl="1"/>
+            <a:endParaRPr lang="en-US" dirty="0"/>
+          </a:p>
+        </p:txBody>
+      </p:sp>
+      <p:sp>
+        <p:nvSpPr>
+          <p:cNvPr id="4" name="Rectangle: Rounded Corners 3">
+            <a:extLst>
+              <a:ext uri="{FF2B5EF4-FFF2-40B4-BE49-F238E27FC236}">
+                <a16:creationId xmlns:a16="http://schemas.microsoft.com/office/drawing/2014/main" id="{05984947-3055-443A-BAE9-147260E12A4B}"/>
+              </a:ext>
+            </a:extLst>
+          </p:cNvPr>
+          <p:cNvSpPr/>
+          <p:nvPr/>
+        </p:nvSpPr>
+        <p:spPr>
+          <a:xfrm>
+            <a:off x="586740" y="1059180"/>
+            <a:ext cx="8793480" cy="5006340"/>
+          </a:xfrm>
+          <a:prstGeom prst="roundRect">
+            <a:avLst/>
+          </a:prstGeom>
+        </p:spPr>
+        <p:style>
+          <a:lnRef idx="2">
+            <a:schemeClr val="accent1">
+              <a:shade val="50000"/>
+            </a:schemeClr>
+          </a:lnRef>
+          <a:fillRef idx="1">
+            <a:schemeClr val="accent1"/>
+          </a:fillRef>
+          <a:effectRef idx="0">
+            <a:schemeClr val="accent1"/>
+          </a:effectRef>
+          <a:fontRef idx="minor">
+            <a:schemeClr val="lt1"/>
+          </a:fontRef>
+        </p:style>
+        <p:txBody>
+          <a:bodyPr rtlCol="0" anchor="ctr"/>
+          <a:lstStyle/>
+          <a:p>
+            <a:pPr algn="ctr"/>
+            <a:r>
+              <a:rPr lang="en-US" dirty="0" err="1"/>
+              <a:t>Ohhhhh</a:t>
+            </a:r>
+            <a:r>
+              <a:rPr lang="en-US" dirty="0"/>
+              <a:t>, too bad…</a:t>
+            </a:r>
+          </a:p>
+          <a:p>
+            <a:pPr algn="ctr"/>
+            <a:r>
+              <a:rPr lang="en-US" dirty="0"/>
+              <a:t>game over</a:t>
+            </a:r>
+          </a:p>
+          <a:p>
+            <a:pPr algn="ctr"/>
+            <a:endParaRPr lang="en-US" dirty="0"/>
+          </a:p>
+          <a:p>
+            <a:pPr algn="ctr"/>
+            <a:endParaRPr lang="en-US" dirty="0"/>
+          </a:p>
+        </p:txBody>
+      </p:sp>
+      <p:sp>
+        <p:nvSpPr>
+          <p:cNvPr id="5" name="Rectangle: Rounded Corners 4">
+            <a:extLst>
+              <a:ext uri="{FF2B5EF4-FFF2-40B4-BE49-F238E27FC236}">
+                <a16:creationId xmlns:a16="http://schemas.microsoft.com/office/drawing/2014/main" id="{A15271DD-1667-43B3-B03E-37EF4379222B}"/>
+              </a:ext>
+            </a:extLst>
+          </p:cNvPr>
+          <p:cNvSpPr/>
+          <p:nvPr/>
+        </p:nvSpPr>
+        <p:spPr>
+          <a:xfrm>
+            <a:off x="3432810" y="4320540"/>
+            <a:ext cx="3101340" cy="967740"/>
+          </a:xfrm>
+          <a:prstGeom prst="roundRect">
+            <a:avLst/>
+          </a:prstGeom>
+        </p:spPr>
+        <p:style>
+          <a:lnRef idx="2">
+            <a:schemeClr val="accent4">
+              <a:shade val="50000"/>
+            </a:schemeClr>
+          </a:lnRef>
+          <a:fillRef idx="1">
+            <a:schemeClr val="accent4"/>
+          </a:fillRef>
+          <a:effectRef idx="0">
+            <a:schemeClr val="accent4"/>
+          </a:effectRef>
+          <a:fontRef idx="minor">
+            <a:schemeClr val="lt1"/>
+          </a:fontRef>
+        </p:style>
+        <p:txBody>
+          <a:bodyPr rtlCol="0" anchor="ctr"/>
+          <a:lstStyle/>
+          <a:p>
+            <a:pPr algn="ctr"/>
+            <a:r>
+              <a:rPr lang="en-US" dirty="0"/>
+              <a:t>RETRY</a:t>
+            </a:r>
+          </a:p>
+        </p:txBody>
+      </p:sp>
+    </p:spTree>
+    <p:extLst>
+      <p:ext uri="{BB962C8B-B14F-4D97-AF65-F5344CB8AC3E}">
+        <p14:creationId xmlns:p14="http://schemas.microsoft.com/office/powerpoint/2010/main" val="2127941822"/>
+      </p:ext>
+    </p:extLst>
+  </p:cSld>
+  <p:clrMapOvr>
+    <a:masterClrMapping/>
+  </p:clrMapOvr>
+</p:sld>
+</file>
+
+<file path=ppt/slides/slide14.xml><?xml version="1.0" encoding="utf-8"?>
+<p:sld xmlns:a="http://schemas.openxmlformats.org/drawingml/2006/main" xmlns:r="http://schemas.openxmlformats.org/officeDocument/2006/relationships" xmlns:p="http://schemas.openxmlformats.org/presentationml/2006/main">
+  <p:cSld>
+    <p:spTree>
+      <p:nvGrpSpPr>
+        <p:cNvPr id="1" name=""/>
+        <p:cNvGrpSpPr/>
+        <p:nvPr/>
+      </p:nvGrpSpPr>
+      <p:grpSpPr>
+        <a:xfrm>
+          <a:off x="0" y="0"/>
+          <a:ext cx="0" cy="0"/>
+          <a:chOff x="0" y="0"/>
+          <a:chExt cx="0" cy="0"/>
+        </a:xfrm>
+      </p:grpSpPr>
+      <p:sp>
+        <p:nvSpPr>
           <p:cNvPr id="6" name="Rectangle 5">
             <a:extLst>
               <a:ext uri="{FF2B5EF4-FFF2-40B4-BE49-F238E27FC236}">
@@ -3629,7 +4097,7 @@
         </p:nvSpPr>
         <p:spPr>
           <a:xfrm>
-            <a:off x="7585441" y="2971797"/>
+            <a:off x="7585441" y="3842236"/>
             <a:ext cx="439616" cy="413239"/>
           </a:xfrm>
           <a:prstGeom prst="rect">
@@ -3678,7 +4146,7 @@
         </p:nvSpPr>
         <p:spPr>
           <a:xfrm>
-            <a:off x="1395291" y="2985964"/>
+            <a:off x="1395291" y="3856403"/>
             <a:ext cx="439616" cy="413239"/>
           </a:xfrm>
           <a:prstGeom prst="rect">
@@ -3727,7 +4195,7 @@
         </p:nvSpPr>
         <p:spPr>
           <a:xfrm>
-            <a:off x="5816600" y="1123950"/>
+            <a:off x="5816600" y="1994389"/>
             <a:ext cx="139700" cy="2243503"/>
           </a:xfrm>
           <a:prstGeom prst="rect">
@@ -3773,7 +4241,7 @@
         </p:nvSpPr>
         <p:spPr>
           <a:xfrm>
-            <a:off x="838200" y="3367453"/>
+            <a:off x="838200" y="4237892"/>
             <a:ext cx="7631723" cy="211016"/>
           </a:xfrm>
           <a:prstGeom prst="rect">
@@ -3822,7 +4290,7 @@
         </p:nvSpPr>
         <p:spPr>
           <a:xfrm>
-            <a:off x="736846" y="1704944"/>
+            <a:off x="736846" y="2575383"/>
             <a:ext cx="3068514" cy="2146085"/>
           </a:xfrm>
           <a:prstGeom prst="rect">
@@ -3859,6 +4327,34 @@
           </a:p>
         </p:txBody>
       </p:sp>
+      <p:sp>
+        <p:nvSpPr>
+          <p:cNvPr id="2" name="Title 1">
+            <a:extLst>
+              <a:ext uri="{FF2B5EF4-FFF2-40B4-BE49-F238E27FC236}">
+                <a16:creationId xmlns:a16="http://schemas.microsoft.com/office/drawing/2014/main" id="{B265C43F-B881-4A4D-B404-8992D5D97B71}"/>
+              </a:ext>
+            </a:extLst>
+          </p:cNvPr>
+          <p:cNvSpPr>
+            <a:spLocks noGrp="1"/>
+          </p:cNvSpPr>
+          <p:nvPr>
+            <p:ph type="title"/>
+          </p:nvPr>
+        </p:nvSpPr>
+        <p:spPr/>
+        <p:txBody>
+          <a:bodyPr/>
+          <a:lstStyle/>
+          <a:p>
+            <a:r>
+              <a:rPr lang="en-US" dirty="0"/>
+              <a:t>Invisible colliders to activate</a:t>
+            </a:r>
+          </a:p>
+        </p:txBody>
+      </p:sp>
     </p:spTree>
     <p:extLst>
       <p:ext uri="{BB962C8B-B14F-4D97-AF65-F5344CB8AC3E}">
@@ -3872,339 +4368,7 @@
 </p:sld>
 </file>
 
-<file path=ppt/slides/slide13.xml><?xml version="1.0" encoding="utf-8"?>
-<p:sld xmlns:a="http://schemas.openxmlformats.org/drawingml/2006/main" xmlns:r="http://schemas.openxmlformats.org/officeDocument/2006/relationships" xmlns:p="http://schemas.openxmlformats.org/presentationml/2006/main">
-  <p:cSld>
-    <p:spTree>
-      <p:nvGrpSpPr>
-        <p:cNvPr id="1" name=""/>
-        <p:cNvGrpSpPr/>
-        <p:nvPr/>
-      </p:nvGrpSpPr>
-      <p:grpSpPr>
-        <a:xfrm>
-          <a:off x="0" y="0"/>
-          <a:ext cx="0" cy="0"/>
-          <a:chOff x="0" y="0"/>
-          <a:chExt cx="0" cy="0"/>
-        </a:xfrm>
-      </p:grpSpPr>
-      <p:sp>
-        <p:nvSpPr>
-          <p:cNvPr id="2" name="Title 1">
-            <a:extLst>
-              <a:ext uri="{FF2B5EF4-FFF2-40B4-BE49-F238E27FC236}">
-                <a16:creationId xmlns:a16="http://schemas.microsoft.com/office/drawing/2014/main" id="{43C71F9C-85A5-4A41-9921-793F0369ED46}"/>
-              </a:ext>
-            </a:extLst>
-          </p:cNvPr>
-          <p:cNvSpPr>
-            <a:spLocks noGrp="1"/>
-          </p:cNvSpPr>
-          <p:nvPr>
-            <p:ph type="title"/>
-          </p:nvPr>
-        </p:nvSpPr>
-        <p:spPr/>
-        <p:txBody>
-          <a:bodyPr/>
-          <a:lstStyle/>
-          <a:p>
-            <a:r>
-              <a:rPr lang="en-US" dirty="0"/>
-              <a:t>Enemy structure</a:t>
-            </a:r>
-          </a:p>
-        </p:txBody>
-      </p:sp>
-      <p:sp>
-        <p:nvSpPr>
-          <p:cNvPr id="4" name="Rectangle 3">
-            <a:extLst>
-              <a:ext uri="{FF2B5EF4-FFF2-40B4-BE49-F238E27FC236}">
-                <a16:creationId xmlns:a16="http://schemas.microsoft.com/office/drawing/2014/main" id="{41DE9440-90BC-4D34-AD48-BC26A7C36E98}"/>
-              </a:ext>
-            </a:extLst>
-          </p:cNvPr>
-          <p:cNvSpPr/>
-          <p:nvPr/>
-        </p:nvSpPr>
-        <p:spPr>
-          <a:xfrm>
-            <a:off x="7502647" y="3809363"/>
-            <a:ext cx="1686131" cy="1584963"/>
-          </a:xfrm>
-          <a:prstGeom prst="rect">
-            <a:avLst/>
-          </a:prstGeom>
-          <a:solidFill>
-            <a:srgbClr val="FF0000"/>
-          </a:solidFill>
-        </p:spPr>
-        <p:style>
-          <a:lnRef idx="2">
-            <a:schemeClr val="accent6">
-              <a:shade val="50000"/>
-            </a:schemeClr>
-          </a:lnRef>
-          <a:fillRef idx="1">
-            <a:schemeClr val="accent6"/>
-          </a:fillRef>
-          <a:effectRef idx="0">
-            <a:schemeClr val="accent6"/>
-          </a:effectRef>
-          <a:fontRef idx="minor">
-            <a:schemeClr val="lt1"/>
-          </a:fontRef>
-        </p:style>
-        <p:txBody>
-          <a:bodyPr rtlCol="0" anchor="ctr"/>
-          <a:lstStyle/>
-          <a:p>
-            <a:pPr algn="ctr"/>
-            <a:r>
-              <a:rPr lang="en-US" dirty="0"/>
-              <a:t>Body collider</a:t>
-            </a:r>
-          </a:p>
-        </p:txBody>
-      </p:sp>
-      <p:sp>
-        <p:nvSpPr>
-          <p:cNvPr id="5" name="Rectangle 4">
-            <a:extLst>
-              <a:ext uri="{FF2B5EF4-FFF2-40B4-BE49-F238E27FC236}">
-                <a16:creationId xmlns:a16="http://schemas.microsoft.com/office/drawing/2014/main" id="{2B1152E3-4BBC-46B6-90E7-FC77E1CC8C8A}"/>
-              </a:ext>
-            </a:extLst>
-          </p:cNvPr>
-          <p:cNvSpPr/>
-          <p:nvPr/>
-        </p:nvSpPr>
-        <p:spPr>
-          <a:xfrm>
-            <a:off x="7704199" y="3292930"/>
-            <a:ext cx="1299028" cy="420234"/>
-          </a:xfrm>
-          <a:prstGeom prst="rect">
-            <a:avLst/>
-          </a:prstGeom>
-          <a:solidFill>
-            <a:schemeClr val="accent2"/>
-          </a:solidFill>
-        </p:spPr>
-        <p:style>
-          <a:lnRef idx="2">
-            <a:schemeClr val="accent6">
-              <a:shade val="50000"/>
-            </a:schemeClr>
-          </a:lnRef>
-          <a:fillRef idx="1">
-            <a:schemeClr val="accent6"/>
-          </a:fillRef>
-          <a:effectRef idx="0">
-            <a:schemeClr val="accent6"/>
-          </a:effectRef>
-          <a:fontRef idx="minor">
-            <a:schemeClr val="lt1"/>
-          </a:fontRef>
-        </p:style>
-        <p:txBody>
-          <a:bodyPr rtlCol="0" anchor="ctr"/>
-          <a:lstStyle/>
-          <a:p>
-            <a:pPr algn="ctr"/>
-            <a:r>
-              <a:rPr lang="en-US" dirty="0"/>
-              <a:t>Top collider</a:t>
-            </a:r>
-          </a:p>
-        </p:txBody>
-      </p:sp>
-      <p:sp>
-        <p:nvSpPr>
-          <p:cNvPr id="7" name="Rectangle 6">
-            <a:extLst>
-              <a:ext uri="{FF2B5EF4-FFF2-40B4-BE49-F238E27FC236}">
-                <a16:creationId xmlns:a16="http://schemas.microsoft.com/office/drawing/2014/main" id="{A0DABB58-23AB-4196-BD35-8A68070227A1}"/>
-              </a:ext>
-            </a:extLst>
-          </p:cNvPr>
-          <p:cNvSpPr/>
-          <p:nvPr/>
-        </p:nvSpPr>
-        <p:spPr>
-          <a:xfrm>
-            <a:off x="1035172" y="1957544"/>
-            <a:ext cx="2631953" cy="642781"/>
-          </a:xfrm>
-          <a:prstGeom prst="rect">
-            <a:avLst/>
-          </a:prstGeom>
-          <a:solidFill>
-            <a:srgbClr val="FF0000"/>
-          </a:solidFill>
-        </p:spPr>
-        <p:style>
-          <a:lnRef idx="2">
-            <a:schemeClr val="accent6">
-              <a:shade val="50000"/>
-            </a:schemeClr>
-          </a:lnRef>
-          <a:fillRef idx="1">
-            <a:schemeClr val="accent6"/>
-          </a:fillRef>
-          <a:effectRef idx="0">
-            <a:schemeClr val="accent6"/>
-          </a:effectRef>
-          <a:fontRef idx="minor">
-            <a:schemeClr val="lt1"/>
-          </a:fontRef>
-        </p:style>
-        <p:txBody>
-          <a:bodyPr rtlCol="0" anchor="ctr"/>
-          <a:lstStyle/>
-          <a:p>
-            <a:pPr algn="ctr"/>
-            <a:r>
-              <a:rPr lang="en-US" dirty="0"/>
-              <a:t>Game object : Enemy</a:t>
-            </a:r>
-          </a:p>
-          <a:p>
-            <a:pPr algn="ctr"/>
-            <a:r>
-              <a:rPr lang="en-US" dirty="0"/>
-              <a:t>3d cube</a:t>
-            </a:r>
-          </a:p>
-        </p:txBody>
-      </p:sp>
-      <p:sp>
-        <p:nvSpPr>
-          <p:cNvPr id="8" name="Rectangle 7">
-            <a:extLst>
-              <a:ext uri="{FF2B5EF4-FFF2-40B4-BE49-F238E27FC236}">
-                <a16:creationId xmlns:a16="http://schemas.microsoft.com/office/drawing/2014/main" id="{BC9B3101-750F-4053-B888-4B1FA7999FB1}"/>
-              </a:ext>
-            </a:extLst>
-          </p:cNvPr>
-          <p:cNvSpPr/>
-          <p:nvPr/>
-        </p:nvSpPr>
-        <p:spPr>
-          <a:xfrm>
-            <a:off x="2351148" y="2689609"/>
-            <a:ext cx="2136655" cy="642781"/>
-          </a:xfrm>
-          <a:prstGeom prst="rect">
-            <a:avLst/>
-          </a:prstGeom>
-          <a:solidFill>
-            <a:schemeClr val="accent2"/>
-          </a:solidFill>
-        </p:spPr>
-        <p:style>
-          <a:lnRef idx="2">
-            <a:schemeClr val="accent6">
-              <a:shade val="50000"/>
-            </a:schemeClr>
-          </a:lnRef>
-          <a:fillRef idx="1">
-            <a:schemeClr val="accent6"/>
-          </a:fillRef>
-          <a:effectRef idx="0">
-            <a:schemeClr val="accent6"/>
-          </a:effectRef>
-          <a:fontRef idx="minor">
-            <a:schemeClr val="lt1"/>
-          </a:fontRef>
-        </p:style>
-        <p:txBody>
-          <a:bodyPr rtlCol="0" anchor="ctr"/>
-          <a:lstStyle/>
-          <a:p>
-            <a:pPr algn="ctr"/>
-            <a:r>
-              <a:rPr lang="en-US" dirty="0"/>
-              <a:t>Game object: Head</a:t>
-            </a:r>
-          </a:p>
-        </p:txBody>
-      </p:sp>
-      <p:sp>
-        <p:nvSpPr>
-          <p:cNvPr id="9" name="Rectangle 8">
-            <a:extLst>
-              <a:ext uri="{FF2B5EF4-FFF2-40B4-BE49-F238E27FC236}">
-                <a16:creationId xmlns:a16="http://schemas.microsoft.com/office/drawing/2014/main" id="{AF89C6CB-8711-4F94-90E1-A7B8258723B4}"/>
-              </a:ext>
-            </a:extLst>
-          </p:cNvPr>
-          <p:cNvSpPr/>
-          <p:nvPr/>
-        </p:nvSpPr>
-        <p:spPr>
-          <a:xfrm>
-            <a:off x="2351148" y="3487972"/>
-            <a:ext cx="2136655" cy="642781"/>
-          </a:xfrm>
-          <a:prstGeom prst="rect">
-            <a:avLst/>
-          </a:prstGeom>
-          <a:solidFill>
-            <a:schemeClr val="accent6">
-              <a:lumMod val="75000"/>
-            </a:schemeClr>
-          </a:solidFill>
-        </p:spPr>
-        <p:style>
-          <a:lnRef idx="2">
-            <a:schemeClr val="accent6">
-              <a:shade val="50000"/>
-            </a:schemeClr>
-          </a:lnRef>
-          <a:fillRef idx="1">
-            <a:schemeClr val="accent6"/>
-          </a:fillRef>
-          <a:effectRef idx="0">
-            <a:schemeClr val="accent6"/>
-          </a:effectRef>
-          <a:fontRef idx="minor">
-            <a:schemeClr val="lt1"/>
-          </a:fontRef>
-        </p:style>
-        <p:txBody>
-          <a:bodyPr rtlCol="0" anchor="ctr"/>
-          <a:lstStyle/>
-          <a:p>
-            <a:pPr algn="ctr"/>
-            <a:r>
-              <a:rPr lang="en-US" dirty="0"/>
-              <a:t>Game object: 3d model of </a:t>
-            </a:r>
-            <a:r>
-              <a:rPr lang="en-US" dirty="0" err="1"/>
-              <a:t>goomba</a:t>
-            </a:r>
-            <a:endParaRPr lang="en-US" dirty="0"/>
-          </a:p>
-        </p:txBody>
-      </p:sp>
-    </p:spTree>
-    <p:extLst>
-      <p:ext uri="{BB962C8B-B14F-4D97-AF65-F5344CB8AC3E}">
-        <p14:creationId xmlns:p14="http://schemas.microsoft.com/office/powerpoint/2010/main" val="3435909588"/>
-      </p:ext>
-    </p:extLst>
-  </p:cSld>
-  <p:clrMapOvr>
-    <a:masterClrMapping/>
-  </p:clrMapOvr>
-</p:sld>
-</file>
-
-<file path=ppt/slides/slide14.xml><?xml version="1.0" encoding="utf-8"?>
+<file path=ppt/slides/slide15.xml><?xml version="1.0" encoding="utf-8"?>
 <p:sld xmlns:a="http://schemas.openxmlformats.org/drawingml/2006/main" xmlns:r="http://schemas.openxmlformats.org/officeDocument/2006/relationships" xmlns:p="http://schemas.openxmlformats.org/presentationml/2006/main">
   <p:cSld>
     <p:spTree>
@@ -4314,7 +4478,7 @@
 </p:sld>
 </file>
 
-<file path=ppt/slides/slide15.xml><?xml version="1.0" encoding="utf-8"?>
+<file path=ppt/slides/slide16.xml><?xml version="1.0" encoding="utf-8"?>
 <p:sld xmlns:a="http://schemas.openxmlformats.org/drawingml/2006/main" xmlns:r="http://schemas.openxmlformats.org/officeDocument/2006/relationships" xmlns:p="http://schemas.openxmlformats.org/presentationml/2006/main">
   <p:cSld>
     <p:spTree>
@@ -4449,7 +4613,7 @@
             <a:avLst/>
           </a:prstGeom>
           <a:solidFill>
-            <a:schemeClr val="accent2"/>
+            <a:srgbClr val="00B0F0"/>
           </a:solidFill>
         </p:spPr>
         <p:style>
@@ -4493,6 +4657,361 @@
           <a:xfrm>
             <a:off x="7534275" y="2730955"/>
             <a:ext cx="496826" cy="420234"/>
+          </a:xfrm>
+          <a:prstGeom prst="rect">
+            <a:avLst/>
+          </a:prstGeom>
+          <a:solidFill>
+            <a:srgbClr val="00B0F0"/>
+          </a:solidFill>
+        </p:spPr>
+        <p:style>
+          <a:lnRef idx="2">
+            <a:schemeClr val="accent6">
+              <a:shade val="50000"/>
+            </a:schemeClr>
+          </a:lnRef>
+          <a:fillRef idx="1">
+            <a:schemeClr val="accent6"/>
+          </a:fillRef>
+          <a:effectRef idx="0">
+            <a:schemeClr val="accent6"/>
+          </a:effectRef>
+          <a:fontRef idx="minor">
+            <a:schemeClr val="lt1"/>
+          </a:fontRef>
+        </p:style>
+        <p:txBody>
+          <a:bodyPr rtlCol="0" anchor="ctr"/>
+          <a:lstStyle/>
+          <a:p>
+            <a:pPr algn="ctr"/>
+            <a:endParaRPr lang="en-US" dirty="0"/>
+          </a:p>
+        </p:txBody>
+      </p:sp>
+      <p:sp>
+        <p:nvSpPr>
+          <p:cNvPr id="7" name="Rectangle 6">
+            <a:extLst>
+              <a:ext uri="{FF2B5EF4-FFF2-40B4-BE49-F238E27FC236}">
+                <a16:creationId xmlns:a16="http://schemas.microsoft.com/office/drawing/2014/main" id="{4896B1FE-C800-4C56-B712-920515CD84C9}"/>
+              </a:ext>
+            </a:extLst>
+          </p:cNvPr>
+          <p:cNvSpPr/>
+          <p:nvPr/>
+        </p:nvSpPr>
+        <p:spPr>
+          <a:xfrm>
+            <a:off x="6112761" y="5626555"/>
+            <a:ext cx="496826" cy="420234"/>
+          </a:xfrm>
+          <a:prstGeom prst="rect">
+            <a:avLst/>
+          </a:prstGeom>
+          <a:solidFill>
+            <a:srgbClr val="00B0F0"/>
+          </a:solidFill>
+        </p:spPr>
+        <p:style>
+          <a:lnRef idx="2">
+            <a:schemeClr val="accent6">
+              <a:shade val="50000"/>
+            </a:schemeClr>
+          </a:lnRef>
+          <a:fillRef idx="1">
+            <a:schemeClr val="accent6"/>
+          </a:fillRef>
+          <a:effectRef idx="0">
+            <a:schemeClr val="accent6"/>
+          </a:effectRef>
+          <a:fontRef idx="minor">
+            <a:schemeClr val="lt1"/>
+          </a:fontRef>
+        </p:style>
+        <p:txBody>
+          <a:bodyPr rtlCol="0" anchor="ctr"/>
+          <a:lstStyle/>
+          <a:p>
+            <a:pPr algn="ctr"/>
+            <a:endParaRPr lang="en-US" dirty="0"/>
+          </a:p>
+        </p:txBody>
+      </p:sp>
+      <p:sp>
+        <p:nvSpPr>
+          <p:cNvPr id="8" name="Rectangle 7">
+            <a:extLst>
+              <a:ext uri="{FF2B5EF4-FFF2-40B4-BE49-F238E27FC236}">
+                <a16:creationId xmlns:a16="http://schemas.microsoft.com/office/drawing/2014/main" id="{31DCBC0C-BBE9-4857-A34B-BC5614E9A7AB}"/>
+              </a:ext>
+            </a:extLst>
+          </p:cNvPr>
+          <p:cNvSpPr/>
+          <p:nvPr/>
+        </p:nvSpPr>
+        <p:spPr>
+          <a:xfrm>
+            <a:off x="4629150" y="2162174"/>
+            <a:ext cx="496826" cy="151947"/>
+          </a:xfrm>
+          <a:prstGeom prst="rect">
+            <a:avLst/>
+          </a:prstGeom>
+          <a:solidFill>
+            <a:srgbClr val="00B0F0"/>
+          </a:solidFill>
+        </p:spPr>
+        <p:style>
+          <a:lnRef idx="2">
+            <a:schemeClr val="accent6">
+              <a:shade val="50000"/>
+            </a:schemeClr>
+          </a:lnRef>
+          <a:fillRef idx="1">
+            <a:schemeClr val="accent6"/>
+          </a:fillRef>
+          <a:effectRef idx="0">
+            <a:schemeClr val="accent6"/>
+          </a:effectRef>
+          <a:fontRef idx="minor">
+            <a:schemeClr val="lt1"/>
+          </a:fontRef>
+        </p:style>
+        <p:txBody>
+          <a:bodyPr rtlCol="0" anchor="ctr"/>
+          <a:lstStyle/>
+          <a:p>
+            <a:pPr algn="ctr"/>
+            <a:endParaRPr lang="en-US" dirty="0"/>
+          </a:p>
+        </p:txBody>
+      </p:sp>
+      <p:sp>
+        <p:nvSpPr>
+          <p:cNvPr id="9" name="Rectangle 8">
+            <a:extLst>
+              <a:ext uri="{FF2B5EF4-FFF2-40B4-BE49-F238E27FC236}">
+                <a16:creationId xmlns:a16="http://schemas.microsoft.com/office/drawing/2014/main" id="{D3B08A89-79C2-4B35-853C-5E8DC32A49E3}"/>
+              </a:ext>
+            </a:extLst>
+          </p:cNvPr>
+          <p:cNvSpPr/>
+          <p:nvPr/>
+        </p:nvSpPr>
+        <p:spPr>
+          <a:xfrm>
+            <a:off x="4629150" y="2865098"/>
+            <a:ext cx="496826" cy="151947"/>
+          </a:xfrm>
+          <a:prstGeom prst="rect">
+            <a:avLst/>
+          </a:prstGeom>
+          <a:solidFill>
+            <a:srgbClr val="00B0F0"/>
+          </a:solidFill>
+        </p:spPr>
+        <p:style>
+          <a:lnRef idx="2">
+            <a:schemeClr val="accent6">
+              <a:shade val="50000"/>
+            </a:schemeClr>
+          </a:lnRef>
+          <a:fillRef idx="1">
+            <a:schemeClr val="accent6"/>
+          </a:fillRef>
+          <a:effectRef idx="0">
+            <a:schemeClr val="accent6"/>
+          </a:effectRef>
+          <a:fontRef idx="minor">
+            <a:schemeClr val="lt1"/>
+          </a:fontRef>
+        </p:style>
+        <p:txBody>
+          <a:bodyPr rtlCol="0" anchor="ctr"/>
+          <a:lstStyle/>
+          <a:p>
+            <a:pPr algn="ctr"/>
+            <a:endParaRPr lang="en-US" dirty="0"/>
+          </a:p>
+        </p:txBody>
+      </p:sp>
+      <p:sp>
+        <p:nvSpPr>
+          <p:cNvPr id="10" name="Rectangle 9">
+            <a:extLst>
+              <a:ext uri="{FF2B5EF4-FFF2-40B4-BE49-F238E27FC236}">
+                <a16:creationId xmlns:a16="http://schemas.microsoft.com/office/drawing/2014/main" id="{58C57710-2976-41DB-B823-744967AF9AFA}"/>
+              </a:ext>
+            </a:extLst>
+          </p:cNvPr>
+          <p:cNvSpPr/>
+          <p:nvPr/>
+        </p:nvSpPr>
+        <p:spPr>
+          <a:xfrm>
+            <a:off x="5087876" y="2368493"/>
+            <a:ext cx="77726" cy="442232"/>
+          </a:xfrm>
+          <a:prstGeom prst="rect">
+            <a:avLst/>
+          </a:prstGeom>
+          <a:solidFill>
+            <a:srgbClr val="00B0F0"/>
+          </a:solidFill>
+        </p:spPr>
+        <p:style>
+          <a:lnRef idx="2">
+            <a:schemeClr val="accent6">
+              <a:shade val="50000"/>
+            </a:schemeClr>
+          </a:lnRef>
+          <a:fillRef idx="1">
+            <a:schemeClr val="accent6"/>
+          </a:fillRef>
+          <a:effectRef idx="0">
+            <a:schemeClr val="accent6"/>
+          </a:effectRef>
+          <a:fontRef idx="minor">
+            <a:schemeClr val="lt1"/>
+          </a:fontRef>
+        </p:style>
+        <p:txBody>
+          <a:bodyPr rtlCol="0" anchor="ctr"/>
+          <a:lstStyle/>
+          <a:p>
+            <a:pPr algn="ctr"/>
+            <a:endParaRPr lang="en-US" dirty="0"/>
+          </a:p>
+        </p:txBody>
+      </p:sp>
+    </p:spTree>
+    <p:extLst>
+      <p:ext uri="{BB962C8B-B14F-4D97-AF65-F5344CB8AC3E}">
+        <p14:creationId xmlns:p14="http://schemas.microsoft.com/office/powerpoint/2010/main" val="1117208773"/>
+      </p:ext>
+    </p:extLst>
+  </p:cSld>
+  <p:clrMapOvr>
+    <a:masterClrMapping/>
+  </p:clrMapOvr>
+</p:sld>
+</file>
+
+<file path=ppt/slides/slide17.xml><?xml version="1.0" encoding="utf-8"?>
+<p:sld xmlns:a="http://schemas.openxmlformats.org/drawingml/2006/main" xmlns:r="http://schemas.openxmlformats.org/officeDocument/2006/relationships" xmlns:p="http://schemas.openxmlformats.org/presentationml/2006/main">
+  <p:cSld>
+    <p:spTree>
+      <p:nvGrpSpPr>
+        <p:cNvPr id="1" name=""/>
+        <p:cNvGrpSpPr/>
+        <p:nvPr/>
+      </p:nvGrpSpPr>
+      <p:grpSpPr>
+        <a:xfrm>
+          <a:off x="0" y="0"/>
+          <a:ext cx="0" cy="0"/>
+          <a:chOff x="0" y="0"/>
+          <a:chExt cx="0" cy="0"/>
+        </a:xfrm>
+      </p:grpSpPr>
+      <p:sp>
+        <p:nvSpPr>
+          <p:cNvPr id="2" name="Title 1">
+            <a:extLst>
+              <a:ext uri="{FF2B5EF4-FFF2-40B4-BE49-F238E27FC236}">
+                <a16:creationId xmlns:a16="http://schemas.microsoft.com/office/drawing/2014/main" id="{43C71F9C-85A5-4A41-9921-793F0369ED46}"/>
+              </a:ext>
+            </a:extLst>
+          </p:cNvPr>
+          <p:cNvSpPr>
+            <a:spLocks noGrp="1"/>
+          </p:cNvSpPr>
+          <p:nvPr>
+            <p:ph type="title"/>
+          </p:nvPr>
+        </p:nvSpPr>
+        <p:spPr/>
+        <p:txBody>
+          <a:bodyPr/>
+          <a:lstStyle/>
+          <a:p>
+            <a:r>
+              <a:rPr lang="en-US" dirty="0"/>
+              <a:t>Enemy structure</a:t>
+            </a:r>
+          </a:p>
+        </p:txBody>
+      </p:sp>
+      <p:sp>
+        <p:nvSpPr>
+          <p:cNvPr id="4" name="Rectangle 3">
+            <a:extLst>
+              <a:ext uri="{FF2B5EF4-FFF2-40B4-BE49-F238E27FC236}">
+                <a16:creationId xmlns:a16="http://schemas.microsoft.com/office/drawing/2014/main" id="{41DE9440-90BC-4D34-AD48-BC26A7C36E98}"/>
+              </a:ext>
+            </a:extLst>
+          </p:cNvPr>
+          <p:cNvSpPr/>
+          <p:nvPr/>
+        </p:nvSpPr>
+        <p:spPr>
+          <a:xfrm>
+            <a:off x="7502647" y="3809363"/>
+            <a:ext cx="1686131" cy="1584963"/>
+          </a:xfrm>
+          <a:prstGeom prst="rect">
+            <a:avLst/>
+          </a:prstGeom>
+          <a:solidFill>
+            <a:srgbClr val="FF0000"/>
+          </a:solidFill>
+        </p:spPr>
+        <p:style>
+          <a:lnRef idx="2">
+            <a:schemeClr val="accent6">
+              <a:shade val="50000"/>
+            </a:schemeClr>
+          </a:lnRef>
+          <a:fillRef idx="1">
+            <a:schemeClr val="accent6"/>
+          </a:fillRef>
+          <a:effectRef idx="0">
+            <a:schemeClr val="accent6"/>
+          </a:effectRef>
+          <a:fontRef idx="minor">
+            <a:schemeClr val="lt1"/>
+          </a:fontRef>
+        </p:style>
+        <p:txBody>
+          <a:bodyPr rtlCol="0" anchor="ctr"/>
+          <a:lstStyle/>
+          <a:p>
+            <a:pPr algn="ctr"/>
+            <a:r>
+              <a:rPr lang="en-US" dirty="0"/>
+              <a:t>Body collider</a:t>
+            </a:r>
+          </a:p>
+        </p:txBody>
+      </p:sp>
+      <p:sp>
+        <p:nvSpPr>
+          <p:cNvPr id="5" name="Rectangle 4">
+            <a:extLst>
+              <a:ext uri="{FF2B5EF4-FFF2-40B4-BE49-F238E27FC236}">
+                <a16:creationId xmlns:a16="http://schemas.microsoft.com/office/drawing/2014/main" id="{2B1152E3-4BBC-46B6-90E7-FC77E1CC8C8A}"/>
+              </a:ext>
+            </a:extLst>
+          </p:cNvPr>
+          <p:cNvSpPr/>
+          <p:nvPr/>
+        </p:nvSpPr>
+        <p:spPr>
+          <a:xfrm>
+            <a:off x="7704199" y="3292930"/>
+            <a:ext cx="1299028" cy="420234"/>
           </a:xfrm>
           <a:prstGeom prst="rect">
             <a:avLst/>
@@ -4522,7 +5041,10 @@
           <a:lstStyle/>
           <a:p>
             <a:pPr algn="ctr"/>
-            <a:endParaRPr lang="en-US" dirty="0"/>
+            <a:r>
+              <a:rPr lang="en-US" dirty="0"/>
+              <a:t>Top collider</a:t>
+            </a:r>
           </a:p>
         </p:txBody>
       </p:sp>
@@ -4531,7 +5053,7 @@
           <p:cNvPr id="7" name="Rectangle 6">
             <a:extLst>
               <a:ext uri="{FF2B5EF4-FFF2-40B4-BE49-F238E27FC236}">
-                <a16:creationId xmlns:a16="http://schemas.microsoft.com/office/drawing/2014/main" id="{4896B1FE-C800-4C56-B712-920515CD84C9}"/>
+                <a16:creationId xmlns:a16="http://schemas.microsoft.com/office/drawing/2014/main" id="{A0DABB58-23AB-4196-BD35-8A68070227A1}"/>
               </a:ext>
             </a:extLst>
           </p:cNvPr>
@@ -4540,8 +5062,67 @@
         </p:nvSpPr>
         <p:spPr>
           <a:xfrm>
-            <a:off x="6112761" y="5626555"/>
-            <a:ext cx="496826" cy="420234"/>
+            <a:off x="1035172" y="1957544"/>
+            <a:ext cx="2631953" cy="642781"/>
+          </a:xfrm>
+          <a:prstGeom prst="rect">
+            <a:avLst/>
+          </a:prstGeom>
+          <a:solidFill>
+            <a:srgbClr val="FF0000"/>
+          </a:solidFill>
+        </p:spPr>
+        <p:style>
+          <a:lnRef idx="2">
+            <a:schemeClr val="accent6">
+              <a:shade val="50000"/>
+            </a:schemeClr>
+          </a:lnRef>
+          <a:fillRef idx="1">
+            <a:schemeClr val="accent6"/>
+          </a:fillRef>
+          <a:effectRef idx="0">
+            <a:schemeClr val="accent6"/>
+          </a:effectRef>
+          <a:fontRef idx="minor">
+            <a:schemeClr val="lt1"/>
+          </a:fontRef>
+        </p:style>
+        <p:txBody>
+          <a:bodyPr rtlCol="0" anchor="ctr"/>
+          <a:lstStyle/>
+          <a:p>
+            <a:pPr algn="ctr"/>
+            <a:r>
+              <a:rPr lang="en-US" dirty="0"/>
+              <a:t>Game object : Enemy</a:t>
+            </a:r>
+          </a:p>
+          <a:p>
+            <a:pPr algn="ctr"/>
+            <a:r>
+              <a:rPr lang="en-US" dirty="0"/>
+              <a:t>3d cube</a:t>
+            </a:r>
+          </a:p>
+        </p:txBody>
+      </p:sp>
+      <p:sp>
+        <p:nvSpPr>
+          <p:cNvPr id="8" name="Rectangle 7">
+            <a:extLst>
+              <a:ext uri="{FF2B5EF4-FFF2-40B4-BE49-F238E27FC236}">
+                <a16:creationId xmlns:a16="http://schemas.microsoft.com/office/drawing/2014/main" id="{BC9B3101-750F-4053-B888-4B1FA7999FB1}"/>
+              </a:ext>
+            </a:extLst>
+          </p:cNvPr>
+          <p:cNvSpPr/>
+          <p:nvPr/>
+        </p:nvSpPr>
+        <p:spPr>
+          <a:xfrm>
+            <a:off x="2351148" y="2689609"/>
+            <a:ext cx="2136655" cy="642781"/>
           </a:xfrm>
           <a:prstGeom prst="rect">
             <a:avLst/>
@@ -4571,16 +5152,19 @@
           <a:lstStyle/>
           <a:p>
             <a:pPr algn="ctr"/>
-            <a:endParaRPr lang="en-US" dirty="0"/>
-          </a:p>
-        </p:txBody>
-      </p:sp>
-      <p:sp>
-        <p:nvSpPr>
-          <p:cNvPr id="8" name="Rectangle 7">
+            <a:r>
+              <a:rPr lang="en-US" dirty="0"/>
+              <a:t>Game object: Head</a:t>
+            </a:r>
+          </a:p>
+        </p:txBody>
+      </p:sp>
+      <p:sp>
+        <p:nvSpPr>
+          <p:cNvPr id="9" name="Rectangle 8">
             <a:extLst>
               <a:ext uri="{FF2B5EF4-FFF2-40B4-BE49-F238E27FC236}">
-                <a16:creationId xmlns:a16="http://schemas.microsoft.com/office/drawing/2014/main" id="{31DCBC0C-BBE9-4857-A34B-BC5614E9A7AB}"/>
+                <a16:creationId xmlns:a16="http://schemas.microsoft.com/office/drawing/2014/main" id="{AF89C6CB-8711-4F94-90E1-A7B8258723B4}"/>
               </a:ext>
             </a:extLst>
           </p:cNvPr>
@@ -4589,14 +5173,16 @@
         </p:nvSpPr>
         <p:spPr>
           <a:xfrm>
-            <a:off x="4629150" y="2162174"/>
-            <a:ext cx="496826" cy="151947"/>
+            <a:off x="2351148" y="3487972"/>
+            <a:ext cx="2136655" cy="642781"/>
           </a:xfrm>
           <a:prstGeom prst="rect">
             <a:avLst/>
           </a:prstGeom>
           <a:solidFill>
-            <a:schemeClr val="accent2"/>
+            <a:schemeClr val="accent6">
+              <a:lumMod val="75000"/>
+            </a:schemeClr>
           </a:solidFill>
         </p:spPr>
         <p:style>
@@ -4620,104 +5206,14 @@
           <a:lstStyle/>
           <a:p>
             <a:pPr algn="ctr"/>
-            <a:endParaRPr lang="en-US" dirty="0"/>
-          </a:p>
-        </p:txBody>
-      </p:sp>
-      <p:sp>
-        <p:nvSpPr>
-          <p:cNvPr id="9" name="Rectangle 8">
-            <a:extLst>
-              <a:ext uri="{FF2B5EF4-FFF2-40B4-BE49-F238E27FC236}">
-                <a16:creationId xmlns:a16="http://schemas.microsoft.com/office/drawing/2014/main" id="{D3B08A89-79C2-4B35-853C-5E8DC32A49E3}"/>
-              </a:ext>
-            </a:extLst>
-          </p:cNvPr>
-          <p:cNvSpPr/>
-          <p:nvPr/>
-        </p:nvSpPr>
-        <p:spPr>
-          <a:xfrm>
-            <a:off x="4629150" y="2865098"/>
-            <a:ext cx="496826" cy="151947"/>
-          </a:xfrm>
-          <a:prstGeom prst="rect">
-            <a:avLst/>
-          </a:prstGeom>
-          <a:solidFill>
-            <a:schemeClr val="accent2"/>
-          </a:solidFill>
-        </p:spPr>
-        <p:style>
-          <a:lnRef idx="2">
-            <a:schemeClr val="accent6">
-              <a:shade val="50000"/>
-            </a:schemeClr>
-          </a:lnRef>
-          <a:fillRef idx="1">
-            <a:schemeClr val="accent6"/>
-          </a:fillRef>
-          <a:effectRef idx="0">
-            <a:schemeClr val="accent6"/>
-          </a:effectRef>
-          <a:fontRef idx="minor">
-            <a:schemeClr val="lt1"/>
-          </a:fontRef>
-        </p:style>
-        <p:txBody>
-          <a:bodyPr rtlCol="0" anchor="ctr"/>
-          <a:lstStyle/>
-          <a:p>
-            <a:pPr algn="ctr"/>
-            <a:endParaRPr lang="en-US" dirty="0"/>
-          </a:p>
-        </p:txBody>
-      </p:sp>
-      <p:sp>
-        <p:nvSpPr>
-          <p:cNvPr id="10" name="Rectangle 9">
-            <a:extLst>
-              <a:ext uri="{FF2B5EF4-FFF2-40B4-BE49-F238E27FC236}">
-                <a16:creationId xmlns:a16="http://schemas.microsoft.com/office/drawing/2014/main" id="{58C57710-2976-41DB-B823-744967AF9AFA}"/>
-              </a:ext>
-            </a:extLst>
-          </p:cNvPr>
-          <p:cNvSpPr/>
-          <p:nvPr/>
-        </p:nvSpPr>
-        <p:spPr>
-          <a:xfrm>
-            <a:off x="5087876" y="2368493"/>
-            <a:ext cx="77726" cy="442232"/>
-          </a:xfrm>
-          <a:prstGeom prst="rect">
-            <a:avLst/>
-          </a:prstGeom>
-          <a:solidFill>
-            <a:schemeClr val="accent2"/>
-          </a:solidFill>
-        </p:spPr>
-        <p:style>
-          <a:lnRef idx="2">
-            <a:schemeClr val="accent6">
-              <a:shade val="50000"/>
-            </a:schemeClr>
-          </a:lnRef>
-          <a:fillRef idx="1">
-            <a:schemeClr val="accent6"/>
-          </a:fillRef>
-          <a:effectRef idx="0">
-            <a:schemeClr val="accent6"/>
-          </a:effectRef>
-          <a:fontRef idx="minor">
-            <a:schemeClr val="lt1"/>
-          </a:fontRef>
-        </p:style>
-        <p:txBody>
-          <a:bodyPr rtlCol="0" anchor="ctr"/>
-          <a:lstStyle/>
-          <a:p>
-            <a:pPr algn="ctr"/>
+            <a:r>
+              <a:rPr lang="en-US" dirty="0"/>
+              <a:t>Game object: 3d model of </a:t>
+            </a:r>
+            <a:r>
+              <a:rPr lang="en-US" dirty="0" err="1"/>
+              <a:t>goomba</a:t>
+            </a:r>
             <a:endParaRPr lang="en-US" dirty="0"/>
           </a:p>
         </p:txBody>
@@ -4725,7 +5221,7 @@
     </p:spTree>
     <p:extLst>
       <p:ext uri="{BB962C8B-B14F-4D97-AF65-F5344CB8AC3E}">
-        <p14:creationId xmlns:p14="http://schemas.microsoft.com/office/powerpoint/2010/main" val="1117208773"/>
+        <p14:creationId xmlns:p14="http://schemas.microsoft.com/office/powerpoint/2010/main" val="3435909588"/>
       </p:ext>
     </p:extLst>
   </p:cSld>
@@ -4964,23 +5460,36 @@
           <a:p>
             <a:r>
               <a:rPr lang="en-US" dirty="0">
+                <a:solidFill>
+                  <a:srgbClr val="00B050"/>
+                </a:solidFill>
                 <a:ea typeface="+mn-lt"/>
                 <a:cs typeface="+mn-lt"/>
               </a:rPr>
               <a:t>STAR: give invulnerable </a:t>
             </a:r>
-            <a:endParaRPr lang="en-US" dirty="0"/>
+            <a:endParaRPr lang="en-US" dirty="0">
+              <a:solidFill>
+                <a:srgbClr val="00B050"/>
+              </a:solidFill>
+            </a:endParaRPr>
           </a:p>
           <a:p>
             <a:pPr lvl="1"/>
             <a:r>
               <a:rPr lang="en-US" b="1" dirty="0">
+                <a:solidFill>
+                  <a:srgbClr val="00B050"/>
+                </a:solidFill>
                 <a:ea typeface="+mn-lt"/>
                 <a:cs typeface="+mn-lt"/>
               </a:rPr>
               <a:t>If I hit with Mario = I disappear.</a:t>
             </a:r>
             <a:endParaRPr lang="en-US" dirty="0">
+              <a:solidFill>
+                <a:srgbClr val="00B050"/>
+              </a:solidFill>
               <a:cs typeface="Calibri"/>
             </a:endParaRPr>
           </a:p>
@@ -5058,23 +5567,36 @@
           <a:p>
             <a:r>
               <a:rPr lang="en-US" dirty="0">
+                <a:solidFill>
+                  <a:srgbClr val="00B050"/>
+                </a:solidFill>
                 <a:ea typeface="+mn-lt"/>
                 <a:cs typeface="+mn-lt"/>
               </a:rPr>
               <a:t>ENEMY</a:t>
             </a:r>
-            <a:endParaRPr lang="en-US" dirty="0"/>
+            <a:endParaRPr lang="en-US" dirty="0">
+              <a:solidFill>
+                <a:srgbClr val="00B050"/>
+              </a:solidFill>
+            </a:endParaRPr>
           </a:p>
           <a:p>
             <a:pPr lvl="1"/>
             <a:r>
               <a:rPr lang="en-US" b="1" dirty="0">
+                <a:solidFill>
+                  <a:srgbClr val="00B050"/>
+                </a:solidFill>
                 <a:ea typeface="+mn-lt"/>
                 <a:cs typeface="+mn-lt"/>
               </a:rPr>
               <a:t>If Mario hit me on the top = I will die.</a:t>
             </a:r>
             <a:endParaRPr lang="en-US" dirty="0">
+              <a:solidFill>
+                <a:srgbClr val="00B050"/>
+              </a:solidFill>
               <a:cs typeface="Calibri" panose="020F0502020204030204"/>
             </a:endParaRPr>
           </a:p>
@@ -5082,12 +5604,18 @@
             <a:pPr lvl="1"/>
             <a:r>
               <a:rPr lang="en-US" b="1" dirty="0">
+                <a:solidFill>
+                  <a:srgbClr val="00B050"/>
+                </a:solidFill>
                 <a:ea typeface="+mn-lt"/>
                 <a:cs typeface="+mn-lt"/>
               </a:rPr>
               <a:t>If Mario hit me but Mario has the STAR = I will die.</a:t>
             </a:r>
             <a:endParaRPr lang="en-US" dirty="0">
+              <a:solidFill>
+                <a:srgbClr val="00B050"/>
+              </a:solidFill>
               <a:cs typeface="Calibri"/>
             </a:endParaRPr>
           </a:p>
@@ -5112,6 +5640,491 @@
 </file>
 
 <file path=ppt/slides/slide4.xml><?xml version="1.0" encoding="utf-8"?>
+<p:sld xmlns:a="http://schemas.openxmlformats.org/drawingml/2006/main" xmlns:r="http://schemas.openxmlformats.org/officeDocument/2006/relationships" xmlns:p="http://schemas.openxmlformats.org/presentationml/2006/main">
+  <p:cSld>
+    <p:spTree>
+      <p:nvGrpSpPr>
+        <p:cNvPr id="1" name=""/>
+        <p:cNvGrpSpPr/>
+        <p:nvPr/>
+      </p:nvGrpSpPr>
+      <p:grpSpPr>
+        <a:xfrm>
+          <a:off x="0" y="0"/>
+          <a:ext cx="0" cy="0"/>
+          <a:chOff x="0" y="0"/>
+          <a:chExt cx="0" cy="0"/>
+        </a:xfrm>
+      </p:grpSpPr>
+      <p:sp>
+        <p:nvSpPr>
+          <p:cNvPr id="2" name="Title 1">
+            <a:extLst>
+              <a:ext uri="{FF2B5EF4-FFF2-40B4-BE49-F238E27FC236}">
+                <a16:creationId xmlns:a16="http://schemas.microsoft.com/office/drawing/2014/main" id="{27AA82D6-B06B-497F-8FDA-A096C7DE6B68}"/>
+              </a:ext>
+            </a:extLst>
+          </p:cNvPr>
+          <p:cNvSpPr>
+            <a:spLocks noGrp="1"/>
+          </p:cNvSpPr>
+          <p:nvPr>
+            <p:ph type="title"/>
+          </p:nvPr>
+        </p:nvSpPr>
+        <p:spPr/>
+        <p:txBody>
+          <a:bodyPr/>
+          <a:lstStyle/>
+          <a:p>
+            <a:r>
+              <a:rPr lang="en-US" dirty="0">
+                <a:cs typeface="Calibri Light"/>
+              </a:rPr>
+              <a:t>MARIO rules</a:t>
+            </a:r>
+            <a:endParaRPr lang="en-US" dirty="0"/>
+          </a:p>
+        </p:txBody>
+      </p:sp>
+      <p:sp>
+        <p:nvSpPr>
+          <p:cNvPr id="3" name="Content Placeholder 2">
+            <a:extLst>
+              <a:ext uri="{FF2B5EF4-FFF2-40B4-BE49-F238E27FC236}">
+                <a16:creationId xmlns:a16="http://schemas.microsoft.com/office/drawing/2014/main" id="{535B9031-DE08-4180-895C-A6EFF319555B}"/>
+              </a:ext>
+            </a:extLst>
+          </p:cNvPr>
+          <p:cNvSpPr>
+            <a:spLocks noGrp="1"/>
+          </p:cNvSpPr>
+          <p:nvPr>
+            <p:ph idx="1"/>
+          </p:nvPr>
+        </p:nvSpPr>
+        <p:spPr/>
+        <p:txBody>
+          <a:bodyPr vert="horz" lIns="91440" tIns="45720" rIns="91440" bIns="45720" rtlCol="0" anchor="t">
+            <a:normAutofit fontScale="70000" lnSpcReduction="20000"/>
+          </a:bodyPr>
+          <a:lstStyle/>
+          <a:p>
+            <a:r>
+              <a:rPr lang="en-US" dirty="0">
+                <a:cs typeface="Calibri"/>
+              </a:rPr>
+              <a:t>If I hit the star, I become invincible for XXX seconds</a:t>
+            </a:r>
+          </a:p>
+          <a:p>
+            <a:r>
+              <a:rPr lang="en-US" dirty="0">
+                <a:solidFill>
+                  <a:srgbClr val="00B050"/>
+                </a:solidFill>
+                <a:cs typeface="Calibri"/>
+              </a:rPr>
+              <a:t>If I hit the mushroom, </a:t>
+            </a:r>
+          </a:p>
+          <a:p>
+            <a:pPr lvl="1"/>
+            <a:r>
+              <a:rPr lang="en-US" dirty="0">
+                <a:solidFill>
+                  <a:srgbClr val="00B050"/>
+                </a:solidFill>
+                <a:cs typeface="Calibri"/>
+              </a:rPr>
+              <a:t>I become XXX scale </a:t>
+            </a:r>
+            <a:endParaRPr lang="en-US" dirty="0">
+              <a:solidFill>
+                <a:srgbClr val="00B050"/>
+              </a:solidFill>
+            </a:endParaRPr>
+          </a:p>
+          <a:p>
+            <a:r>
+              <a:rPr lang="en-US" dirty="0">
+                <a:solidFill>
+                  <a:srgbClr val="00B050"/>
+                </a:solidFill>
+                <a:cs typeface="Calibri"/>
+              </a:rPr>
+              <a:t>If I hit an enemy:</a:t>
+            </a:r>
+          </a:p>
+          <a:p>
+            <a:pPr lvl="1"/>
+            <a:r>
+              <a:rPr lang="en-US" dirty="0">
+                <a:solidFill>
+                  <a:srgbClr val="00B050"/>
+                </a:solidFill>
+                <a:cs typeface="Calibri"/>
+              </a:rPr>
+              <a:t>If I am big, I become small</a:t>
+            </a:r>
+          </a:p>
+          <a:p>
+            <a:pPr lvl="1"/>
+            <a:r>
+              <a:rPr lang="en-US" dirty="0">
+                <a:cs typeface="Calibri"/>
+              </a:rPr>
+              <a:t>If I am small: </a:t>
+            </a:r>
+          </a:p>
+          <a:p>
+            <a:pPr lvl="2"/>
+            <a:r>
+              <a:rPr lang="en-US" dirty="0">
+                <a:cs typeface="Calibri"/>
+              </a:rPr>
+              <a:t>minus 1 life. </a:t>
+            </a:r>
+            <a:endParaRPr lang="en-US" dirty="0"/>
+          </a:p>
+          <a:p>
+            <a:pPr lvl="2"/>
+            <a:r>
+              <a:rPr lang="en-US" dirty="0">
+                <a:ea typeface="+mn-lt"/>
+                <a:cs typeface="+mn-lt"/>
+              </a:rPr>
+              <a:t>If I have 0 life, I die</a:t>
+            </a:r>
+          </a:p>
+          <a:p>
+            <a:pPr lvl="1"/>
+            <a:r>
+              <a:rPr lang="en-US" dirty="0">
+                <a:solidFill>
+                  <a:srgbClr val="00B050"/>
+                </a:solidFill>
+                <a:cs typeface="Calibri"/>
+              </a:rPr>
+              <a:t>If I am </a:t>
+            </a:r>
+            <a:r>
+              <a:rPr lang="en-US" dirty="0">
+                <a:solidFill>
+                  <a:srgbClr val="00B050"/>
+                </a:solidFill>
+                <a:ea typeface="+mn-lt"/>
+                <a:cs typeface="+mn-lt"/>
+              </a:rPr>
+              <a:t>invincible, enemy die</a:t>
+            </a:r>
+          </a:p>
+          <a:p>
+            <a:r>
+              <a:rPr lang="en-US" dirty="0">
+                <a:ea typeface="+mn-lt"/>
+                <a:cs typeface="+mn-lt"/>
+              </a:rPr>
+              <a:t>If I hit green mushroom, I get 1 life</a:t>
+            </a:r>
+          </a:p>
+          <a:p>
+            <a:r>
+              <a:rPr lang="en-US" dirty="0">
+                <a:solidFill>
+                  <a:srgbClr val="00B050"/>
+                </a:solidFill>
+                <a:ea typeface="+mn-lt"/>
+                <a:cs typeface="+mn-lt"/>
+              </a:rPr>
+              <a:t>If I hit checkpoint, save the location of the checkpoint</a:t>
+            </a:r>
+          </a:p>
+          <a:p>
+            <a:r>
+              <a:rPr lang="en-US" dirty="0">
+                <a:ea typeface="+mn-lt"/>
+                <a:cs typeface="+mn-lt"/>
+              </a:rPr>
+              <a:t>If I die, restart from last checkpoint</a:t>
+            </a:r>
+            <a:endParaRPr lang="en-US" dirty="0"/>
+          </a:p>
+          <a:p>
+            <a:r>
+              <a:rPr lang="en-US" dirty="0">
+                <a:cs typeface="Calibri"/>
+              </a:rPr>
+              <a:t>on start of game:</a:t>
+            </a:r>
+          </a:p>
+          <a:p>
+            <a:pPr lvl="1"/>
+            <a:r>
+              <a:rPr lang="en-US" dirty="0">
+                <a:cs typeface="Calibri"/>
+              </a:rPr>
+              <a:t>Give </a:t>
+            </a:r>
+            <a:r>
+              <a:rPr lang="en-US" dirty="0" err="1">
+                <a:cs typeface="Calibri"/>
+              </a:rPr>
+              <a:t>mario</a:t>
+            </a:r>
+            <a:r>
+              <a:rPr lang="en-US" dirty="0">
+                <a:cs typeface="Calibri"/>
+              </a:rPr>
+              <a:t> 2 life</a:t>
+            </a:r>
+            <a:endParaRPr lang="en-US" dirty="0"/>
+          </a:p>
+          <a:p>
+            <a:pPr lvl="1"/>
+            <a:r>
+              <a:rPr lang="en-US" dirty="0">
+                <a:cs typeface="Calibri"/>
+              </a:rPr>
+              <a:t>Save start as checkpoint</a:t>
+            </a:r>
+          </a:p>
+          <a:p>
+            <a:endParaRPr lang="en-US" dirty="0">
+              <a:cs typeface="Calibri"/>
+            </a:endParaRPr>
+          </a:p>
+          <a:p>
+            <a:endParaRPr lang="en-US" dirty="0">
+              <a:cs typeface="Calibri"/>
+            </a:endParaRPr>
+          </a:p>
+          <a:p>
+            <a:endParaRPr lang="en-US" dirty="0">
+              <a:cs typeface="Calibri"/>
+            </a:endParaRPr>
+          </a:p>
+        </p:txBody>
+      </p:sp>
+    </p:spTree>
+    <p:extLst>
+      <p:ext uri="{BB962C8B-B14F-4D97-AF65-F5344CB8AC3E}">
+        <p14:creationId xmlns:p14="http://schemas.microsoft.com/office/powerpoint/2010/main" val="1903990095"/>
+      </p:ext>
+    </p:extLst>
+  </p:cSld>
+  <p:clrMapOvr>
+    <a:masterClrMapping/>
+  </p:clrMapOvr>
+</p:sld>
+</file>
+
+<file path=ppt/slides/slide5.xml><?xml version="1.0" encoding="utf-8"?>
+<p:sld xmlns:a="http://schemas.openxmlformats.org/drawingml/2006/main" xmlns:r="http://schemas.openxmlformats.org/officeDocument/2006/relationships" xmlns:p="http://schemas.openxmlformats.org/presentationml/2006/main">
+  <p:cSld>
+    <p:spTree>
+      <p:nvGrpSpPr>
+        <p:cNvPr id="1" name=""/>
+        <p:cNvGrpSpPr/>
+        <p:nvPr/>
+      </p:nvGrpSpPr>
+      <p:grpSpPr>
+        <a:xfrm>
+          <a:off x="0" y="0"/>
+          <a:ext cx="0" cy="0"/>
+          <a:chOff x="0" y="0"/>
+          <a:chExt cx="0" cy="0"/>
+        </a:xfrm>
+      </p:grpSpPr>
+      <p:sp>
+        <p:nvSpPr>
+          <p:cNvPr id="2" name="Title 1">
+            <a:extLst>
+              <a:ext uri="{FF2B5EF4-FFF2-40B4-BE49-F238E27FC236}">
+                <a16:creationId xmlns:a16="http://schemas.microsoft.com/office/drawing/2014/main" id="{A333FE23-DFC1-4CC7-89FD-1B83B4E9C090}"/>
+              </a:ext>
+            </a:extLst>
+          </p:cNvPr>
+          <p:cNvSpPr>
+            <a:spLocks noGrp="1"/>
+          </p:cNvSpPr>
+          <p:nvPr>
+            <p:ph type="title"/>
+          </p:nvPr>
+        </p:nvSpPr>
+        <p:spPr/>
+        <p:txBody>
+          <a:bodyPr/>
+          <a:lstStyle/>
+          <a:p>
+            <a:endParaRPr lang="en-US"/>
+          </a:p>
+        </p:txBody>
+      </p:sp>
+      <p:sp>
+        <p:nvSpPr>
+          <p:cNvPr id="3" name="Content Placeholder 2">
+            <a:extLst>
+              <a:ext uri="{FF2B5EF4-FFF2-40B4-BE49-F238E27FC236}">
+                <a16:creationId xmlns:a16="http://schemas.microsoft.com/office/drawing/2014/main" id="{434E58D6-7245-4DE7-AF9E-DA724BAD78B0}"/>
+              </a:ext>
+            </a:extLst>
+          </p:cNvPr>
+          <p:cNvSpPr>
+            <a:spLocks noGrp="1"/>
+          </p:cNvSpPr>
+          <p:nvPr>
+            <p:ph idx="1"/>
+          </p:nvPr>
+        </p:nvSpPr>
+        <p:spPr/>
+        <p:txBody>
+          <a:bodyPr/>
+          <a:lstStyle/>
+          <a:p>
+            <a:r>
+              <a:rPr lang="en-US" dirty="0"/>
+              <a:t>Until 10:30 everybody work</a:t>
+            </a:r>
+          </a:p>
+          <a:p>
+            <a:r>
+              <a:rPr lang="en-US" dirty="0"/>
+              <a:t>10:30 we all come back to the main room.</a:t>
+            </a:r>
+          </a:p>
+          <a:p>
+            <a:r>
+              <a:rPr lang="en-US" dirty="0"/>
+              <a:t>Every mini team shows his result.</a:t>
+            </a:r>
+          </a:p>
+        </p:txBody>
+      </p:sp>
+    </p:spTree>
+    <p:extLst>
+      <p:ext uri="{BB962C8B-B14F-4D97-AF65-F5344CB8AC3E}">
+        <p14:creationId xmlns:p14="http://schemas.microsoft.com/office/powerpoint/2010/main" val="1434088944"/>
+      </p:ext>
+    </p:extLst>
+  </p:cSld>
+  <p:clrMapOvr>
+    <a:masterClrMapping/>
+  </p:clrMapOvr>
+</p:sld>
+</file>
+
+<file path=ppt/slides/slide6.xml><?xml version="1.0" encoding="utf-8"?>
+<p:sld xmlns:a="http://schemas.openxmlformats.org/drawingml/2006/main" xmlns:r="http://schemas.openxmlformats.org/officeDocument/2006/relationships" xmlns:p="http://schemas.openxmlformats.org/presentationml/2006/main">
+  <p:cSld>
+    <p:spTree>
+      <p:nvGrpSpPr>
+        <p:cNvPr id="1" name=""/>
+        <p:cNvGrpSpPr/>
+        <p:nvPr/>
+      </p:nvGrpSpPr>
+      <p:grpSpPr>
+        <a:xfrm>
+          <a:off x="0" y="0"/>
+          <a:ext cx="0" cy="0"/>
+          <a:chOff x="0" y="0"/>
+          <a:chExt cx="0" cy="0"/>
+        </a:xfrm>
+      </p:grpSpPr>
+      <p:sp>
+        <p:nvSpPr>
+          <p:cNvPr id="2" name="Title 1">
+            <a:extLst>
+              <a:ext uri="{FF2B5EF4-FFF2-40B4-BE49-F238E27FC236}">
+                <a16:creationId xmlns:a16="http://schemas.microsoft.com/office/drawing/2014/main" id="{3DA697A1-05E0-434E-888B-3046DB262426}"/>
+              </a:ext>
+            </a:extLst>
+          </p:cNvPr>
+          <p:cNvSpPr>
+            <a:spLocks noGrp="1"/>
+          </p:cNvSpPr>
+          <p:nvPr>
+            <p:ph type="title"/>
+          </p:nvPr>
+        </p:nvSpPr>
+        <p:spPr/>
+        <p:txBody>
+          <a:bodyPr/>
+          <a:lstStyle/>
+          <a:p>
+            <a:endParaRPr lang="en-US"/>
+          </a:p>
+        </p:txBody>
+      </p:sp>
+      <p:sp>
+        <p:nvSpPr>
+          <p:cNvPr id="3" name="Content Placeholder 2">
+            <a:extLst>
+              <a:ext uri="{FF2B5EF4-FFF2-40B4-BE49-F238E27FC236}">
+                <a16:creationId xmlns:a16="http://schemas.microsoft.com/office/drawing/2014/main" id="{3BC43553-329E-493E-A66E-7647899D65F2}"/>
+              </a:ext>
+            </a:extLst>
+          </p:cNvPr>
+          <p:cNvSpPr>
+            <a:spLocks noGrp="1"/>
+          </p:cNvSpPr>
+          <p:nvPr>
+            <p:ph idx="1"/>
+          </p:nvPr>
+        </p:nvSpPr>
+        <p:spPr/>
+        <p:txBody>
+          <a:bodyPr/>
+          <a:lstStyle/>
+          <a:p>
+            <a:endParaRPr lang="en-US"/>
+          </a:p>
+        </p:txBody>
+      </p:sp>
+      <p:pic>
+        <p:nvPicPr>
+          <p:cNvPr id="5" name="Picture 4">
+            <a:extLst>
+              <a:ext uri="{FF2B5EF4-FFF2-40B4-BE49-F238E27FC236}">
+                <a16:creationId xmlns:a16="http://schemas.microsoft.com/office/drawing/2014/main" id="{0C8439C6-4E5D-4660-92CF-8E4FB1C0E73E}"/>
+              </a:ext>
+            </a:extLst>
+          </p:cNvPr>
+          <p:cNvPicPr>
+            <a:picLocks noChangeAspect="1"/>
+          </p:cNvPicPr>
+          <p:nvPr/>
+        </p:nvPicPr>
+        <p:blipFill>
+          <a:blip r:embed="rId2"/>
+          <a:stretch>
+            <a:fillRect/>
+          </a:stretch>
+        </p:blipFill>
+        <p:spPr>
+          <a:xfrm>
+            <a:off x="0" y="0"/>
+            <a:ext cx="12192000" cy="6858000"/>
+          </a:xfrm>
+          <a:prstGeom prst="rect">
+            <a:avLst/>
+          </a:prstGeom>
+        </p:spPr>
+      </p:pic>
+    </p:spTree>
+    <p:extLst>
+      <p:ext uri="{BB962C8B-B14F-4D97-AF65-F5344CB8AC3E}">
+        <p14:creationId xmlns:p14="http://schemas.microsoft.com/office/powerpoint/2010/main" val="2618863988"/>
+      </p:ext>
+    </p:extLst>
+  </p:cSld>
+  <p:clrMapOvr>
+    <a:masterClrMapping/>
+  </p:clrMapOvr>
+</p:sld>
+</file>
+
+<file path=ppt/slides/slide7.xml><?xml version="1.0" encoding="utf-8"?>
 <p:sld xmlns:a="http://schemas.openxmlformats.org/drawingml/2006/main" xmlns:r="http://schemas.openxmlformats.org/officeDocument/2006/relationships" xmlns:p="http://schemas.openxmlformats.org/presentationml/2006/main">
   <p:cSld>
     <p:spTree>
@@ -5705,7 +6718,7 @@
 </p:sld>
 </file>
 
-<file path=ppt/slides/slide5.xml><?xml version="1.0" encoding="utf-8"?>
+<file path=ppt/slides/slide8.xml><?xml version="1.0" encoding="utf-8"?>
 <p:sld xmlns:a="http://schemas.openxmlformats.org/drawingml/2006/main" xmlns:r="http://schemas.openxmlformats.org/officeDocument/2006/relationships" xmlns:p="http://schemas.openxmlformats.org/presentationml/2006/main">
   <p:cSld>
     <p:spTree>
@@ -5913,685 +6926,6 @@
 </p:sld>
 </file>
 
-<file path=ppt/slides/slide6.xml><?xml version="1.0" encoding="utf-8"?>
-<p:sld xmlns:a="http://schemas.openxmlformats.org/drawingml/2006/main" xmlns:r="http://schemas.openxmlformats.org/officeDocument/2006/relationships" xmlns:p="http://schemas.openxmlformats.org/presentationml/2006/main">
-  <p:cSld>
-    <p:spTree>
-      <p:nvGrpSpPr>
-        <p:cNvPr id="1" name=""/>
-        <p:cNvGrpSpPr/>
-        <p:nvPr/>
-      </p:nvGrpSpPr>
-      <p:grpSpPr>
-        <a:xfrm>
-          <a:off x="0" y="0"/>
-          <a:ext cx="0" cy="0"/>
-          <a:chOff x="0" y="0"/>
-          <a:chExt cx="0" cy="0"/>
-        </a:xfrm>
-      </p:grpSpPr>
-      <p:sp>
-        <p:nvSpPr>
-          <p:cNvPr id="2" name="Title 1">
-            <a:extLst>
-              <a:ext uri="{FF2B5EF4-FFF2-40B4-BE49-F238E27FC236}">
-                <a16:creationId xmlns:a16="http://schemas.microsoft.com/office/drawing/2014/main" id="{27AA82D6-B06B-497F-8FDA-A096C7DE6B68}"/>
-              </a:ext>
-            </a:extLst>
-          </p:cNvPr>
-          <p:cNvSpPr>
-            <a:spLocks noGrp="1"/>
-          </p:cNvSpPr>
-          <p:nvPr>
-            <p:ph type="title"/>
-          </p:nvPr>
-        </p:nvSpPr>
-        <p:spPr/>
-        <p:txBody>
-          <a:bodyPr/>
-          <a:lstStyle/>
-          <a:p>
-            <a:r>
-              <a:rPr lang="en-US" dirty="0">
-                <a:cs typeface="Calibri Light"/>
-              </a:rPr>
-              <a:t>MARIO rules</a:t>
-            </a:r>
-            <a:endParaRPr lang="en-US" dirty="0"/>
-          </a:p>
-        </p:txBody>
-      </p:sp>
-      <p:sp>
-        <p:nvSpPr>
-          <p:cNvPr id="3" name="Content Placeholder 2">
-            <a:extLst>
-              <a:ext uri="{FF2B5EF4-FFF2-40B4-BE49-F238E27FC236}">
-                <a16:creationId xmlns:a16="http://schemas.microsoft.com/office/drawing/2014/main" id="{535B9031-DE08-4180-895C-A6EFF319555B}"/>
-              </a:ext>
-            </a:extLst>
-          </p:cNvPr>
-          <p:cNvSpPr>
-            <a:spLocks noGrp="1"/>
-          </p:cNvSpPr>
-          <p:nvPr>
-            <p:ph idx="1"/>
-          </p:nvPr>
-        </p:nvSpPr>
-        <p:spPr/>
-        <p:txBody>
-          <a:bodyPr vert="horz" lIns="91440" tIns="45720" rIns="91440" bIns="45720" rtlCol="0" anchor="t">
-            <a:normAutofit fontScale="70000" lnSpcReduction="20000"/>
-          </a:bodyPr>
-          <a:lstStyle/>
-          <a:p>
-            <a:r>
-              <a:rPr lang="en-US" dirty="0">
-                <a:cs typeface="Calibri"/>
-              </a:rPr>
-              <a:t>If I hit the star, I become invincible for XXX seconds</a:t>
-            </a:r>
-          </a:p>
-          <a:p>
-            <a:r>
-              <a:rPr lang="en-US" dirty="0">
-                <a:solidFill>
-                  <a:srgbClr val="00B050"/>
-                </a:solidFill>
-                <a:cs typeface="Calibri"/>
-              </a:rPr>
-              <a:t>If I hit the mushroom, </a:t>
-            </a:r>
-          </a:p>
-          <a:p>
-            <a:pPr lvl="1"/>
-            <a:r>
-              <a:rPr lang="en-US" dirty="0">
-                <a:solidFill>
-                  <a:srgbClr val="00B050"/>
-                </a:solidFill>
-                <a:cs typeface="Calibri"/>
-              </a:rPr>
-              <a:t>I become XXX scale </a:t>
-            </a:r>
-            <a:endParaRPr lang="en-US" dirty="0">
-              <a:solidFill>
-                <a:srgbClr val="00B050"/>
-              </a:solidFill>
-            </a:endParaRPr>
-          </a:p>
-          <a:p>
-            <a:r>
-              <a:rPr lang="en-US" dirty="0">
-                <a:cs typeface="Calibri"/>
-              </a:rPr>
-              <a:t>If I hit an enemy:</a:t>
-            </a:r>
-          </a:p>
-          <a:p>
-            <a:pPr lvl="1"/>
-            <a:r>
-              <a:rPr lang="en-US" dirty="0">
-                <a:cs typeface="Calibri"/>
-              </a:rPr>
-              <a:t>If I am big, I become small</a:t>
-            </a:r>
-          </a:p>
-          <a:p>
-            <a:pPr lvl="1"/>
-            <a:r>
-              <a:rPr lang="en-US" dirty="0">
-                <a:cs typeface="Calibri"/>
-              </a:rPr>
-              <a:t>If I am small: </a:t>
-            </a:r>
-          </a:p>
-          <a:p>
-            <a:pPr lvl="2"/>
-            <a:r>
-              <a:rPr lang="en-US" dirty="0">
-                <a:cs typeface="Calibri"/>
-              </a:rPr>
-              <a:t>minus 1 life. </a:t>
-            </a:r>
-            <a:endParaRPr lang="en-US" dirty="0"/>
-          </a:p>
-          <a:p>
-            <a:pPr lvl="2"/>
-            <a:r>
-              <a:rPr lang="en-US" dirty="0">
-                <a:ea typeface="+mn-lt"/>
-                <a:cs typeface="+mn-lt"/>
-              </a:rPr>
-              <a:t>If I have 0 life, I die</a:t>
-            </a:r>
-          </a:p>
-          <a:p>
-            <a:pPr lvl="1"/>
-            <a:r>
-              <a:rPr lang="en-US" dirty="0">
-                <a:cs typeface="Calibri"/>
-              </a:rPr>
-              <a:t>If I am </a:t>
-            </a:r>
-            <a:r>
-              <a:rPr lang="en-US" dirty="0">
-                <a:ea typeface="+mn-lt"/>
-                <a:cs typeface="+mn-lt"/>
-              </a:rPr>
-              <a:t>invincible, enemy die</a:t>
-            </a:r>
-          </a:p>
-          <a:p>
-            <a:r>
-              <a:rPr lang="en-US" dirty="0">
-                <a:ea typeface="+mn-lt"/>
-                <a:cs typeface="+mn-lt"/>
-              </a:rPr>
-              <a:t>If I hit green mushroom, I get 1 life</a:t>
-            </a:r>
-          </a:p>
-          <a:p>
-            <a:r>
-              <a:rPr lang="en-US" dirty="0">
-                <a:ea typeface="+mn-lt"/>
-                <a:cs typeface="+mn-lt"/>
-              </a:rPr>
-              <a:t>If I hit checkpoint, save the location of the checkpoint</a:t>
-            </a:r>
-          </a:p>
-          <a:p>
-            <a:r>
-              <a:rPr lang="en-US" dirty="0">
-                <a:ea typeface="+mn-lt"/>
-                <a:cs typeface="+mn-lt"/>
-              </a:rPr>
-              <a:t>If I die, restart from last checkpoint</a:t>
-            </a:r>
-            <a:endParaRPr lang="en-US" dirty="0"/>
-          </a:p>
-          <a:p>
-            <a:r>
-              <a:rPr lang="en-US" dirty="0">
-                <a:cs typeface="Calibri"/>
-              </a:rPr>
-              <a:t>on start of game:</a:t>
-            </a:r>
-          </a:p>
-          <a:p>
-            <a:pPr lvl="1"/>
-            <a:r>
-              <a:rPr lang="en-US" dirty="0">
-                <a:cs typeface="Calibri"/>
-              </a:rPr>
-              <a:t>Give </a:t>
-            </a:r>
-            <a:r>
-              <a:rPr lang="en-US" dirty="0" err="1">
-                <a:cs typeface="Calibri"/>
-              </a:rPr>
-              <a:t>mario</a:t>
-            </a:r>
-            <a:r>
-              <a:rPr lang="en-US" dirty="0">
-                <a:cs typeface="Calibri"/>
-              </a:rPr>
-              <a:t> 2 life</a:t>
-            </a:r>
-            <a:endParaRPr lang="en-US" dirty="0"/>
-          </a:p>
-          <a:p>
-            <a:pPr lvl="1"/>
-            <a:r>
-              <a:rPr lang="en-US" dirty="0">
-                <a:cs typeface="Calibri"/>
-              </a:rPr>
-              <a:t>Save start as checkpoint</a:t>
-            </a:r>
-          </a:p>
-          <a:p>
-            <a:endParaRPr lang="en-US" dirty="0">
-              <a:cs typeface="Calibri"/>
-            </a:endParaRPr>
-          </a:p>
-          <a:p>
-            <a:endParaRPr lang="en-US" dirty="0">
-              <a:cs typeface="Calibri"/>
-            </a:endParaRPr>
-          </a:p>
-          <a:p>
-            <a:endParaRPr lang="en-US" dirty="0">
-              <a:cs typeface="Calibri"/>
-            </a:endParaRPr>
-          </a:p>
-        </p:txBody>
-      </p:sp>
-    </p:spTree>
-    <p:extLst>
-      <p:ext uri="{BB962C8B-B14F-4D97-AF65-F5344CB8AC3E}">
-        <p14:creationId xmlns:p14="http://schemas.microsoft.com/office/powerpoint/2010/main" val="1903990095"/>
-      </p:ext>
-    </p:extLst>
-  </p:cSld>
-  <p:clrMapOvr>
-    <a:masterClrMapping/>
-  </p:clrMapOvr>
-</p:sld>
-</file>
-
-<file path=ppt/slides/slide7.xml><?xml version="1.0" encoding="utf-8"?>
-<p:sld xmlns:a="http://schemas.openxmlformats.org/drawingml/2006/main" xmlns:r="http://schemas.openxmlformats.org/officeDocument/2006/relationships" xmlns:p="http://schemas.openxmlformats.org/presentationml/2006/main">
-  <p:cSld>
-    <p:spTree>
-      <p:nvGrpSpPr>
-        <p:cNvPr id="1" name=""/>
-        <p:cNvGrpSpPr/>
-        <p:nvPr/>
-      </p:nvGrpSpPr>
-      <p:grpSpPr>
-        <a:xfrm>
-          <a:off x="0" y="0"/>
-          <a:ext cx="0" cy="0"/>
-          <a:chOff x="0" y="0"/>
-          <a:chExt cx="0" cy="0"/>
-        </a:xfrm>
-      </p:grpSpPr>
-      <p:sp>
-        <p:nvSpPr>
-          <p:cNvPr id="2" name="Title 1">
-            <a:extLst>
-              <a:ext uri="{FF2B5EF4-FFF2-40B4-BE49-F238E27FC236}">
-                <a16:creationId xmlns:a16="http://schemas.microsoft.com/office/drawing/2014/main" id="{EE01A759-C4E4-4F6D-BA7A-693BD7ADE4F6}"/>
-              </a:ext>
-            </a:extLst>
-          </p:cNvPr>
-          <p:cNvSpPr>
-            <a:spLocks noGrp="1"/>
-          </p:cNvSpPr>
-          <p:nvPr>
-            <p:ph type="title"/>
-          </p:nvPr>
-        </p:nvSpPr>
-        <p:spPr/>
-        <p:txBody>
-          <a:bodyPr/>
-          <a:lstStyle/>
-          <a:p>
-            <a:r>
-              <a:rPr lang="en-US" dirty="0">
-                <a:cs typeface="Calibri Light"/>
-              </a:rPr>
-              <a:t>How to start developing the game</a:t>
-            </a:r>
-            <a:endParaRPr lang="en-US" dirty="0"/>
-          </a:p>
-        </p:txBody>
-      </p:sp>
-      <p:sp>
-        <p:nvSpPr>
-          <p:cNvPr id="3" name="Content Placeholder 2">
-            <a:extLst>
-              <a:ext uri="{FF2B5EF4-FFF2-40B4-BE49-F238E27FC236}">
-                <a16:creationId xmlns:a16="http://schemas.microsoft.com/office/drawing/2014/main" id="{8E1B27CB-58E4-4E58-989E-05EDF35E3D88}"/>
-              </a:ext>
-            </a:extLst>
-          </p:cNvPr>
-          <p:cNvSpPr>
-            <a:spLocks noGrp="1"/>
-          </p:cNvSpPr>
-          <p:nvPr>
-            <p:ph idx="1"/>
-          </p:nvPr>
-        </p:nvSpPr>
-        <p:spPr/>
-        <p:txBody>
-          <a:bodyPr vert="horz" lIns="91440" tIns="45720" rIns="91440" bIns="45720" rtlCol="0" anchor="t">
-            <a:normAutofit/>
-          </a:bodyPr>
-          <a:lstStyle/>
-          <a:p>
-            <a:r>
-              <a:rPr lang="en-US" dirty="0">
-                <a:cs typeface="Calibri"/>
-              </a:rPr>
-              <a:t>Make the avatar move</a:t>
-            </a:r>
-          </a:p>
-          <a:p>
-            <a:pPr lvl="1"/>
-            <a:r>
-              <a:rPr lang="en-US" err="1">
-                <a:solidFill>
-                  <a:srgbClr val="00B050"/>
-                </a:solidFill>
-                <a:ea typeface="+mn-lt"/>
-                <a:cs typeface="+mn-lt"/>
-              </a:rPr>
-              <a:t>OnKey</a:t>
-            </a:r>
-            <a:r>
-              <a:rPr lang="en-US" dirty="0">
-                <a:solidFill>
-                  <a:srgbClr val="00B050"/>
-                </a:solidFill>
-                <a:ea typeface="+mn-lt"/>
-                <a:cs typeface="+mn-lt"/>
-              </a:rPr>
-              <a:t> </a:t>
-            </a:r>
-            <a:r>
-              <a:rPr lang="en-US" dirty="0">
-                <a:solidFill>
-                  <a:srgbClr val="00B050"/>
-                </a:solidFill>
-                <a:cs typeface="Calibri"/>
-              </a:rPr>
-              <a:t>RIGHT , go right</a:t>
-            </a:r>
-          </a:p>
-          <a:p>
-            <a:pPr lvl="1"/>
-            <a:r>
-              <a:rPr lang="en-US" err="1">
-                <a:solidFill>
-                  <a:srgbClr val="00B050"/>
-                </a:solidFill>
-                <a:cs typeface="Calibri"/>
-              </a:rPr>
-              <a:t>OnKey</a:t>
-            </a:r>
-            <a:r>
-              <a:rPr lang="en-US" dirty="0">
-                <a:solidFill>
-                  <a:srgbClr val="00B050"/>
-                </a:solidFill>
-                <a:cs typeface="Calibri"/>
-              </a:rPr>
-              <a:t> LEFT, …</a:t>
-            </a:r>
-          </a:p>
-          <a:p>
-            <a:pPr lvl="1"/>
-            <a:r>
-              <a:rPr lang="en-US" err="1">
-                <a:solidFill>
-                  <a:srgbClr val="00B050"/>
-                </a:solidFill>
-                <a:ea typeface="+mn-lt"/>
-                <a:cs typeface="+mn-lt"/>
-              </a:rPr>
-              <a:t>OnKeyDown</a:t>
-            </a:r>
-            <a:r>
-              <a:rPr lang="en-US" dirty="0">
-                <a:solidFill>
-                  <a:srgbClr val="00B050"/>
-                </a:solidFill>
-                <a:ea typeface="+mn-lt"/>
-                <a:cs typeface="+mn-lt"/>
-              </a:rPr>
-              <a:t> </a:t>
-            </a:r>
-            <a:r>
-              <a:rPr lang="en-US" dirty="0">
-                <a:solidFill>
-                  <a:srgbClr val="00B050"/>
-                </a:solidFill>
-                <a:cs typeface="Calibri"/>
-              </a:rPr>
-              <a:t>Press UP</a:t>
-            </a:r>
-            <a:r>
-              <a:rPr lang="en-US" dirty="0">
-                <a:cs typeface="Calibri"/>
-              </a:rPr>
-              <a:t>, </a:t>
-            </a:r>
-            <a:r>
-              <a:rPr lang="en-US">
-                <a:solidFill>
-                  <a:srgbClr val="FF0000"/>
-                </a:solidFill>
-                <a:cs typeface="Calibri"/>
-              </a:rPr>
-              <a:t>jump (animation...)</a:t>
-            </a:r>
-            <a:r>
-              <a:rPr lang="en-US" dirty="0">
-                <a:cs typeface="Calibri"/>
-              </a:rPr>
-              <a:t>. </a:t>
-            </a:r>
-          </a:p>
-        </p:txBody>
-      </p:sp>
-    </p:spTree>
-    <p:extLst>
-      <p:ext uri="{BB962C8B-B14F-4D97-AF65-F5344CB8AC3E}">
-        <p14:creationId xmlns:p14="http://schemas.microsoft.com/office/powerpoint/2010/main" val="2050108797"/>
-      </p:ext>
-    </p:extLst>
-  </p:cSld>
-  <p:clrMapOvr>
-    <a:masterClrMapping/>
-  </p:clrMapOvr>
-</p:sld>
-</file>
-
-<file path=ppt/slides/slide8.xml><?xml version="1.0" encoding="utf-8"?>
-<p:sld xmlns:a="http://schemas.openxmlformats.org/drawingml/2006/main" xmlns:r="http://schemas.openxmlformats.org/officeDocument/2006/relationships" xmlns:p="http://schemas.openxmlformats.org/presentationml/2006/main">
-  <p:cSld>
-    <p:spTree>
-      <p:nvGrpSpPr>
-        <p:cNvPr id="1" name=""/>
-        <p:cNvGrpSpPr/>
-        <p:nvPr/>
-      </p:nvGrpSpPr>
-      <p:grpSpPr>
-        <a:xfrm>
-          <a:off x="0" y="0"/>
-          <a:ext cx="0" cy="0"/>
-          <a:chOff x="0" y="0"/>
-          <a:chExt cx="0" cy="0"/>
-        </a:xfrm>
-      </p:grpSpPr>
-      <p:sp>
-        <p:nvSpPr>
-          <p:cNvPr id="2" name="Title 1">
-            <a:extLst>
-              <a:ext uri="{FF2B5EF4-FFF2-40B4-BE49-F238E27FC236}">
-                <a16:creationId xmlns:a16="http://schemas.microsoft.com/office/drawing/2014/main" id="{45CC1C2F-6FD2-4EC0-9161-74FE6A63B850}"/>
-              </a:ext>
-            </a:extLst>
-          </p:cNvPr>
-          <p:cNvSpPr>
-            <a:spLocks noGrp="1"/>
-          </p:cNvSpPr>
-          <p:nvPr>
-            <p:ph type="title"/>
-          </p:nvPr>
-        </p:nvSpPr>
-        <p:spPr/>
-        <p:txBody>
-          <a:bodyPr/>
-          <a:lstStyle/>
-          <a:p>
-            <a:r>
-              <a:rPr lang="en-US" dirty="0">
-                <a:cs typeface="Calibri Light"/>
-              </a:rPr>
-              <a:t>Plan </a:t>
-            </a:r>
-            <a:endParaRPr lang="en-US" dirty="0"/>
-          </a:p>
-        </p:txBody>
-      </p:sp>
-      <p:sp>
-        <p:nvSpPr>
-          <p:cNvPr id="3" name="Content Placeholder 2">
-            <a:extLst>
-              <a:ext uri="{FF2B5EF4-FFF2-40B4-BE49-F238E27FC236}">
-                <a16:creationId xmlns:a16="http://schemas.microsoft.com/office/drawing/2014/main" id="{BE1D7F04-3294-4E28-A8D4-04DD85FA3276}"/>
-              </a:ext>
-            </a:extLst>
-          </p:cNvPr>
-          <p:cNvSpPr>
-            <a:spLocks noGrp="1"/>
-          </p:cNvSpPr>
-          <p:nvPr>
-            <p:ph idx="1"/>
-          </p:nvPr>
-        </p:nvSpPr>
-        <p:spPr/>
-        <p:txBody>
-          <a:bodyPr vert="horz" lIns="91440" tIns="45720" rIns="91440" bIns="45720" rtlCol="0" anchor="t">
-            <a:normAutofit fontScale="70000" lnSpcReduction="20000"/>
-          </a:bodyPr>
-          <a:lstStyle/>
-          <a:p>
-            <a:r>
-              <a:rPr lang="en-US">
-                <a:ea typeface="+mn-lt"/>
-                <a:cs typeface="+mn-lt"/>
-              </a:rPr>
-              <a:t>Insert 3d model inside the cube (Filippo)</a:t>
-            </a:r>
-          </a:p>
-          <a:p>
-            <a:endParaRPr lang="en-US" dirty="0">
-              <a:cs typeface="Calibri"/>
-            </a:endParaRPr>
-          </a:p>
-          <a:p>
-            <a:r>
-              <a:rPr lang="en-US">
-                <a:cs typeface="Calibri"/>
-              </a:rPr>
-              <a:t>All the big features:</a:t>
-            </a:r>
-            <a:endParaRPr lang="en-US"/>
-          </a:p>
-          <a:p>
-            <a:pPr lvl="1"/>
-            <a:r>
-              <a:rPr lang="en-US">
-                <a:cs typeface="Calibri"/>
-              </a:rPr>
-              <a:t>Mushroom, star, enemy</a:t>
-            </a:r>
-          </a:p>
-          <a:p>
-            <a:endParaRPr lang="en-US" sz="2400">
-              <a:cs typeface="Calibri"/>
-            </a:endParaRPr>
-          </a:p>
-          <a:p>
-            <a:r>
-              <a:rPr lang="en-US" dirty="0">
-                <a:cs typeface="Calibri" panose="020F0502020204030204"/>
-              </a:rPr>
-              <a:t>Level design. </a:t>
-            </a:r>
-          </a:p>
-          <a:p>
-            <a:pPr lvl="1"/>
-            <a:r>
-              <a:rPr lang="en-US">
-                <a:cs typeface="Calibri" panose="020F0502020204030204"/>
-              </a:rPr>
-              <a:t>From Starting point to finish point </a:t>
-            </a:r>
-          </a:p>
-          <a:p>
-            <a:pPr lvl="1"/>
-            <a:endParaRPr lang="en-US" dirty="0">
-              <a:cs typeface="Calibri" panose="020F0502020204030204"/>
-            </a:endParaRPr>
-          </a:p>
-          <a:p>
-            <a:r>
-              <a:rPr lang="en-US">
-                <a:cs typeface="Calibri" panose="020F0502020204030204"/>
-              </a:rPr>
-              <a:t>Rules:</a:t>
-            </a:r>
-            <a:endParaRPr lang="en-US" dirty="0">
-              <a:cs typeface="Calibri" panose="020F0502020204030204"/>
-            </a:endParaRPr>
-          </a:p>
-          <a:p>
-            <a:pPr lvl="1"/>
-            <a:r>
-              <a:rPr lang="en-US">
-                <a:cs typeface="Calibri" panose="020F0502020204030204"/>
-              </a:rPr>
-              <a:t>Health, damage, </a:t>
-            </a:r>
-            <a:endParaRPr lang="en-US" dirty="0">
-              <a:cs typeface="Calibri" panose="020F0502020204030204"/>
-            </a:endParaRPr>
-          </a:p>
-          <a:p>
-            <a:pPr lvl="1"/>
-            <a:r>
-              <a:rPr lang="en-US">
-                <a:cs typeface="Calibri" panose="020F0502020204030204"/>
-              </a:rPr>
-              <a:t>Fire </a:t>
-            </a:r>
-            <a:endParaRPr lang="en-US" dirty="0">
-              <a:cs typeface="Calibri" panose="020F0502020204030204"/>
-            </a:endParaRPr>
-          </a:p>
-          <a:p>
-            <a:pPr lvl="1"/>
-            <a:r>
-              <a:rPr lang="en-US">
-                <a:cs typeface="Calibri" panose="020F0502020204030204"/>
-              </a:rPr>
-              <a:t>Killing stuff</a:t>
-            </a:r>
-            <a:endParaRPr lang="en-US" dirty="0">
-              <a:cs typeface="Calibri" panose="020F0502020204030204"/>
-            </a:endParaRPr>
-          </a:p>
-          <a:p>
-            <a:endParaRPr lang="en-US" dirty="0">
-              <a:cs typeface="Calibri" panose="020F0502020204030204"/>
-            </a:endParaRPr>
-          </a:p>
-          <a:p>
-            <a:r>
-              <a:rPr lang="en-US">
-                <a:cs typeface="Calibri" panose="020F0502020204030204"/>
-              </a:rPr>
-              <a:t>Animations </a:t>
-            </a:r>
-          </a:p>
-          <a:p>
-            <a:endParaRPr lang="en-US" dirty="0">
-              <a:cs typeface="Calibri" panose="020F0502020204030204"/>
-            </a:endParaRPr>
-          </a:p>
-          <a:p>
-            <a:endParaRPr lang="en-US" dirty="0">
-              <a:cs typeface="Calibri" panose="020F0502020204030204"/>
-            </a:endParaRPr>
-          </a:p>
-        </p:txBody>
-      </p:sp>
-    </p:spTree>
-    <p:extLst>
-      <p:ext uri="{BB962C8B-B14F-4D97-AF65-F5344CB8AC3E}">
-        <p14:creationId xmlns:p14="http://schemas.microsoft.com/office/powerpoint/2010/main" val="4077860347"/>
-      </p:ext>
-    </p:extLst>
-  </p:cSld>
-  <p:clrMapOvr>
-    <a:masterClrMapping/>
-  </p:clrMapOvr>
-</p:sld>
-</file>
-
 <file path=ppt/slides/slide9.xml><?xml version="1.0" encoding="utf-8"?>
 <p:sld xmlns:a="http://schemas.openxmlformats.org/drawingml/2006/main" xmlns:r="http://schemas.openxmlformats.org/officeDocument/2006/relationships" xmlns:p="http://schemas.openxmlformats.org/presentationml/2006/main">
   <p:cSld>
@@ -6614,7 +6948,7 @@
           <p:cNvPr id="2" name="Title 1">
             <a:extLst>
               <a:ext uri="{FF2B5EF4-FFF2-40B4-BE49-F238E27FC236}">
-                <a16:creationId xmlns:a16="http://schemas.microsoft.com/office/drawing/2014/main" id="{13A1538D-67C0-4906-B38B-D202C2A1A9E9}"/>
+                <a16:creationId xmlns:a16="http://schemas.microsoft.com/office/drawing/2014/main" id="{EE01A759-C4E4-4F6D-BA7A-693BD7ADE4F6}"/>
               </a:ext>
             </a:extLst>
           </p:cNvPr>
@@ -6630,7 +6964,13 @@
           <a:bodyPr/>
           <a:lstStyle/>
           <a:p>
-            <a:endParaRPr lang="en-US"/>
+            <a:r>
+              <a:rPr lang="en-US" dirty="0">
+                <a:cs typeface="Calibri Light"/>
+              </a:rPr>
+              <a:t>How to start developing the game</a:t>
+            </a:r>
+            <a:endParaRPr lang="en-US" dirty="0"/>
           </a:p>
         </p:txBody>
       </p:sp>
@@ -6639,7 +6979,7 @@
           <p:cNvPr id="3" name="Content Placeholder 2">
             <a:extLst>
               <a:ext uri="{FF2B5EF4-FFF2-40B4-BE49-F238E27FC236}">
-                <a16:creationId xmlns:a16="http://schemas.microsoft.com/office/drawing/2014/main" id="{3497D6AE-D4B7-4D5D-A952-3EF824F172DE}"/>
+                <a16:creationId xmlns:a16="http://schemas.microsoft.com/office/drawing/2014/main" id="{8E1B27CB-58E4-4E58-989E-05EDF35E3D88}"/>
               </a:ext>
             </a:extLst>
           </p:cNvPr>
@@ -6650,136 +6990,121 @@
             <p:ph idx="1"/>
           </p:nvPr>
         </p:nvSpPr>
-        <p:spPr>
-          <a:xfrm>
-            <a:off x="9380220" y="1825625"/>
-            <a:ext cx="2529840" cy="4351338"/>
-          </a:xfrm>
-        </p:spPr>
-        <p:txBody>
-          <a:bodyPr/>
-          <a:lstStyle/>
-          <a:p>
-            <a:r>
-              <a:rPr lang="en-US" dirty="0"/>
-              <a:t>If click START GAME button:</a:t>
+        <p:spPr/>
+        <p:txBody>
+          <a:bodyPr vert="horz" lIns="91440" tIns="45720" rIns="91440" bIns="45720" rtlCol="0" anchor="t">
+            <a:normAutofit/>
+          </a:bodyPr>
+          <a:lstStyle/>
+          <a:p>
+            <a:r>
+              <a:rPr lang="en-US" dirty="0">
+                <a:cs typeface="Calibri"/>
+              </a:rPr>
+              <a:t>Make the avatar move</a:t>
             </a:r>
           </a:p>
           <a:p>
             <a:pPr lvl="1"/>
             <a:r>
-              <a:rPr lang="en-US" dirty="0"/>
-              <a:t>Close start screen</a:t>
-            </a:r>
-          </a:p>
-        </p:txBody>
-      </p:sp>
-      <p:sp>
-        <p:nvSpPr>
-          <p:cNvPr id="4" name="Rectangle: Rounded Corners 3">
-            <a:extLst>
-              <a:ext uri="{FF2B5EF4-FFF2-40B4-BE49-F238E27FC236}">
-                <a16:creationId xmlns:a16="http://schemas.microsoft.com/office/drawing/2014/main" id="{05984947-3055-443A-BAE9-147260E12A4B}"/>
-              </a:ext>
-            </a:extLst>
-          </p:cNvPr>
-          <p:cNvSpPr/>
-          <p:nvPr/>
-        </p:nvSpPr>
-        <p:spPr>
-          <a:xfrm>
-            <a:off x="586740" y="1059180"/>
-            <a:ext cx="8793480" cy="5006340"/>
-          </a:xfrm>
-          <a:prstGeom prst="roundRect">
-            <a:avLst/>
-          </a:prstGeom>
-        </p:spPr>
-        <p:style>
-          <a:lnRef idx="2">
-            <a:schemeClr val="accent1">
-              <a:shade val="50000"/>
-            </a:schemeClr>
-          </a:lnRef>
-          <a:fillRef idx="1">
-            <a:schemeClr val="accent1"/>
-          </a:fillRef>
-          <a:effectRef idx="0">
-            <a:schemeClr val="accent1"/>
-          </a:effectRef>
-          <a:fontRef idx="minor">
-            <a:schemeClr val="lt1"/>
-          </a:fontRef>
-        </p:style>
-        <p:txBody>
-          <a:bodyPr rtlCol="0" anchor="ctr"/>
-          <a:lstStyle/>
-          <a:p>
-            <a:pPr algn="ctr"/>
-            <a:r>
-              <a:rPr lang="en-US" dirty="0"/>
-              <a:t>Welcome to MARIO 2021</a:t>
-            </a:r>
-          </a:p>
-          <a:p>
-            <a:pPr algn="ctr"/>
-            <a:endParaRPr lang="en-US" dirty="0"/>
-          </a:p>
-          <a:p>
-            <a:pPr algn="ctr"/>
-            <a:endParaRPr lang="en-US" dirty="0"/>
-          </a:p>
-          <a:p>
-            <a:pPr algn="ctr"/>
-            <a:endParaRPr lang="en-US" dirty="0"/>
-          </a:p>
-        </p:txBody>
-      </p:sp>
-      <p:sp>
-        <p:nvSpPr>
-          <p:cNvPr id="5" name="Rectangle: Rounded Corners 4">
-            <a:extLst>
-              <a:ext uri="{FF2B5EF4-FFF2-40B4-BE49-F238E27FC236}">
-                <a16:creationId xmlns:a16="http://schemas.microsoft.com/office/drawing/2014/main" id="{A15271DD-1667-43B3-B03E-37EF4379222B}"/>
-              </a:ext>
-            </a:extLst>
-          </p:cNvPr>
-          <p:cNvSpPr/>
-          <p:nvPr/>
-        </p:nvSpPr>
-        <p:spPr>
-          <a:xfrm>
-            <a:off x="3432810" y="4320540"/>
-            <a:ext cx="3101340" cy="967740"/>
-          </a:xfrm>
-          <a:prstGeom prst="roundRect">
-            <a:avLst/>
-          </a:prstGeom>
-        </p:spPr>
-        <p:style>
-          <a:lnRef idx="2">
-            <a:schemeClr val="accent4">
-              <a:shade val="50000"/>
-            </a:schemeClr>
-          </a:lnRef>
-          <a:fillRef idx="1">
-            <a:schemeClr val="accent4"/>
-          </a:fillRef>
-          <a:effectRef idx="0">
-            <a:schemeClr val="accent4"/>
-          </a:effectRef>
-          <a:fontRef idx="minor">
-            <a:schemeClr val="lt1"/>
-          </a:fontRef>
-        </p:style>
-        <p:txBody>
-          <a:bodyPr rtlCol="0" anchor="ctr"/>
-          <a:lstStyle/>
-          <a:p>
-            <a:pPr algn="ctr"/>
-            <a:r>
-              <a:rPr lang="en-US" dirty="0"/>
-              <a:t>START GAME</a:t>
+              <a:rPr lang="en-US" dirty="0" err="1">
+                <a:solidFill>
+                  <a:srgbClr val="00B050"/>
+                </a:solidFill>
+                <a:ea typeface="+mn-lt"/>
+                <a:cs typeface="+mn-lt"/>
+              </a:rPr>
+              <a:t>OnKey</a:t>
+            </a:r>
+            <a:r>
+              <a:rPr lang="en-US" dirty="0">
+                <a:solidFill>
+                  <a:srgbClr val="00B050"/>
+                </a:solidFill>
+                <a:ea typeface="+mn-lt"/>
+                <a:cs typeface="+mn-lt"/>
+              </a:rPr>
+              <a:t> </a:t>
+            </a:r>
+            <a:r>
+              <a:rPr lang="en-US" dirty="0">
+                <a:solidFill>
+                  <a:srgbClr val="00B050"/>
+                </a:solidFill>
+                <a:cs typeface="Calibri"/>
+              </a:rPr>
+              <a:t>RIGHT , go right</a:t>
+            </a:r>
+          </a:p>
+          <a:p>
+            <a:pPr lvl="1"/>
+            <a:r>
+              <a:rPr lang="en-US" dirty="0" err="1">
+                <a:solidFill>
+                  <a:srgbClr val="00B050"/>
+                </a:solidFill>
+                <a:cs typeface="Calibri"/>
+              </a:rPr>
+              <a:t>OnKey</a:t>
+            </a:r>
+            <a:r>
+              <a:rPr lang="en-US" dirty="0">
+                <a:solidFill>
+                  <a:srgbClr val="00B050"/>
+                </a:solidFill>
+                <a:cs typeface="Calibri"/>
+              </a:rPr>
+              <a:t> LEFT, …</a:t>
+            </a:r>
+          </a:p>
+          <a:p>
+            <a:pPr lvl="1"/>
+            <a:r>
+              <a:rPr lang="en-US" dirty="0" err="1">
+                <a:solidFill>
+                  <a:srgbClr val="00B050"/>
+                </a:solidFill>
+                <a:ea typeface="+mn-lt"/>
+                <a:cs typeface="+mn-lt"/>
+              </a:rPr>
+              <a:t>OnKeyDown</a:t>
+            </a:r>
+            <a:r>
+              <a:rPr lang="en-US" dirty="0">
+                <a:solidFill>
+                  <a:srgbClr val="00B050"/>
+                </a:solidFill>
+                <a:ea typeface="+mn-lt"/>
+                <a:cs typeface="+mn-lt"/>
+              </a:rPr>
+              <a:t> </a:t>
+            </a:r>
+            <a:r>
+              <a:rPr lang="en-US" dirty="0">
+                <a:solidFill>
+                  <a:srgbClr val="00B050"/>
+                </a:solidFill>
+                <a:cs typeface="Calibri"/>
+              </a:rPr>
+              <a:t>Press UP, jump (physics or </a:t>
+            </a:r>
+            <a:r>
+              <a:rPr lang="en-US" dirty="0">
+                <a:solidFill>
+                  <a:srgbClr val="FF0000"/>
+                </a:solidFill>
+                <a:cs typeface="Calibri"/>
+              </a:rPr>
+              <a:t>animation..</a:t>
+            </a:r>
+            <a:r>
+              <a:rPr lang="en-US" dirty="0">
+                <a:solidFill>
+                  <a:srgbClr val="00B050"/>
+                </a:solidFill>
+                <a:cs typeface="Calibri"/>
+              </a:rPr>
+              <a:t>.). </a:t>
             </a:r>
           </a:p>
         </p:txBody>
@@ -6787,7 +7112,7 @@
     </p:spTree>
     <p:extLst>
       <p:ext uri="{BB962C8B-B14F-4D97-AF65-F5344CB8AC3E}">
-        <p14:creationId xmlns:p14="http://schemas.microsoft.com/office/powerpoint/2010/main" val="368310475"/>
+        <p14:creationId xmlns:p14="http://schemas.microsoft.com/office/powerpoint/2010/main" val="2050108797"/>
       </p:ext>
     </p:extLst>
   </p:cSld>
@@ -7059,21 +7384,6 @@
 </file>
 
 <file path=customXml/item1.xml><?xml version="1.0" encoding="utf-8"?>
-<?mso-contentType ?>
-<FormTemplates xmlns="http://schemas.microsoft.com/sharepoint/v3/contenttype/forms">
-  <Display>DocumentLibraryForm</Display>
-  <Edit>DocumentLibraryForm</Edit>
-  <New>DocumentLibraryForm</New>
-</FormTemplates>
-</file>
-
-<file path=customXml/item2.xml><?xml version="1.0" encoding="utf-8"?>
-<p:properties xmlns:p="http://schemas.microsoft.com/office/2006/metadata/properties" xmlns:xsi="http://www.w3.org/2001/XMLSchema-instance" xmlns:pc="http://schemas.microsoft.com/office/infopath/2007/PartnerControls">
-  <documentManagement/>
-</p:properties>
-</file>
-
-<file path=customXml/item3.xml><?xml version="1.0" encoding="utf-8"?>
 <ct:contentTypeSchema xmlns:ct="http://schemas.microsoft.com/office/2006/metadata/contentType" xmlns:ma="http://schemas.microsoft.com/office/2006/metadata/properties/metaAttributes" ct:_="" ma:_="" ma:contentTypeName="Documento" ma:contentTypeID="0x010100A1E9F1B842402C4B978E599175A9CC2F" ma:contentTypeVersion="9" ma:contentTypeDescription="Creare un nuovo documento." ma:contentTypeScope="" ma:versionID="c7719b27c111f0394d42d44072dff4b4">
   <xsd:schema xmlns:xsd="http://www.w3.org/2001/XMLSchema" xmlns:xs="http://www.w3.org/2001/XMLSchema" xmlns:p="http://schemas.microsoft.com/office/2006/metadata/properties" xmlns:ns2="74bdbfcc-7011-488f-9302-f3f90946f977" targetNamespace="http://schemas.microsoft.com/office/2006/metadata/properties" ma:root="true" ma:fieldsID="b9e0f31806f3447edbda3facc4895caa" ns2:_="">
     <xsd:import namespace="74bdbfcc-7011-488f-9302-f3f90946f977"/>
@@ -7249,24 +7559,22 @@
 </ct:contentTypeSchema>
 </file>
 
-<file path=customXml/itemProps1.xml><?xml version="1.0" encoding="utf-8"?>
-<ds:datastoreItem xmlns:ds="http://schemas.openxmlformats.org/officeDocument/2006/customXml" ds:itemID="{C77525A5-9444-4E49-A3A8-9EBC94C17F95}">
-  <ds:schemaRefs>
-    <ds:schemaRef ds:uri="http://schemas.microsoft.com/sharepoint/v3/contenttype/forms"/>
-  </ds:schemaRefs>
-</ds:datastoreItem>
+<file path=customXml/item2.xml><?xml version="1.0" encoding="utf-8"?>
+<?mso-contentType ?>
+<FormTemplates xmlns="http://schemas.microsoft.com/sharepoint/v3/contenttype/forms">
+  <Display>DocumentLibraryForm</Display>
+  <Edit>DocumentLibraryForm</Edit>
+  <New>DocumentLibraryForm</New>
+</FormTemplates>
 </file>
 
-<file path=customXml/itemProps2.xml><?xml version="1.0" encoding="utf-8"?>
-<ds:datastoreItem xmlns:ds="http://schemas.openxmlformats.org/officeDocument/2006/customXml" ds:itemID="{6F99CC6B-3FC4-4611-BB8A-0161C42924D8}">
-  <ds:schemaRefs>
-    <ds:schemaRef ds:uri="http://schemas.microsoft.com/office/2006/metadata/properties"/>
-    <ds:schemaRef ds:uri="http://schemas.microsoft.com/office/infopath/2007/PartnerControls"/>
-  </ds:schemaRefs>
-</ds:datastoreItem>
+<file path=customXml/item3.xml><?xml version="1.0" encoding="utf-8"?>
+<p:properties xmlns:p="http://schemas.microsoft.com/office/2006/metadata/properties" xmlns:xsi="http://www.w3.org/2001/XMLSchema-instance" xmlns:pc="http://schemas.microsoft.com/office/infopath/2007/PartnerControls">
+  <documentManagement/>
+</p:properties>
 </file>
 
-<file path=customXml/itemProps3.xml><?xml version="1.0" encoding="utf-8"?>
+<file path=customXml/itemProps1.xml><?xml version="1.0" encoding="utf-8"?>
 <ds:datastoreItem xmlns:ds="http://schemas.openxmlformats.org/officeDocument/2006/customXml" ds:itemID="{59F38C61-2F2D-4D29-A732-9575E29CCC7A}">
   <ds:schemaRefs>
     <ds:schemaRef ds:uri="http://schemas.microsoft.com/office/2006/metadata/contentType"/>
@@ -7282,4 +7590,21 @@
     <ds:schemaRef ds:uri="http://schemas.microsoft.com/internal/obd"/>
   </ds:schemaRefs>
 </ds:datastoreItem>
+</file>
+
+<file path=customXml/itemProps2.xml><?xml version="1.0" encoding="utf-8"?>
+<ds:datastoreItem xmlns:ds="http://schemas.openxmlformats.org/officeDocument/2006/customXml" ds:itemID="{C77525A5-9444-4E49-A3A8-9EBC94C17F95}">
+  <ds:schemaRefs>
+    <ds:schemaRef ds:uri="http://schemas.microsoft.com/sharepoint/v3/contenttype/forms"/>
+  </ds:schemaRefs>
+</ds:datastoreItem>
+</file>
+
+<file path=customXml/itemProps3.xml><?xml version="1.0" encoding="utf-8"?>
+<ds:datastoreItem xmlns:ds="http://schemas.openxmlformats.org/officeDocument/2006/customXml" ds:itemID="{6F99CC6B-3FC4-4611-BB8A-0161C42924D8}">
+  <ds:schemaRefs>
+    <ds:schemaRef ds:uri="http://schemas.microsoft.com/office/2006/metadata/properties"/>
+    <ds:schemaRef ds:uri="http://schemas.microsoft.com/office/infopath/2007/PartnerControls"/>
+  </ds:schemaRefs>
+</ds:datastoreItem>
 </file>
--- a/Design/Mario Rules.pptx
+++ b/Design/Mario Rules.pptx
@@ -461,7 +461,7 @@
           <a:p>
             <a:fld id="{846CE7D5-CF57-46EF-B807-FDD0502418D4}" type="datetimeFigureOut">
               <a:rPr lang="en-US" smtClean="0"/>
-              <a:t>5/25/2021</a:t>
+              <a:t>5/28/2021</a:t>
             </a:fld>
             <a:endParaRPr lang="en-US"/>
           </a:p>
@@ -631,7 +631,7 @@
           <a:p>
             <a:fld id="{846CE7D5-CF57-46EF-B807-FDD0502418D4}" type="datetimeFigureOut">
               <a:rPr lang="en-US" smtClean="0"/>
-              <a:t>5/25/2021</a:t>
+              <a:t>5/28/2021</a:t>
             </a:fld>
             <a:endParaRPr lang="en-US"/>
           </a:p>
@@ -811,7 +811,7 @@
           <a:p>
             <a:fld id="{846CE7D5-CF57-46EF-B807-FDD0502418D4}" type="datetimeFigureOut">
               <a:rPr lang="en-US" smtClean="0"/>
-              <a:t>5/25/2021</a:t>
+              <a:t>5/28/2021</a:t>
             </a:fld>
             <a:endParaRPr lang="en-US"/>
           </a:p>
@@ -981,7 +981,7 @@
           <a:p>
             <a:fld id="{846CE7D5-CF57-46EF-B807-FDD0502418D4}" type="datetimeFigureOut">
               <a:rPr lang="en-US" smtClean="0"/>
-              <a:t>5/25/2021</a:t>
+              <a:t>5/28/2021</a:t>
             </a:fld>
             <a:endParaRPr lang="en-US"/>
           </a:p>
@@ -1227,7 +1227,7 @@
           <a:p>
             <a:fld id="{846CE7D5-CF57-46EF-B807-FDD0502418D4}" type="datetimeFigureOut">
               <a:rPr lang="en-US" smtClean="0"/>
-              <a:t>5/25/2021</a:t>
+              <a:t>5/28/2021</a:t>
             </a:fld>
             <a:endParaRPr lang="en-US"/>
           </a:p>
@@ -1459,7 +1459,7 @@
           <a:p>
             <a:fld id="{846CE7D5-CF57-46EF-B807-FDD0502418D4}" type="datetimeFigureOut">
               <a:rPr lang="en-US" smtClean="0"/>
-              <a:t>5/25/2021</a:t>
+              <a:t>5/28/2021</a:t>
             </a:fld>
             <a:endParaRPr lang="en-US"/>
           </a:p>
@@ -1826,7 +1826,7 @@
           <a:p>
             <a:fld id="{846CE7D5-CF57-46EF-B807-FDD0502418D4}" type="datetimeFigureOut">
               <a:rPr lang="en-US" smtClean="0"/>
-              <a:t>5/25/2021</a:t>
+              <a:t>5/28/2021</a:t>
             </a:fld>
             <a:endParaRPr lang="en-US"/>
           </a:p>
@@ -1944,7 +1944,7 @@
           <a:p>
             <a:fld id="{846CE7D5-CF57-46EF-B807-FDD0502418D4}" type="datetimeFigureOut">
               <a:rPr lang="en-US" smtClean="0"/>
-              <a:t>5/25/2021</a:t>
+              <a:t>5/28/2021</a:t>
             </a:fld>
             <a:endParaRPr lang="en-US"/>
           </a:p>
@@ -2039,7 +2039,7 @@
           <a:p>
             <a:fld id="{846CE7D5-CF57-46EF-B807-FDD0502418D4}" type="datetimeFigureOut">
               <a:rPr lang="en-US" smtClean="0"/>
-              <a:t>5/25/2021</a:t>
+              <a:t>5/28/2021</a:t>
             </a:fld>
             <a:endParaRPr lang="en-US"/>
           </a:p>
@@ -2316,7 +2316,7 @@
           <a:p>
             <a:fld id="{846CE7D5-CF57-46EF-B807-FDD0502418D4}" type="datetimeFigureOut">
               <a:rPr lang="en-US" smtClean="0"/>
-              <a:t>5/25/2021</a:t>
+              <a:t>5/28/2021</a:t>
             </a:fld>
             <a:endParaRPr lang="en-US"/>
           </a:p>
@@ -2573,7 +2573,7 @@
           <a:p>
             <a:fld id="{846CE7D5-CF57-46EF-B807-FDD0502418D4}" type="datetimeFigureOut">
               <a:rPr lang="en-US" smtClean="0"/>
-              <a:t>5/25/2021</a:t>
+              <a:t>5/28/2021</a:t>
             </a:fld>
             <a:endParaRPr lang="en-US"/>
           </a:p>
@@ -2786,7 +2786,7 @@
           <a:p>
             <a:fld id="{846CE7D5-CF57-46EF-B807-FDD0502418D4}" type="datetimeFigureOut">
               <a:rPr lang="en-US" smtClean="0"/>
-              <a:t>5/25/2021</a:t>
+              <a:t>5/28/2021</a:t>
             </a:fld>
             <a:endParaRPr lang="en-US"/>
           </a:p>
@@ -5843,12 +5843,19 @@
           <a:p>
             <a:r>
               <a:rPr lang="en-US" dirty="0">
+                <a:solidFill>
+                  <a:srgbClr val="00B050"/>
+                </a:solidFill>
                 <a:ea typeface="+mn-lt"/>
                 <a:cs typeface="+mn-lt"/>
               </a:rPr>
-              <a:t>If I die, restart from last checkpoint</a:t>
-            </a:r>
-            <a:endParaRPr lang="en-US" dirty="0"/>
+              <a:t>If I die, move me to the last saved checkpoint</a:t>
+            </a:r>
+            <a:endParaRPr lang="en-US" dirty="0">
+              <a:solidFill>
+                <a:srgbClr val="00B050"/>
+              </a:solidFill>
+            </a:endParaRPr>
           </a:p>
           <a:p>
             <a:r>
@@ -7384,6 +7391,15 @@
 </file>
 
 <file path=customXml/item1.xml><?xml version="1.0" encoding="utf-8"?>
+<?mso-contentType ?>
+<FormTemplates xmlns="http://schemas.microsoft.com/sharepoint/v3/contenttype/forms">
+  <Display>DocumentLibraryForm</Display>
+  <Edit>DocumentLibraryForm</Edit>
+  <New>DocumentLibraryForm</New>
+</FormTemplates>
+</file>
+
+<file path=customXml/item2.xml><?xml version="1.0" encoding="utf-8"?>
 <ct:contentTypeSchema xmlns:ct="http://schemas.microsoft.com/office/2006/metadata/contentType" xmlns:ma="http://schemas.microsoft.com/office/2006/metadata/properties/metaAttributes" ct:_="" ma:_="" ma:contentTypeName="Documento" ma:contentTypeID="0x010100A1E9F1B842402C4B978E599175A9CC2F" ma:contentTypeVersion="9" ma:contentTypeDescription="Creare un nuovo documento." ma:contentTypeScope="" ma:versionID="c7719b27c111f0394d42d44072dff4b4">
   <xsd:schema xmlns:xsd="http://www.w3.org/2001/XMLSchema" xmlns:xs="http://www.w3.org/2001/XMLSchema" xmlns:p="http://schemas.microsoft.com/office/2006/metadata/properties" xmlns:ns2="74bdbfcc-7011-488f-9302-f3f90946f977" targetNamespace="http://schemas.microsoft.com/office/2006/metadata/properties" ma:root="true" ma:fieldsID="b9e0f31806f3447edbda3facc4895caa" ns2:_="">
     <xsd:import namespace="74bdbfcc-7011-488f-9302-f3f90946f977"/>
@@ -7559,15 +7575,6 @@
 </ct:contentTypeSchema>
 </file>
 
-<file path=customXml/item2.xml><?xml version="1.0" encoding="utf-8"?>
-<?mso-contentType ?>
-<FormTemplates xmlns="http://schemas.microsoft.com/sharepoint/v3/contenttype/forms">
-  <Display>DocumentLibraryForm</Display>
-  <Edit>DocumentLibraryForm</Edit>
-  <New>DocumentLibraryForm</New>
-</FormTemplates>
-</file>
-
 <file path=customXml/item3.xml><?xml version="1.0" encoding="utf-8"?>
 <p:properties xmlns:p="http://schemas.microsoft.com/office/2006/metadata/properties" xmlns:xsi="http://www.w3.org/2001/XMLSchema-instance" xmlns:pc="http://schemas.microsoft.com/office/infopath/2007/PartnerControls">
   <documentManagement/>
@@ -7575,6 +7582,14 @@
 </file>
 
 <file path=customXml/itemProps1.xml><?xml version="1.0" encoding="utf-8"?>
+<ds:datastoreItem xmlns:ds="http://schemas.openxmlformats.org/officeDocument/2006/customXml" ds:itemID="{C77525A5-9444-4E49-A3A8-9EBC94C17F95}">
+  <ds:schemaRefs>
+    <ds:schemaRef ds:uri="http://schemas.microsoft.com/sharepoint/v3/contenttype/forms"/>
+  </ds:schemaRefs>
+</ds:datastoreItem>
+</file>
+
+<file path=customXml/itemProps2.xml><?xml version="1.0" encoding="utf-8"?>
 <ds:datastoreItem xmlns:ds="http://schemas.openxmlformats.org/officeDocument/2006/customXml" ds:itemID="{59F38C61-2F2D-4D29-A732-9575E29CCC7A}">
   <ds:schemaRefs>
     <ds:schemaRef ds:uri="http://schemas.microsoft.com/office/2006/metadata/contentType"/>
@@ -7592,14 +7607,6 @@
 </ds:datastoreItem>
 </file>
 
-<file path=customXml/itemProps2.xml><?xml version="1.0" encoding="utf-8"?>
-<ds:datastoreItem xmlns:ds="http://schemas.openxmlformats.org/officeDocument/2006/customXml" ds:itemID="{C77525A5-9444-4E49-A3A8-9EBC94C17F95}">
-  <ds:schemaRefs>
-    <ds:schemaRef ds:uri="http://schemas.microsoft.com/sharepoint/v3/contenttype/forms"/>
-  </ds:schemaRefs>
-</ds:datastoreItem>
-</file>
-
 <file path=customXml/itemProps3.xml><?xml version="1.0" encoding="utf-8"?>
 <ds:datastoreItem xmlns:ds="http://schemas.openxmlformats.org/officeDocument/2006/customXml" ds:itemID="{6F99CC6B-3FC4-4611-BB8A-0161C42924D8}">
   <ds:schemaRefs>

--- a/Design/Mario Rules.pptx
+++ b/Design/Mario Rules.pptx
@@ -9,19 +9,28 @@
     <p:sldId id="257" r:id="rId6"/>
     <p:sldId id="258" r:id="rId7"/>
     <p:sldId id="259" r:id="rId8"/>
-    <p:sldId id="272" r:id="rId9"/>
-    <p:sldId id="273" r:id="rId10"/>
-    <p:sldId id="262" r:id="rId11"/>
-    <p:sldId id="263" r:id="rId12"/>
-    <p:sldId id="260" r:id="rId13"/>
-    <p:sldId id="261" r:id="rId14"/>
-    <p:sldId id="265" r:id="rId15"/>
-    <p:sldId id="266" r:id="rId16"/>
-    <p:sldId id="267" r:id="rId17"/>
-    <p:sldId id="268" r:id="rId18"/>
-    <p:sldId id="269" r:id="rId19"/>
-    <p:sldId id="270" r:id="rId20"/>
-    <p:sldId id="271" r:id="rId21"/>
+    <p:sldId id="275" r:id="rId9"/>
+    <p:sldId id="272" r:id="rId10"/>
+    <p:sldId id="273" r:id="rId11"/>
+    <p:sldId id="262" r:id="rId12"/>
+    <p:sldId id="284" r:id="rId13"/>
+    <p:sldId id="263" r:id="rId14"/>
+    <p:sldId id="260" r:id="rId15"/>
+    <p:sldId id="261" r:id="rId16"/>
+    <p:sldId id="265" r:id="rId17"/>
+    <p:sldId id="266" r:id="rId18"/>
+    <p:sldId id="267" r:id="rId19"/>
+    <p:sldId id="268" r:id="rId20"/>
+    <p:sldId id="269" r:id="rId21"/>
+    <p:sldId id="270" r:id="rId22"/>
+    <p:sldId id="271" r:id="rId23"/>
+    <p:sldId id="274" r:id="rId24"/>
+    <p:sldId id="276" r:id="rId25"/>
+    <p:sldId id="278" r:id="rId26"/>
+    <p:sldId id="279" r:id="rId27"/>
+    <p:sldId id="280" r:id="rId28"/>
+    <p:sldId id="281" r:id="rId29"/>
+    <p:sldId id="282" r:id="rId30"/>
   </p:sldIdLst>
   <p:sldSz cx="12192000" cy="6858000"/>
   <p:notesSz cx="6858000" cy="9144000"/>
@@ -461,7 +470,7 @@
           <a:p>
             <a:fld id="{846CE7D5-CF57-46EF-B807-FDD0502418D4}" type="datetimeFigureOut">
               <a:rPr lang="en-US" smtClean="0"/>
-              <a:t>5/28/2021</a:t>
+              <a:t>6/1/2021</a:t>
             </a:fld>
             <a:endParaRPr lang="en-US"/>
           </a:p>
@@ -631,7 +640,7 @@
           <a:p>
             <a:fld id="{846CE7D5-CF57-46EF-B807-FDD0502418D4}" type="datetimeFigureOut">
               <a:rPr lang="en-US" smtClean="0"/>
-              <a:t>5/28/2021</a:t>
+              <a:t>6/1/2021</a:t>
             </a:fld>
             <a:endParaRPr lang="en-US"/>
           </a:p>
@@ -811,7 +820,7 @@
           <a:p>
             <a:fld id="{846CE7D5-CF57-46EF-B807-FDD0502418D4}" type="datetimeFigureOut">
               <a:rPr lang="en-US" smtClean="0"/>
-              <a:t>5/28/2021</a:t>
+              <a:t>6/1/2021</a:t>
             </a:fld>
             <a:endParaRPr lang="en-US"/>
           </a:p>
@@ -981,7 +990,7 @@
           <a:p>
             <a:fld id="{846CE7D5-CF57-46EF-B807-FDD0502418D4}" type="datetimeFigureOut">
               <a:rPr lang="en-US" smtClean="0"/>
-              <a:t>5/28/2021</a:t>
+              <a:t>6/1/2021</a:t>
             </a:fld>
             <a:endParaRPr lang="en-US"/>
           </a:p>
@@ -1227,7 +1236,7 @@
           <a:p>
             <a:fld id="{846CE7D5-CF57-46EF-B807-FDD0502418D4}" type="datetimeFigureOut">
               <a:rPr lang="en-US" smtClean="0"/>
-              <a:t>5/28/2021</a:t>
+              <a:t>6/1/2021</a:t>
             </a:fld>
             <a:endParaRPr lang="en-US"/>
           </a:p>
@@ -1459,7 +1468,7 @@
           <a:p>
             <a:fld id="{846CE7D5-CF57-46EF-B807-FDD0502418D4}" type="datetimeFigureOut">
               <a:rPr lang="en-US" smtClean="0"/>
-              <a:t>5/28/2021</a:t>
+              <a:t>6/1/2021</a:t>
             </a:fld>
             <a:endParaRPr lang="en-US"/>
           </a:p>
@@ -1826,7 +1835,7 @@
           <a:p>
             <a:fld id="{846CE7D5-CF57-46EF-B807-FDD0502418D4}" type="datetimeFigureOut">
               <a:rPr lang="en-US" smtClean="0"/>
-              <a:t>5/28/2021</a:t>
+              <a:t>6/1/2021</a:t>
             </a:fld>
             <a:endParaRPr lang="en-US"/>
           </a:p>
@@ -1944,7 +1953,7 @@
           <a:p>
             <a:fld id="{846CE7D5-CF57-46EF-B807-FDD0502418D4}" type="datetimeFigureOut">
               <a:rPr lang="en-US" smtClean="0"/>
-              <a:t>5/28/2021</a:t>
+              <a:t>6/1/2021</a:t>
             </a:fld>
             <a:endParaRPr lang="en-US"/>
           </a:p>
@@ -2039,7 +2048,7 @@
           <a:p>
             <a:fld id="{846CE7D5-CF57-46EF-B807-FDD0502418D4}" type="datetimeFigureOut">
               <a:rPr lang="en-US" smtClean="0"/>
-              <a:t>5/28/2021</a:t>
+              <a:t>6/1/2021</a:t>
             </a:fld>
             <a:endParaRPr lang="en-US"/>
           </a:p>
@@ -2316,7 +2325,7 @@
           <a:p>
             <a:fld id="{846CE7D5-CF57-46EF-B807-FDD0502418D4}" type="datetimeFigureOut">
               <a:rPr lang="en-US" smtClean="0"/>
-              <a:t>5/28/2021</a:t>
+              <a:t>6/1/2021</a:t>
             </a:fld>
             <a:endParaRPr lang="en-US"/>
           </a:p>
@@ -2573,7 +2582,7 @@
           <a:p>
             <a:fld id="{846CE7D5-CF57-46EF-B807-FDD0502418D4}" type="datetimeFigureOut">
               <a:rPr lang="en-US" smtClean="0"/>
-              <a:t>5/28/2021</a:t>
+              <a:t>6/1/2021</a:t>
             </a:fld>
             <a:endParaRPr lang="en-US"/>
           </a:p>
@@ -2786,7 +2795,7 @@
           <a:p>
             <a:fld id="{846CE7D5-CF57-46EF-B807-FDD0502418D4}" type="datetimeFigureOut">
               <a:rPr lang="en-US" smtClean="0"/>
-              <a:t>5/28/2021</a:t>
+              <a:t>6/1/2021</a:t>
             </a:fld>
             <a:endParaRPr lang="en-US"/>
           </a:p>
@@ -3270,7 +3279,7 @@
           <p:cNvPr id="2" name="Title 1">
             <a:extLst>
               <a:ext uri="{FF2B5EF4-FFF2-40B4-BE49-F238E27FC236}">
-                <a16:creationId xmlns:a16="http://schemas.microsoft.com/office/drawing/2014/main" id="{45CC1C2F-6FD2-4EC0-9161-74FE6A63B850}"/>
+                <a16:creationId xmlns:a16="http://schemas.microsoft.com/office/drawing/2014/main" id="{F3414B47-FD15-4DA6-BFFB-6049F3A0CD9E}"/>
               </a:ext>
             </a:extLst>
           </p:cNvPr>
@@ -3286,13 +3295,7 @@
           <a:bodyPr/>
           <a:lstStyle/>
           <a:p>
-            <a:r>
-              <a:rPr lang="en-US" dirty="0">
-                <a:cs typeface="Calibri Light"/>
-              </a:rPr>
-              <a:t>Plan </a:t>
-            </a:r>
-            <a:endParaRPr lang="en-US" dirty="0"/>
+            <a:endParaRPr lang="en-US"/>
           </a:p>
         </p:txBody>
       </p:sp>
@@ -3301,7 +3304,7 @@
           <p:cNvPr id="3" name="Content Placeholder 2">
             <a:extLst>
               <a:ext uri="{FF2B5EF4-FFF2-40B4-BE49-F238E27FC236}">
-                <a16:creationId xmlns:a16="http://schemas.microsoft.com/office/drawing/2014/main" id="{BE1D7F04-3294-4E28-A8D4-04DD85FA3276}"/>
+                <a16:creationId xmlns:a16="http://schemas.microsoft.com/office/drawing/2014/main" id="{32ED41EF-F1EC-4A0C-9878-A9DF36652C12}"/>
               </a:ext>
             </a:extLst>
           </p:cNvPr>
@@ -3314,184 +3317,145 @@
         </p:nvSpPr>
         <p:spPr/>
         <p:txBody>
-          <a:bodyPr vert="horz" lIns="91440" tIns="45720" rIns="91440" bIns="45720" rtlCol="0" anchor="t">
-            <a:normAutofit fontScale="40000" lnSpcReduction="20000"/>
-          </a:bodyPr>
-          <a:lstStyle/>
-          <a:p>
-            <a:r>
-              <a:rPr lang="en-US" dirty="0">
-                <a:solidFill>
-                  <a:srgbClr val="00B050"/>
-                </a:solidFill>
-                <a:ea typeface="+mn-lt"/>
-                <a:cs typeface="+mn-lt"/>
-              </a:rPr>
-              <a:t>Insert 3d model inside the cube (Filippo)</a:t>
-            </a:r>
-          </a:p>
-          <a:p>
-            <a:endParaRPr lang="en-US" dirty="0">
-              <a:solidFill>
-                <a:srgbClr val="00B050"/>
-              </a:solidFill>
-              <a:cs typeface="Calibri"/>
-            </a:endParaRPr>
-          </a:p>
-          <a:p>
-            <a:r>
-              <a:rPr lang="en-US" dirty="0">
-                <a:solidFill>
-                  <a:srgbClr val="00B050"/>
-                </a:solidFill>
-                <a:cs typeface="Calibri"/>
-              </a:rPr>
-              <a:t>All the big features:</a:t>
-            </a:r>
-            <a:endParaRPr lang="en-US" dirty="0">
-              <a:solidFill>
-                <a:srgbClr val="00B050"/>
-              </a:solidFill>
-            </a:endParaRPr>
-          </a:p>
-          <a:p>
-            <a:pPr lvl="1"/>
-            <a:r>
-              <a:rPr lang="en-US" dirty="0">
-                <a:solidFill>
-                  <a:srgbClr val="00B050"/>
-                </a:solidFill>
-                <a:cs typeface="Calibri"/>
-              </a:rPr>
-              <a:t>Mushroom, star, enemy</a:t>
-            </a:r>
-          </a:p>
-          <a:p>
-            <a:endParaRPr lang="en-US" sz="2400" dirty="0">
-              <a:cs typeface="Calibri"/>
-            </a:endParaRPr>
-          </a:p>
-          <a:p>
-            <a:r>
-              <a:rPr lang="en-US" dirty="0">
-                <a:cs typeface="Calibri" panose="020F0502020204030204"/>
-              </a:rPr>
-              <a:t>Complete game cycle</a:t>
-            </a:r>
-          </a:p>
-          <a:p>
-            <a:r>
-              <a:rPr lang="en-US" dirty="0">
-                <a:cs typeface="Calibri" panose="020F0502020204030204"/>
-              </a:rPr>
-              <a:t>Menu system</a:t>
-            </a:r>
-          </a:p>
-          <a:p>
-            <a:endParaRPr lang="en-US" dirty="0">
-              <a:cs typeface="Calibri" panose="020F0502020204030204"/>
-            </a:endParaRPr>
-          </a:p>
-          <a:p>
-            <a:r>
-              <a:rPr lang="en-US" dirty="0">
-                <a:cs typeface="Calibri" panose="020F0502020204030204"/>
-              </a:rPr>
-              <a:t>Level design (make it fun). </a:t>
-            </a:r>
-          </a:p>
-          <a:p>
-            <a:pPr lvl="1"/>
-            <a:r>
-              <a:rPr lang="en-US" dirty="0">
-                <a:cs typeface="Calibri" panose="020F0502020204030204"/>
-              </a:rPr>
-              <a:t>From Starting point to finish point </a:t>
-            </a:r>
-          </a:p>
-          <a:p>
-            <a:pPr marL="0" indent="0">
-              <a:buNone/>
-            </a:pPr>
-            <a:endParaRPr lang="en-US" dirty="0">
-              <a:cs typeface="Calibri" panose="020F0502020204030204"/>
-            </a:endParaRPr>
-          </a:p>
-          <a:p>
-            <a:r>
-              <a:rPr lang="en-US" dirty="0">
-                <a:cs typeface="Calibri" panose="020F0502020204030204"/>
-              </a:rPr>
-              <a:t>Change rules:</a:t>
-            </a:r>
-          </a:p>
-          <a:p>
-            <a:pPr lvl="1"/>
-            <a:r>
-              <a:rPr lang="en-US" dirty="0">
-                <a:cs typeface="Calibri" panose="020F0502020204030204"/>
-              </a:rPr>
-              <a:t>Health, damage, </a:t>
-            </a:r>
-          </a:p>
-          <a:p>
-            <a:pPr lvl="1"/>
-            <a:r>
-              <a:rPr lang="en-US" dirty="0">
-                <a:cs typeface="Calibri" panose="020F0502020204030204"/>
-              </a:rPr>
-              <a:t>Fire </a:t>
-            </a:r>
-          </a:p>
-          <a:p>
-            <a:pPr lvl="1"/>
-            <a:r>
-              <a:rPr lang="en-US" dirty="0">
-                <a:cs typeface="Calibri" panose="020F0502020204030204"/>
-              </a:rPr>
-              <a:t>Killing stuff</a:t>
-            </a:r>
-          </a:p>
-          <a:p>
-            <a:endParaRPr lang="en-US" dirty="0">
-              <a:cs typeface="Calibri" panose="020F0502020204030204"/>
-            </a:endParaRPr>
-          </a:p>
-          <a:p>
-            <a:r>
-              <a:rPr lang="en-US" dirty="0">
-                <a:cs typeface="Calibri" panose="020F0502020204030204"/>
-              </a:rPr>
-              <a:t>Animations </a:t>
-            </a:r>
-          </a:p>
-          <a:p>
-            <a:r>
-              <a:rPr lang="en-US" dirty="0">
-                <a:cs typeface="Calibri" panose="020F0502020204030204"/>
-              </a:rPr>
-              <a:t>Sound effects</a:t>
-            </a:r>
-          </a:p>
-          <a:p>
-            <a:r>
-              <a:rPr lang="en-US" dirty="0">
-                <a:cs typeface="Calibri" panose="020F0502020204030204"/>
-              </a:rPr>
-              <a:t>Visual effects </a:t>
-            </a:r>
-          </a:p>
-          <a:p>
-            <a:endParaRPr lang="en-US" dirty="0">
-              <a:cs typeface="Calibri" panose="020F0502020204030204"/>
-            </a:endParaRPr>
+          <a:bodyPr/>
+          <a:lstStyle/>
+          <a:p>
+            <a:endParaRPr lang="en-US"/>
+          </a:p>
+        </p:txBody>
+      </p:sp>
+      <p:pic>
+        <p:nvPicPr>
+          <p:cNvPr id="5" name="Picture 4">
+            <a:extLst>
+              <a:ext uri="{FF2B5EF4-FFF2-40B4-BE49-F238E27FC236}">
+                <a16:creationId xmlns:a16="http://schemas.microsoft.com/office/drawing/2014/main" id="{5EDFBC42-96DD-4172-A81E-37C84F8E6244}"/>
+              </a:ext>
+            </a:extLst>
+          </p:cNvPr>
+          <p:cNvPicPr>
+            <a:picLocks noChangeAspect="1"/>
+          </p:cNvPicPr>
+          <p:nvPr/>
+        </p:nvPicPr>
+        <p:blipFill>
+          <a:blip r:embed="rId2"/>
+          <a:stretch>
+            <a:fillRect/>
+          </a:stretch>
+        </p:blipFill>
+        <p:spPr>
+          <a:xfrm>
+            <a:off x="-5363" y="0"/>
+            <a:ext cx="12192000" cy="6858000"/>
+          </a:xfrm>
+          <a:prstGeom prst="rect">
+            <a:avLst/>
+          </a:prstGeom>
+        </p:spPr>
+      </p:pic>
+      <p:sp>
+        <p:nvSpPr>
+          <p:cNvPr id="6" name="Rectangle 5">
+            <a:extLst>
+              <a:ext uri="{FF2B5EF4-FFF2-40B4-BE49-F238E27FC236}">
+                <a16:creationId xmlns:a16="http://schemas.microsoft.com/office/drawing/2014/main" id="{E5A319B0-3F95-4F41-846A-832CD0694D3C}"/>
+              </a:ext>
+            </a:extLst>
+          </p:cNvPr>
+          <p:cNvSpPr/>
+          <p:nvPr/>
+        </p:nvSpPr>
+        <p:spPr>
+          <a:xfrm>
+            <a:off x="6890489" y="3293778"/>
+            <a:ext cx="1470996" cy="870439"/>
+          </a:xfrm>
+          <a:prstGeom prst="rect">
+            <a:avLst/>
+          </a:prstGeom>
+        </p:spPr>
+        <p:style>
+          <a:lnRef idx="2">
+            <a:schemeClr val="accent1">
+              <a:shade val="50000"/>
+            </a:schemeClr>
+          </a:lnRef>
+          <a:fillRef idx="1">
+            <a:schemeClr val="accent1"/>
+          </a:fillRef>
+          <a:effectRef idx="0">
+            <a:schemeClr val="accent1"/>
+          </a:effectRef>
+          <a:fontRef idx="minor">
+            <a:schemeClr val="lt1"/>
+          </a:fontRef>
+        </p:style>
+        <p:txBody>
+          <a:bodyPr rtlCol="0" anchor="ctr"/>
+          <a:lstStyle/>
+          <a:p>
+            <a:pPr algn="ctr"/>
+            <a:r>
+              <a:rPr lang="en-US" dirty="0"/>
+              <a:t>checkpoint</a:t>
+            </a:r>
+          </a:p>
+        </p:txBody>
+      </p:sp>
+      <p:sp>
+        <p:nvSpPr>
+          <p:cNvPr id="8" name="Rectangle 7">
+            <a:extLst>
+              <a:ext uri="{FF2B5EF4-FFF2-40B4-BE49-F238E27FC236}">
+                <a16:creationId xmlns:a16="http://schemas.microsoft.com/office/drawing/2014/main" id="{EF904892-6F23-4CA4-B774-824A9C5245B1}"/>
+              </a:ext>
+            </a:extLst>
+          </p:cNvPr>
+          <p:cNvSpPr/>
+          <p:nvPr/>
+        </p:nvSpPr>
+        <p:spPr>
+          <a:xfrm>
+            <a:off x="9674471" y="3293777"/>
+            <a:ext cx="1571140" cy="870439"/>
+          </a:xfrm>
+          <a:prstGeom prst="rect">
+            <a:avLst/>
+          </a:prstGeom>
+        </p:spPr>
+        <p:style>
+          <a:lnRef idx="2">
+            <a:schemeClr val="accent1">
+              <a:shade val="50000"/>
+            </a:schemeClr>
+          </a:lnRef>
+          <a:fillRef idx="1">
+            <a:schemeClr val="accent1"/>
+          </a:fillRef>
+          <a:effectRef idx="0">
+            <a:schemeClr val="accent1"/>
+          </a:effectRef>
+          <a:fontRef idx="minor">
+            <a:schemeClr val="lt1"/>
+          </a:fontRef>
+        </p:style>
+        <p:txBody>
+          <a:bodyPr rtlCol="0" anchor="ctr"/>
+          <a:lstStyle/>
+          <a:p>
+            <a:pPr algn="ctr"/>
+            <a:r>
+              <a:rPr lang="en-US" dirty="0"/>
+              <a:t>mushroom</a:t>
+            </a:r>
           </a:p>
         </p:txBody>
       </p:sp>
     </p:spTree>
     <p:extLst>
       <p:ext uri="{BB962C8B-B14F-4D97-AF65-F5344CB8AC3E}">
-        <p14:creationId xmlns:p14="http://schemas.microsoft.com/office/powerpoint/2010/main" val="4077860347"/>
+        <p14:creationId xmlns:p14="http://schemas.microsoft.com/office/powerpoint/2010/main" val="1174699669"/>
       </p:ext>
     </p:extLst>
   </p:cSld>
@@ -3523,7 +3487,7 @@
           <p:cNvPr id="2" name="Title 1">
             <a:extLst>
               <a:ext uri="{FF2B5EF4-FFF2-40B4-BE49-F238E27FC236}">
-                <a16:creationId xmlns:a16="http://schemas.microsoft.com/office/drawing/2014/main" id="{13A1538D-67C0-4906-B38B-D202C2A1A9E9}"/>
+                <a16:creationId xmlns:a16="http://schemas.microsoft.com/office/drawing/2014/main" id="{EE01A759-C4E4-4F6D-BA7A-693BD7ADE4F6}"/>
               </a:ext>
             </a:extLst>
           </p:cNvPr>
@@ -3534,20 +3498,18 @@
             <p:ph type="title"/>
           </p:nvPr>
         </p:nvSpPr>
-        <p:spPr>
-          <a:xfrm>
-            <a:off x="838200" y="116839"/>
-            <a:ext cx="10515600" cy="1325563"/>
-          </a:xfrm>
-        </p:spPr>
+        <p:spPr/>
         <p:txBody>
           <a:bodyPr/>
           <a:lstStyle/>
           <a:p>
             <a:r>
-              <a:rPr lang="en-US" dirty="0"/>
-              <a:t>Menu system</a:t>
-            </a:r>
+              <a:rPr lang="en-US" dirty="0">
+                <a:cs typeface="Calibri Light"/>
+              </a:rPr>
+              <a:t>How to start developing the game</a:t>
+            </a:r>
+            <a:endParaRPr lang="en-US" dirty="0"/>
           </a:p>
         </p:txBody>
       </p:sp>
@@ -3556,7 +3518,7 @@
           <p:cNvPr id="3" name="Content Placeholder 2">
             <a:extLst>
               <a:ext uri="{FF2B5EF4-FFF2-40B4-BE49-F238E27FC236}">
-                <a16:creationId xmlns:a16="http://schemas.microsoft.com/office/drawing/2014/main" id="{3497D6AE-D4B7-4D5D-A952-3EF824F172DE}"/>
+                <a16:creationId xmlns:a16="http://schemas.microsoft.com/office/drawing/2014/main" id="{8E1B27CB-58E4-4E58-989E-05EDF35E3D88}"/>
               </a:ext>
             </a:extLst>
           </p:cNvPr>
@@ -3567,136 +3529,121 @@
             <p:ph idx="1"/>
           </p:nvPr>
         </p:nvSpPr>
-        <p:spPr>
-          <a:xfrm>
-            <a:off x="9380220" y="1825625"/>
-            <a:ext cx="2529840" cy="4351338"/>
-          </a:xfrm>
-        </p:spPr>
-        <p:txBody>
-          <a:bodyPr/>
-          <a:lstStyle/>
-          <a:p>
-            <a:r>
-              <a:rPr lang="en-US" dirty="0"/>
-              <a:t>If click START GAME button:</a:t>
+        <p:spPr/>
+        <p:txBody>
+          <a:bodyPr vert="horz" lIns="91440" tIns="45720" rIns="91440" bIns="45720" rtlCol="0" anchor="t">
+            <a:normAutofit/>
+          </a:bodyPr>
+          <a:lstStyle/>
+          <a:p>
+            <a:r>
+              <a:rPr lang="en-US" dirty="0">
+                <a:cs typeface="Calibri"/>
+              </a:rPr>
+              <a:t>Make the avatar move</a:t>
             </a:r>
           </a:p>
           <a:p>
             <a:pPr lvl="1"/>
             <a:r>
-              <a:rPr lang="en-US" dirty="0"/>
-              <a:t>Close start screen</a:t>
-            </a:r>
-          </a:p>
-        </p:txBody>
-      </p:sp>
-      <p:sp>
-        <p:nvSpPr>
-          <p:cNvPr id="4" name="Rectangle: Rounded Corners 3">
-            <a:extLst>
-              <a:ext uri="{FF2B5EF4-FFF2-40B4-BE49-F238E27FC236}">
-                <a16:creationId xmlns:a16="http://schemas.microsoft.com/office/drawing/2014/main" id="{05984947-3055-443A-BAE9-147260E12A4B}"/>
-              </a:ext>
-            </a:extLst>
-          </p:cNvPr>
-          <p:cNvSpPr/>
-          <p:nvPr/>
-        </p:nvSpPr>
-        <p:spPr>
-          <a:xfrm>
-            <a:off x="586740" y="1059180"/>
-            <a:ext cx="8793480" cy="5006340"/>
-          </a:xfrm>
-          <a:prstGeom prst="roundRect">
-            <a:avLst/>
-          </a:prstGeom>
-        </p:spPr>
-        <p:style>
-          <a:lnRef idx="2">
-            <a:schemeClr val="accent1">
-              <a:shade val="50000"/>
-            </a:schemeClr>
-          </a:lnRef>
-          <a:fillRef idx="1">
-            <a:schemeClr val="accent1"/>
-          </a:fillRef>
-          <a:effectRef idx="0">
-            <a:schemeClr val="accent1"/>
-          </a:effectRef>
-          <a:fontRef idx="minor">
-            <a:schemeClr val="lt1"/>
-          </a:fontRef>
-        </p:style>
-        <p:txBody>
-          <a:bodyPr rtlCol="0" anchor="ctr"/>
-          <a:lstStyle/>
-          <a:p>
-            <a:pPr algn="ctr"/>
-            <a:r>
-              <a:rPr lang="en-US" dirty="0"/>
-              <a:t>Welcome to MARIO 2021</a:t>
-            </a:r>
-          </a:p>
-          <a:p>
-            <a:pPr algn="ctr"/>
-            <a:endParaRPr lang="en-US" dirty="0"/>
-          </a:p>
-          <a:p>
-            <a:pPr algn="ctr"/>
-            <a:endParaRPr lang="en-US" dirty="0"/>
-          </a:p>
-          <a:p>
-            <a:pPr algn="ctr"/>
-            <a:endParaRPr lang="en-US" dirty="0"/>
-          </a:p>
-        </p:txBody>
-      </p:sp>
-      <p:sp>
-        <p:nvSpPr>
-          <p:cNvPr id="5" name="Rectangle: Rounded Corners 4">
-            <a:extLst>
-              <a:ext uri="{FF2B5EF4-FFF2-40B4-BE49-F238E27FC236}">
-                <a16:creationId xmlns:a16="http://schemas.microsoft.com/office/drawing/2014/main" id="{A15271DD-1667-43B3-B03E-37EF4379222B}"/>
-              </a:ext>
-            </a:extLst>
-          </p:cNvPr>
-          <p:cNvSpPr/>
-          <p:nvPr/>
-        </p:nvSpPr>
-        <p:spPr>
-          <a:xfrm>
-            <a:off x="3432810" y="4320540"/>
-            <a:ext cx="3101340" cy="967740"/>
-          </a:xfrm>
-          <a:prstGeom prst="roundRect">
-            <a:avLst/>
-          </a:prstGeom>
-        </p:spPr>
-        <p:style>
-          <a:lnRef idx="2">
-            <a:schemeClr val="accent4">
-              <a:shade val="50000"/>
-            </a:schemeClr>
-          </a:lnRef>
-          <a:fillRef idx="1">
-            <a:schemeClr val="accent4"/>
-          </a:fillRef>
-          <a:effectRef idx="0">
-            <a:schemeClr val="accent4"/>
-          </a:effectRef>
-          <a:fontRef idx="minor">
-            <a:schemeClr val="lt1"/>
-          </a:fontRef>
-        </p:style>
-        <p:txBody>
-          <a:bodyPr rtlCol="0" anchor="ctr"/>
-          <a:lstStyle/>
-          <a:p>
-            <a:pPr algn="ctr"/>
-            <a:r>
-              <a:rPr lang="en-US" dirty="0"/>
-              <a:t>START GAME</a:t>
+              <a:rPr lang="en-US" dirty="0" err="1">
+                <a:solidFill>
+                  <a:srgbClr val="00B050"/>
+                </a:solidFill>
+                <a:ea typeface="+mn-lt"/>
+                <a:cs typeface="+mn-lt"/>
+              </a:rPr>
+              <a:t>OnKey</a:t>
+            </a:r>
+            <a:r>
+              <a:rPr lang="en-US" dirty="0">
+                <a:solidFill>
+                  <a:srgbClr val="00B050"/>
+                </a:solidFill>
+                <a:ea typeface="+mn-lt"/>
+                <a:cs typeface="+mn-lt"/>
+              </a:rPr>
+              <a:t> </a:t>
+            </a:r>
+            <a:r>
+              <a:rPr lang="en-US" dirty="0">
+                <a:solidFill>
+                  <a:srgbClr val="00B050"/>
+                </a:solidFill>
+                <a:cs typeface="Calibri"/>
+              </a:rPr>
+              <a:t>RIGHT , go right</a:t>
+            </a:r>
+          </a:p>
+          <a:p>
+            <a:pPr lvl="1"/>
+            <a:r>
+              <a:rPr lang="en-US" dirty="0" err="1">
+                <a:solidFill>
+                  <a:srgbClr val="00B050"/>
+                </a:solidFill>
+                <a:cs typeface="Calibri"/>
+              </a:rPr>
+              <a:t>OnKey</a:t>
+            </a:r>
+            <a:r>
+              <a:rPr lang="en-US" dirty="0">
+                <a:solidFill>
+                  <a:srgbClr val="00B050"/>
+                </a:solidFill>
+                <a:cs typeface="Calibri"/>
+              </a:rPr>
+              <a:t> LEFT, …</a:t>
+            </a:r>
+          </a:p>
+          <a:p>
+            <a:pPr lvl="1"/>
+            <a:r>
+              <a:rPr lang="en-US" dirty="0" err="1">
+                <a:solidFill>
+                  <a:srgbClr val="00B050"/>
+                </a:solidFill>
+                <a:ea typeface="+mn-lt"/>
+                <a:cs typeface="+mn-lt"/>
+              </a:rPr>
+              <a:t>OnKeyDown</a:t>
+            </a:r>
+            <a:r>
+              <a:rPr lang="en-US" dirty="0">
+                <a:solidFill>
+                  <a:srgbClr val="00B050"/>
+                </a:solidFill>
+                <a:ea typeface="+mn-lt"/>
+                <a:cs typeface="+mn-lt"/>
+              </a:rPr>
+              <a:t> </a:t>
+            </a:r>
+            <a:r>
+              <a:rPr lang="en-US" dirty="0">
+                <a:solidFill>
+                  <a:srgbClr val="00B050"/>
+                </a:solidFill>
+                <a:cs typeface="Calibri"/>
+              </a:rPr>
+              <a:t>Press UP, jump (physics or </a:t>
+            </a:r>
+            <a:r>
+              <a:rPr lang="en-US" dirty="0">
+                <a:solidFill>
+                  <a:srgbClr val="FF0000"/>
+                </a:solidFill>
+                <a:cs typeface="Calibri"/>
+              </a:rPr>
+              <a:t>animation..</a:t>
+            </a:r>
+            <a:r>
+              <a:rPr lang="en-US" dirty="0">
+                <a:solidFill>
+                  <a:srgbClr val="00B050"/>
+                </a:solidFill>
+                <a:cs typeface="Calibri"/>
+              </a:rPr>
+              <a:t>.). </a:t>
             </a:r>
           </a:p>
         </p:txBody>
@@ -3704,7 +3651,7 @@
     </p:spTree>
     <p:extLst>
       <p:ext uri="{BB962C8B-B14F-4D97-AF65-F5344CB8AC3E}">
-        <p14:creationId xmlns:p14="http://schemas.microsoft.com/office/powerpoint/2010/main" val="368310475"/>
+        <p14:creationId xmlns:p14="http://schemas.microsoft.com/office/powerpoint/2010/main" val="2050108797"/>
       </p:ext>
     </p:extLst>
   </p:cSld>
@@ -3736,7 +3683,7 @@
           <p:cNvPr id="2" name="Title 1">
             <a:extLst>
               <a:ext uri="{FF2B5EF4-FFF2-40B4-BE49-F238E27FC236}">
-                <a16:creationId xmlns:a16="http://schemas.microsoft.com/office/drawing/2014/main" id="{E65736D8-E0BC-49F2-9B64-C240E1FA57AA}"/>
+                <a16:creationId xmlns:a16="http://schemas.microsoft.com/office/drawing/2014/main" id="{45CC1C2F-6FD2-4EC0-9161-74FE6A63B850}"/>
               </a:ext>
             </a:extLst>
           </p:cNvPr>
@@ -3752,7 +3699,13 @@
           <a:bodyPr/>
           <a:lstStyle/>
           <a:p>
-            <a:endParaRPr lang="en-US"/>
+            <a:r>
+              <a:rPr lang="en-US" dirty="0">
+                <a:cs typeface="Calibri Light"/>
+              </a:rPr>
+              <a:t>Plan </a:t>
+            </a:r>
+            <a:endParaRPr lang="en-US" dirty="0"/>
           </a:p>
         </p:txBody>
       </p:sp>
@@ -3761,7 +3714,7 @@
           <p:cNvPr id="3" name="Content Placeholder 2">
             <a:extLst>
               <a:ext uri="{FF2B5EF4-FFF2-40B4-BE49-F238E27FC236}">
-                <a16:creationId xmlns:a16="http://schemas.microsoft.com/office/drawing/2014/main" id="{14B6FC5C-40D2-4ED6-9532-46DBF62A8E1F}"/>
+                <a16:creationId xmlns:a16="http://schemas.microsoft.com/office/drawing/2014/main" id="{BE1D7F04-3294-4E28-A8D4-04DD85FA3276}"/>
               </a:ext>
             </a:extLst>
           </p:cNvPr>
@@ -3774,66 +3727,184 @@
         </p:nvSpPr>
         <p:spPr/>
         <p:txBody>
-          <a:bodyPr/>
-          <a:lstStyle/>
-          <a:p>
-            <a:endParaRPr lang="en-US"/>
-          </a:p>
-        </p:txBody>
-      </p:sp>
-      <p:sp>
-        <p:nvSpPr>
-          <p:cNvPr id="4" name="Rectangle: Rounded Corners 3">
-            <a:extLst>
-              <a:ext uri="{FF2B5EF4-FFF2-40B4-BE49-F238E27FC236}">
-                <a16:creationId xmlns:a16="http://schemas.microsoft.com/office/drawing/2014/main" id="{6581FE13-5EE0-4A7F-BF00-C7B25525C292}"/>
-              </a:ext>
-            </a:extLst>
-          </p:cNvPr>
-          <p:cNvSpPr/>
-          <p:nvPr/>
-        </p:nvSpPr>
-        <p:spPr>
-          <a:xfrm>
-            <a:off x="586740" y="1059180"/>
-            <a:ext cx="8793480" cy="5006340"/>
-          </a:xfrm>
-          <a:prstGeom prst="roundRect">
-            <a:avLst/>
-          </a:prstGeom>
-        </p:spPr>
-        <p:style>
-          <a:lnRef idx="2">
-            <a:schemeClr val="accent1">
-              <a:shade val="50000"/>
-            </a:schemeClr>
-          </a:lnRef>
-          <a:fillRef idx="1">
-            <a:schemeClr val="accent1"/>
-          </a:fillRef>
-          <a:effectRef idx="0">
-            <a:schemeClr val="accent1"/>
-          </a:effectRef>
-          <a:fontRef idx="minor">
-            <a:schemeClr val="lt1"/>
-          </a:fontRef>
-        </p:style>
-        <p:txBody>
-          <a:bodyPr rtlCol="0" anchor="ctr"/>
-          <a:lstStyle/>
-          <a:p>
-            <a:pPr algn="ctr"/>
-            <a:r>
-              <a:rPr lang="en-US" dirty="0"/>
-              <a:t>The actual game……</a:t>
-            </a:r>
+          <a:bodyPr vert="horz" lIns="91440" tIns="45720" rIns="91440" bIns="45720" rtlCol="0" anchor="t">
+            <a:normAutofit fontScale="40000" lnSpcReduction="20000"/>
+          </a:bodyPr>
+          <a:lstStyle/>
+          <a:p>
+            <a:r>
+              <a:rPr lang="en-US" dirty="0">
+                <a:solidFill>
+                  <a:srgbClr val="00B050"/>
+                </a:solidFill>
+                <a:ea typeface="+mn-lt"/>
+                <a:cs typeface="+mn-lt"/>
+              </a:rPr>
+              <a:t>Insert 3d model inside the cube (Filippo)</a:t>
+            </a:r>
+          </a:p>
+          <a:p>
+            <a:endParaRPr lang="en-US" dirty="0">
+              <a:solidFill>
+                <a:srgbClr val="00B050"/>
+              </a:solidFill>
+              <a:cs typeface="Calibri"/>
+            </a:endParaRPr>
+          </a:p>
+          <a:p>
+            <a:r>
+              <a:rPr lang="en-US" dirty="0">
+                <a:solidFill>
+                  <a:srgbClr val="00B050"/>
+                </a:solidFill>
+                <a:cs typeface="Calibri"/>
+              </a:rPr>
+              <a:t>All the big features:</a:t>
+            </a:r>
+            <a:endParaRPr lang="en-US" dirty="0">
+              <a:solidFill>
+                <a:srgbClr val="00B050"/>
+              </a:solidFill>
+            </a:endParaRPr>
+          </a:p>
+          <a:p>
+            <a:pPr lvl="1"/>
+            <a:r>
+              <a:rPr lang="en-US" dirty="0">
+                <a:solidFill>
+                  <a:srgbClr val="00B050"/>
+                </a:solidFill>
+                <a:cs typeface="Calibri"/>
+              </a:rPr>
+              <a:t>Mushroom, star, enemy</a:t>
+            </a:r>
+          </a:p>
+          <a:p>
+            <a:endParaRPr lang="en-US" sz="2400" dirty="0">
+              <a:cs typeface="Calibri"/>
+            </a:endParaRPr>
+          </a:p>
+          <a:p>
+            <a:r>
+              <a:rPr lang="en-US" dirty="0">
+                <a:cs typeface="Calibri" panose="020F0502020204030204"/>
+              </a:rPr>
+              <a:t>Complete game cycle</a:t>
+            </a:r>
+          </a:p>
+          <a:p>
+            <a:r>
+              <a:rPr lang="en-US" dirty="0">
+                <a:cs typeface="Calibri" panose="020F0502020204030204"/>
+              </a:rPr>
+              <a:t>Menu system</a:t>
+            </a:r>
+          </a:p>
+          <a:p>
+            <a:endParaRPr lang="en-US" dirty="0">
+              <a:cs typeface="Calibri" panose="020F0502020204030204"/>
+            </a:endParaRPr>
+          </a:p>
+          <a:p>
+            <a:r>
+              <a:rPr lang="en-US" dirty="0">
+                <a:cs typeface="Calibri" panose="020F0502020204030204"/>
+              </a:rPr>
+              <a:t>Level design (make it fun). </a:t>
+            </a:r>
+          </a:p>
+          <a:p>
+            <a:pPr lvl="1"/>
+            <a:r>
+              <a:rPr lang="en-US" dirty="0">
+                <a:cs typeface="Calibri" panose="020F0502020204030204"/>
+              </a:rPr>
+              <a:t>From Starting point to finish point </a:t>
+            </a:r>
+          </a:p>
+          <a:p>
+            <a:pPr marL="0" indent="0">
+              <a:buNone/>
+            </a:pPr>
+            <a:endParaRPr lang="en-US" dirty="0">
+              <a:cs typeface="Calibri" panose="020F0502020204030204"/>
+            </a:endParaRPr>
+          </a:p>
+          <a:p>
+            <a:r>
+              <a:rPr lang="en-US" dirty="0">
+                <a:cs typeface="Calibri" panose="020F0502020204030204"/>
+              </a:rPr>
+              <a:t>Change rules:</a:t>
+            </a:r>
+          </a:p>
+          <a:p>
+            <a:pPr lvl="1"/>
+            <a:r>
+              <a:rPr lang="en-US" dirty="0">
+                <a:cs typeface="Calibri" panose="020F0502020204030204"/>
+              </a:rPr>
+              <a:t>Health, damage, </a:t>
+            </a:r>
+          </a:p>
+          <a:p>
+            <a:pPr lvl="1"/>
+            <a:r>
+              <a:rPr lang="en-US" dirty="0">
+                <a:cs typeface="Calibri" panose="020F0502020204030204"/>
+              </a:rPr>
+              <a:t>Fire </a:t>
+            </a:r>
+          </a:p>
+          <a:p>
+            <a:pPr lvl="1"/>
+            <a:r>
+              <a:rPr lang="en-US" dirty="0">
+                <a:cs typeface="Calibri" panose="020F0502020204030204"/>
+              </a:rPr>
+              <a:t>Killing stuff</a:t>
+            </a:r>
+          </a:p>
+          <a:p>
+            <a:endParaRPr lang="en-US" dirty="0">
+              <a:cs typeface="Calibri" panose="020F0502020204030204"/>
+            </a:endParaRPr>
+          </a:p>
+          <a:p>
+            <a:r>
+              <a:rPr lang="en-US" dirty="0">
+                <a:cs typeface="Calibri" panose="020F0502020204030204"/>
+              </a:rPr>
+              <a:t>Animations </a:t>
+            </a:r>
+          </a:p>
+          <a:p>
+            <a:r>
+              <a:rPr lang="en-US" dirty="0">
+                <a:cs typeface="Calibri" panose="020F0502020204030204"/>
+              </a:rPr>
+              <a:t>Sound effects</a:t>
+            </a:r>
+          </a:p>
+          <a:p>
+            <a:r>
+              <a:rPr lang="en-US" dirty="0">
+                <a:cs typeface="Calibri" panose="020F0502020204030204"/>
+              </a:rPr>
+              <a:t>Visual effects </a:t>
+            </a:r>
+          </a:p>
+          <a:p>
+            <a:endParaRPr lang="en-US" dirty="0">
+              <a:cs typeface="Calibri" panose="020F0502020204030204"/>
+            </a:endParaRPr>
           </a:p>
         </p:txBody>
       </p:sp>
     </p:spTree>
     <p:extLst>
       <p:ext uri="{BB962C8B-B14F-4D97-AF65-F5344CB8AC3E}">
-        <p14:creationId xmlns:p14="http://schemas.microsoft.com/office/powerpoint/2010/main" val="953294602"/>
+        <p14:creationId xmlns:p14="http://schemas.microsoft.com/office/powerpoint/2010/main" val="4077860347"/>
       </p:ext>
     </p:extLst>
   </p:cSld>
@@ -3876,12 +3947,20 @@
             <p:ph type="title"/>
           </p:nvPr>
         </p:nvSpPr>
-        <p:spPr/>
+        <p:spPr>
+          <a:xfrm>
+            <a:off x="838200" y="116839"/>
+            <a:ext cx="10515600" cy="1325563"/>
+          </a:xfrm>
+        </p:spPr>
         <p:txBody>
           <a:bodyPr/>
           <a:lstStyle/>
           <a:p>
-            <a:endParaRPr lang="en-US"/>
+            <a:r>
+              <a:rPr lang="en-US" dirty="0"/>
+              <a:t>Menu system</a:t>
+            </a:r>
           </a:p>
         </p:txBody>
       </p:sp>
@@ -3904,7 +3983,7 @@
         <p:spPr>
           <a:xfrm>
             <a:off x="9380220" y="1825625"/>
-            <a:ext cx="2811780" cy="4351338"/>
+            <a:ext cx="2529840" cy="4351338"/>
           </a:xfrm>
         </p:spPr>
         <p:txBody>
@@ -3913,26 +3992,15 @@
           <a:p>
             <a:r>
               <a:rPr lang="en-US" dirty="0"/>
-              <a:t>If click RESTART button</a:t>
+              <a:t>If click START GAME button:</a:t>
             </a:r>
           </a:p>
           <a:p>
             <a:pPr lvl="1"/>
             <a:r>
               <a:rPr lang="en-US" dirty="0"/>
-              <a:t>Remove restart screen</a:t>
-            </a:r>
-          </a:p>
-          <a:p>
-            <a:pPr lvl="1"/>
-            <a:r>
-              <a:rPr lang="en-US" dirty="0"/>
-              <a:t>Restart level()</a:t>
-            </a:r>
-          </a:p>
-          <a:p>
-            <a:pPr lvl="1"/>
-            <a:endParaRPr lang="en-US" dirty="0"/>
+              <a:t>Close start screen</a:t>
+            </a:r>
           </a:p>
         </p:txBody>
       </p:sp>
@@ -3979,20 +4047,13 @@
           <a:p>
             <a:pPr algn="ctr"/>
             <a:r>
-              <a:rPr lang="en-US" dirty="0" err="1"/>
-              <a:t>Ohhhhh</a:t>
-            </a:r>
-            <a:r>
               <a:rPr lang="en-US" dirty="0"/>
-              <a:t>, too bad…</a:t>
+              <a:t>Welcome to MARIO 2021</a:t>
             </a:r>
           </a:p>
           <a:p>
             <a:pPr algn="ctr"/>
-            <a:r>
-              <a:rPr lang="en-US" dirty="0"/>
-              <a:t>game over</a:t>
-            </a:r>
+            <a:endParaRPr lang="en-US" dirty="0"/>
           </a:p>
           <a:p>
             <a:pPr algn="ctr"/>
@@ -4048,6 +4109,358 @@
             <a:pPr algn="ctr"/>
             <a:r>
               <a:rPr lang="en-US" dirty="0"/>
+              <a:t>START GAME</a:t>
+            </a:r>
+          </a:p>
+        </p:txBody>
+      </p:sp>
+    </p:spTree>
+    <p:extLst>
+      <p:ext uri="{BB962C8B-B14F-4D97-AF65-F5344CB8AC3E}">
+        <p14:creationId xmlns:p14="http://schemas.microsoft.com/office/powerpoint/2010/main" val="368310475"/>
+      </p:ext>
+    </p:extLst>
+  </p:cSld>
+  <p:clrMapOvr>
+    <a:masterClrMapping/>
+  </p:clrMapOvr>
+</p:sld>
+</file>
+
+<file path=ppt/slides/slide14.xml><?xml version="1.0" encoding="utf-8"?>
+<p:sld xmlns:a="http://schemas.openxmlformats.org/drawingml/2006/main" xmlns:r="http://schemas.openxmlformats.org/officeDocument/2006/relationships" xmlns:p="http://schemas.openxmlformats.org/presentationml/2006/main">
+  <p:cSld>
+    <p:spTree>
+      <p:nvGrpSpPr>
+        <p:cNvPr id="1" name=""/>
+        <p:cNvGrpSpPr/>
+        <p:nvPr/>
+      </p:nvGrpSpPr>
+      <p:grpSpPr>
+        <a:xfrm>
+          <a:off x="0" y="0"/>
+          <a:ext cx="0" cy="0"/>
+          <a:chOff x="0" y="0"/>
+          <a:chExt cx="0" cy="0"/>
+        </a:xfrm>
+      </p:grpSpPr>
+      <p:sp>
+        <p:nvSpPr>
+          <p:cNvPr id="2" name="Title 1">
+            <a:extLst>
+              <a:ext uri="{FF2B5EF4-FFF2-40B4-BE49-F238E27FC236}">
+                <a16:creationId xmlns:a16="http://schemas.microsoft.com/office/drawing/2014/main" id="{E65736D8-E0BC-49F2-9B64-C240E1FA57AA}"/>
+              </a:ext>
+            </a:extLst>
+          </p:cNvPr>
+          <p:cNvSpPr>
+            <a:spLocks noGrp="1"/>
+          </p:cNvSpPr>
+          <p:nvPr>
+            <p:ph type="title"/>
+          </p:nvPr>
+        </p:nvSpPr>
+        <p:spPr/>
+        <p:txBody>
+          <a:bodyPr/>
+          <a:lstStyle/>
+          <a:p>
+            <a:endParaRPr lang="en-US"/>
+          </a:p>
+        </p:txBody>
+      </p:sp>
+      <p:sp>
+        <p:nvSpPr>
+          <p:cNvPr id="3" name="Content Placeholder 2">
+            <a:extLst>
+              <a:ext uri="{FF2B5EF4-FFF2-40B4-BE49-F238E27FC236}">
+                <a16:creationId xmlns:a16="http://schemas.microsoft.com/office/drawing/2014/main" id="{14B6FC5C-40D2-4ED6-9532-46DBF62A8E1F}"/>
+              </a:ext>
+            </a:extLst>
+          </p:cNvPr>
+          <p:cNvSpPr>
+            <a:spLocks noGrp="1"/>
+          </p:cNvSpPr>
+          <p:nvPr>
+            <p:ph idx="1"/>
+          </p:nvPr>
+        </p:nvSpPr>
+        <p:spPr/>
+        <p:txBody>
+          <a:bodyPr/>
+          <a:lstStyle/>
+          <a:p>
+            <a:endParaRPr lang="en-US"/>
+          </a:p>
+        </p:txBody>
+      </p:sp>
+      <p:sp>
+        <p:nvSpPr>
+          <p:cNvPr id="4" name="Rectangle: Rounded Corners 3">
+            <a:extLst>
+              <a:ext uri="{FF2B5EF4-FFF2-40B4-BE49-F238E27FC236}">
+                <a16:creationId xmlns:a16="http://schemas.microsoft.com/office/drawing/2014/main" id="{6581FE13-5EE0-4A7F-BF00-C7B25525C292}"/>
+              </a:ext>
+            </a:extLst>
+          </p:cNvPr>
+          <p:cNvSpPr/>
+          <p:nvPr/>
+        </p:nvSpPr>
+        <p:spPr>
+          <a:xfrm>
+            <a:off x="586740" y="1059180"/>
+            <a:ext cx="8793480" cy="5006340"/>
+          </a:xfrm>
+          <a:prstGeom prst="roundRect">
+            <a:avLst/>
+          </a:prstGeom>
+        </p:spPr>
+        <p:style>
+          <a:lnRef idx="2">
+            <a:schemeClr val="accent1">
+              <a:shade val="50000"/>
+            </a:schemeClr>
+          </a:lnRef>
+          <a:fillRef idx="1">
+            <a:schemeClr val="accent1"/>
+          </a:fillRef>
+          <a:effectRef idx="0">
+            <a:schemeClr val="accent1"/>
+          </a:effectRef>
+          <a:fontRef idx="minor">
+            <a:schemeClr val="lt1"/>
+          </a:fontRef>
+        </p:style>
+        <p:txBody>
+          <a:bodyPr rtlCol="0" anchor="ctr"/>
+          <a:lstStyle/>
+          <a:p>
+            <a:pPr algn="ctr"/>
+            <a:r>
+              <a:rPr lang="en-US" dirty="0"/>
+              <a:t>The actual game……</a:t>
+            </a:r>
+          </a:p>
+        </p:txBody>
+      </p:sp>
+    </p:spTree>
+    <p:extLst>
+      <p:ext uri="{BB962C8B-B14F-4D97-AF65-F5344CB8AC3E}">
+        <p14:creationId xmlns:p14="http://schemas.microsoft.com/office/powerpoint/2010/main" val="953294602"/>
+      </p:ext>
+    </p:extLst>
+  </p:cSld>
+  <p:clrMapOvr>
+    <a:masterClrMapping/>
+  </p:clrMapOvr>
+</p:sld>
+</file>
+
+<file path=ppt/slides/slide15.xml><?xml version="1.0" encoding="utf-8"?>
+<p:sld xmlns:a="http://schemas.openxmlformats.org/drawingml/2006/main" xmlns:r="http://schemas.openxmlformats.org/officeDocument/2006/relationships" xmlns:p="http://schemas.openxmlformats.org/presentationml/2006/main">
+  <p:cSld>
+    <p:spTree>
+      <p:nvGrpSpPr>
+        <p:cNvPr id="1" name=""/>
+        <p:cNvGrpSpPr/>
+        <p:nvPr/>
+      </p:nvGrpSpPr>
+      <p:grpSpPr>
+        <a:xfrm>
+          <a:off x="0" y="0"/>
+          <a:ext cx="0" cy="0"/>
+          <a:chOff x="0" y="0"/>
+          <a:chExt cx="0" cy="0"/>
+        </a:xfrm>
+      </p:grpSpPr>
+      <p:sp>
+        <p:nvSpPr>
+          <p:cNvPr id="2" name="Title 1">
+            <a:extLst>
+              <a:ext uri="{FF2B5EF4-FFF2-40B4-BE49-F238E27FC236}">
+                <a16:creationId xmlns:a16="http://schemas.microsoft.com/office/drawing/2014/main" id="{13A1538D-67C0-4906-B38B-D202C2A1A9E9}"/>
+              </a:ext>
+            </a:extLst>
+          </p:cNvPr>
+          <p:cNvSpPr>
+            <a:spLocks noGrp="1"/>
+          </p:cNvSpPr>
+          <p:nvPr>
+            <p:ph type="title"/>
+          </p:nvPr>
+        </p:nvSpPr>
+        <p:spPr/>
+        <p:txBody>
+          <a:bodyPr/>
+          <a:lstStyle/>
+          <a:p>
+            <a:endParaRPr lang="en-US"/>
+          </a:p>
+        </p:txBody>
+      </p:sp>
+      <p:sp>
+        <p:nvSpPr>
+          <p:cNvPr id="3" name="Content Placeholder 2">
+            <a:extLst>
+              <a:ext uri="{FF2B5EF4-FFF2-40B4-BE49-F238E27FC236}">
+                <a16:creationId xmlns:a16="http://schemas.microsoft.com/office/drawing/2014/main" id="{3497D6AE-D4B7-4D5D-A952-3EF824F172DE}"/>
+              </a:ext>
+            </a:extLst>
+          </p:cNvPr>
+          <p:cNvSpPr>
+            <a:spLocks noGrp="1"/>
+          </p:cNvSpPr>
+          <p:nvPr>
+            <p:ph idx="1"/>
+          </p:nvPr>
+        </p:nvSpPr>
+        <p:spPr>
+          <a:xfrm>
+            <a:off x="9380220" y="1825625"/>
+            <a:ext cx="2811780" cy="4351338"/>
+          </a:xfrm>
+        </p:spPr>
+        <p:txBody>
+          <a:bodyPr/>
+          <a:lstStyle/>
+          <a:p>
+            <a:r>
+              <a:rPr lang="en-US" dirty="0"/>
+              <a:t>If click RESTART button</a:t>
+            </a:r>
+          </a:p>
+          <a:p>
+            <a:pPr lvl="1"/>
+            <a:r>
+              <a:rPr lang="en-US" dirty="0"/>
+              <a:t>Remove restart screen</a:t>
+            </a:r>
+          </a:p>
+          <a:p>
+            <a:pPr lvl="1"/>
+            <a:r>
+              <a:rPr lang="en-US" dirty="0"/>
+              <a:t>Restart level()</a:t>
+            </a:r>
+          </a:p>
+          <a:p>
+            <a:pPr lvl="1"/>
+            <a:endParaRPr lang="en-US" dirty="0"/>
+          </a:p>
+        </p:txBody>
+      </p:sp>
+      <p:sp>
+        <p:nvSpPr>
+          <p:cNvPr id="4" name="Rectangle: Rounded Corners 3">
+            <a:extLst>
+              <a:ext uri="{FF2B5EF4-FFF2-40B4-BE49-F238E27FC236}">
+                <a16:creationId xmlns:a16="http://schemas.microsoft.com/office/drawing/2014/main" id="{05984947-3055-443A-BAE9-147260E12A4B}"/>
+              </a:ext>
+            </a:extLst>
+          </p:cNvPr>
+          <p:cNvSpPr/>
+          <p:nvPr/>
+        </p:nvSpPr>
+        <p:spPr>
+          <a:xfrm>
+            <a:off x="586740" y="1059180"/>
+            <a:ext cx="8793480" cy="5006340"/>
+          </a:xfrm>
+          <a:prstGeom prst="roundRect">
+            <a:avLst/>
+          </a:prstGeom>
+        </p:spPr>
+        <p:style>
+          <a:lnRef idx="2">
+            <a:schemeClr val="accent1">
+              <a:shade val="50000"/>
+            </a:schemeClr>
+          </a:lnRef>
+          <a:fillRef idx="1">
+            <a:schemeClr val="accent1"/>
+          </a:fillRef>
+          <a:effectRef idx="0">
+            <a:schemeClr val="accent1"/>
+          </a:effectRef>
+          <a:fontRef idx="minor">
+            <a:schemeClr val="lt1"/>
+          </a:fontRef>
+        </p:style>
+        <p:txBody>
+          <a:bodyPr rtlCol="0" anchor="ctr"/>
+          <a:lstStyle/>
+          <a:p>
+            <a:pPr algn="ctr"/>
+            <a:r>
+              <a:rPr lang="en-US" dirty="0" err="1"/>
+              <a:t>Ohhhhh</a:t>
+            </a:r>
+            <a:r>
+              <a:rPr lang="en-US" dirty="0"/>
+              <a:t>, too bad…</a:t>
+            </a:r>
+          </a:p>
+          <a:p>
+            <a:pPr algn="ctr"/>
+            <a:r>
+              <a:rPr lang="en-US" dirty="0"/>
+              <a:t>game over</a:t>
+            </a:r>
+          </a:p>
+          <a:p>
+            <a:pPr algn="ctr"/>
+            <a:endParaRPr lang="en-US" dirty="0"/>
+          </a:p>
+          <a:p>
+            <a:pPr algn="ctr"/>
+            <a:endParaRPr lang="en-US" dirty="0"/>
+          </a:p>
+        </p:txBody>
+      </p:sp>
+      <p:sp>
+        <p:nvSpPr>
+          <p:cNvPr id="5" name="Rectangle: Rounded Corners 4">
+            <a:extLst>
+              <a:ext uri="{FF2B5EF4-FFF2-40B4-BE49-F238E27FC236}">
+                <a16:creationId xmlns:a16="http://schemas.microsoft.com/office/drawing/2014/main" id="{A15271DD-1667-43B3-B03E-37EF4379222B}"/>
+              </a:ext>
+            </a:extLst>
+          </p:cNvPr>
+          <p:cNvSpPr/>
+          <p:nvPr/>
+        </p:nvSpPr>
+        <p:spPr>
+          <a:xfrm>
+            <a:off x="3432810" y="4320540"/>
+            <a:ext cx="3101340" cy="967740"/>
+          </a:xfrm>
+          <a:prstGeom prst="roundRect">
+            <a:avLst/>
+          </a:prstGeom>
+        </p:spPr>
+        <p:style>
+          <a:lnRef idx="2">
+            <a:schemeClr val="accent4">
+              <a:shade val="50000"/>
+            </a:schemeClr>
+          </a:lnRef>
+          <a:fillRef idx="1">
+            <a:schemeClr val="accent4"/>
+          </a:fillRef>
+          <a:effectRef idx="0">
+            <a:schemeClr val="accent4"/>
+          </a:effectRef>
+          <a:fontRef idx="minor">
+            <a:schemeClr val="lt1"/>
+          </a:fontRef>
+        </p:style>
+        <p:txBody>
+          <a:bodyPr rtlCol="0" anchor="ctr"/>
+          <a:lstStyle/>
+          <a:p>
+            <a:pPr algn="ctr"/>
+            <a:r>
+              <a:rPr lang="en-US" dirty="0"/>
               <a:t>RETRY</a:t>
             </a:r>
           </a:p>
@@ -4066,7 +4479,7 @@
 </p:sld>
 </file>
 
-<file path=ppt/slides/slide14.xml><?xml version="1.0" encoding="utf-8"?>
+<file path=ppt/slides/slide16.xml><?xml version="1.0" encoding="utf-8"?>
 <p:sld xmlns:a="http://schemas.openxmlformats.org/drawingml/2006/main" xmlns:r="http://schemas.openxmlformats.org/officeDocument/2006/relationships" xmlns:p="http://schemas.openxmlformats.org/presentationml/2006/main">
   <p:cSld>
     <p:spTree>
@@ -4368,7 +4781,7 @@
 </p:sld>
 </file>
 
-<file path=ppt/slides/slide15.xml><?xml version="1.0" encoding="utf-8"?>
+<file path=ppt/slides/slide17.xml><?xml version="1.0" encoding="utf-8"?>
 <p:sld xmlns:a="http://schemas.openxmlformats.org/drawingml/2006/main" xmlns:r="http://schemas.openxmlformats.org/officeDocument/2006/relationships" xmlns:p="http://schemas.openxmlformats.org/presentationml/2006/main">
   <p:cSld>
     <p:spTree>
@@ -4478,7 +4891,7 @@
 </p:sld>
 </file>
 
-<file path=ppt/slides/slide16.xml><?xml version="1.0" encoding="utf-8"?>
+<file path=ppt/slides/slide18.xml><?xml version="1.0" encoding="utf-8"?>
 <p:sld xmlns:a="http://schemas.openxmlformats.org/drawingml/2006/main" xmlns:r="http://schemas.openxmlformats.org/officeDocument/2006/relationships" xmlns:p="http://schemas.openxmlformats.org/presentationml/2006/main">
   <p:cSld>
     <p:spTree>
@@ -4899,7 +5312,7 @@
 </p:sld>
 </file>
 
-<file path=ppt/slides/slide17.xml><?xml version="1.0" encoding="utf-8"?>
+<file path=ppt/slides/slide19.xml><?xml version="1.0" encoding="utf-8"?>
 <p:sld xmlns:a="http://schemas.openxmlformats.org/drawingml/2006/main" xmlns:r="http://schemas.openxmlformats.org/officeDocument/2006/relationships" xmlns:p="http://schemas.openxmlformats.org/presentationml/2006/main">
   <p:cSld>
     <p:spTree>
@@ -5327,6 +5740,994 @@
 </p:sld>
 </file>
 
+<file path=ppt/slides/slide20.xml><?xml version="1.0" encoding="utf-8"?>
+<p:sld xmlns:a="http://schemas.openxmlformats.org/drawingml/2006/main" xmlns:r="http://schemas.openxmlformats.org/officeDocument/2006/relationships" xmlns:p="http://schemas.openxmlformats.org/presentationml/2006/main">
+  <p:cSld>
+    <p:spTree>
+      <p:nvGrpSpPr>
+        <p:cNvPr id="1" name=""/>
+        <p:cNvGrpSpPr/>
+        <p:nvPr/>
+      </p:nvGrpSpPr>
+      <p:grpSpPr>
+        <a:xfrm>
+          <a:off x="0" y="0"/>
+          <a:ext cx="0" cy="0"/>
+          <a:chOff x="0" y="0"/>
+          <a:chExt cx="0" cy="0"/>
+        </a:xfrm>
+      </p:grpSpPr>
+      <p:sp>
+        <p:nvSpPr>
+          <p:cNvPr id="2" name="Title 1">
+            <a:extLst>
+              <a:ext uri="{FF2B5EF4-FFF2-40B4-BE49-F238E27FC236}">
+                <a16:creationId xmlns:a16="http://schemas.microsoft.com/office/drawing/2014/main" id="{2B051E5F-A385-4E7F-9519-A2838F30A818}"/>
+              </a:ext>
+            </a:extLst>
+          </p:cNvPr>
+          <p:cNvSpPr>
+            <a:spLocks noGrp="1"/>
+          </p:cNvSpPr>
+          <p:nvPr>
+            <p:ph type="title"/>
+          </p:nvPr>
+        </p:nvSpPr>
+        <p:spPr/>
+        <p:txBody>
+          <a:bodyPr/>
+          <a:lstStyle/>
+          <a:p>
+            <a:r>
+              <a:rPr lang="en-US" dirty="0"/>
+              <a:t>Feature suggested from Stefano </a:t>
+            </a:r>
+          </a:p>
+        </p:txBody>
+      </p:sp>
+      <p:sp>
+        <p:nvSpPr>
+          <p:cNvPr id="3" name="Content Placeholder 2">
+            <a:extLst>
+              <a:ext uri="{FF2B5EF4-FFF2-40B4-BE49-F238E27FC236}">
+                <a16:creationId xmlns:a16="http://schemas.microsoft.com/office/drawing/2014/main" id="{03A2244F-6AC9-4152-9344-61F0085DD23E}"/>
+              </a:ext>
+            </a:extLst>
+          </p:cNvPr>
+          <p:cNvSpPr>
+            <a:spLocks noGrp="1"/>
+          </p:cNvSpPr>
+          <p:nvPr>
+            <p:ph idx="1"/>
+          </p:nvPr>
+        </p:nvSpPr>
+        <p:spPr/>
+        <p:txBody>
+          <a:bodyPr>
+            <a:normAutofit fontScale="25000" lnSpcReduction="20000"/>
+          </a:bodyPr>
+          <a:lstStyle/>
+          <a:p>
+            <a:r>
+              <a:rPr lang="en-US" dirty="0"/>
+              <a:t>1)	Cannon that shoot away Mario.</a:t>
+            </a:r>
+          </a:p>
+          <a:p>
+            <a:r>
+              <a:rPr lang="en-US" dirty="0"/>
+              <a:t>2)	</a:t>
+            </a:r>
+            <a:r>
+              <a:rPr lang="en-US" dirty="0" err="1"/>
+              <a:t>Iterable</a:t>
+            </a:r>
+            <a:r>
+              <a:rPr lang="en-US" dirty="0"/>
+              <a:t> block [?] that pop-up coins or other objects.</a:t>
+            </a:r>
+          </a:p>
+          <a:p>
+            <a:r>
+              <a:rPr lang="en-US" dirty="0"/>
+              <a:t>2.5)	Multiple hit box, they will stop to give coins in a limited time.</a:t>
+            </a:r>
+          </a:p>
+          <a:p>
+            <a:r>
+              <a:rPr lang="en-US" dirty="0"/>
+              <a:t>3)	Moving platforms that starts to move when Mario is on them.</a:t>
+            </a:r>
+          </a:p>
+          <a:p>
+            <a:r>
+              <a:rPr lang="en-US" dirty="0"/>
+              <a:t>4)	Platforms that disappears after a certain period of time.</a:t>
+            </a:r>
+          </a:p>
+          <a:p>
+            <a:r>
+              <a:rPr lang="en-US" dirty="0"/>
+              <a:t>5)	Hammer </a:t>
+            </a:r>
+            <a:r>
+              <a:rPr lang="en-US" dirty="0" err="1"/>
+              <a:t>koopa</a:t>
+            </a:r>
+            <a:r>
+              <a:rPr lang="en-US" dirty="0"/>
+              <a:t> (those that shoots hammers)</a:t>
+            </a:r>
+          </a:p>
+          <a:p>
+            <a:r>
+              <a:rPr lang="en-US" dirty="0"/>
+              <a:t>6)	Checkpoint that set a new starting point of Mario.</a:t>
+            </a:r>
+          </a:p>
+          <a:p>
+            <a:r>
+              <a:rPr lang="en-US" dirty="0"/>
+              <a:t>		here some ideas: Mario has a starting point value that set the character in a determinate position</a:t>
+            </a:r>
+          </a:p>
+          <a:p>
+            <a:r>
+              <a:rPr lang="en-US" dirty="0"/>
+              <a:t>		in the game world. If he interact with a checkpoint, the starting point will be changed in a new</a:t>
+            </a:r>
+          </a:p>
+          <a:p>
+            <a:r>
+              <a:rPr lang="en-US" dirty="0"/>
+              <a:t>		starting point.</a:t>
+            </a:r>
+          </a:p>
+          <a:p>
+            <a:r>
+              <a:rPr lang="en-US" dirty="0"/>
+              <a:t>7)	</a:t>
+            </a:r>
+            <a:r>
+              <a:rPr lang="en-US" dirty="0" err="1"/>
+              <a:t>Koopa</a:t>
+            </a:r>
+            <a:r>
+              <a:rPr lang="en-US" dirty="0"/>
+              <a:t> (the turtles with the shells), with the animation (or not) of the shell in the game.</a:t>
+            </a:r>
+          </a:p>
+          <a:p>
+            <a:r>
+              <a:rPr lang="en-US" dirty="0"/>
+              <a:t>8)	if (point 7){create two types of turtles: Red one (moves where is </a:t>
+            </a:r>
+            <a:r>
+              <a:rPr lang="en-US" dirty="0" err="1"/>
+              <a:t>mario</a:t>
+            </a:r>
+            <a:r>
+              <a:rPr lang="en-US" dirty="0"/>
+              <a:t> and </a:t>
+            </a:r>
+            <a:r>
+              <a:rPr lang="en-US" dirty="0" err="1"/>
+              <a:t>does'nt</a:t>
+            </a:r>
+            <a:r>
+              <a:rPr lang="en-US" dirty="0"/>
+              <a:t> fall), and the green (standard move)}</a:t>
+            </a:r>
+          </a:p>
+          <a:p>
+            <a:r>
+              <a:rPr lang="en-US" dirty="0"/>
+              <a:t>9)	2 layers of the game scene, for example we can put a door, and then Mario moves on the Z axis,</a:t>
+            </a:r>
+          </a:p>
+          <a:p>
+            <a:r>
+              <a:rPr lang="en-US" dirty="0"/>
+              <a:t>		and we create a new layer of the level on that Z axis position.</a:t>
+            </a:r>
+          </a:p>
+          <a:p>
+            <a:r>
+              <a:rPr lang="en-US" dirty="0"/>
+              <a:t>10)	Tubes/pipes/piranha pipes. If Mario interact with the right tube, it will go underground.</a:t>
+            </a:r>
+          </a:p>
+          <a:p>
+            <a:r>
+              <a:rPr lang="en-US" dirty="0"/>
+              <a:t>		We can also create a piranha plant (Filippo's team will develop it).</a:t>
+            </a:r>
+          </a:p>
+          <a:p>
+            <a:r>
+              <a:rPr lang="en-US" dirty="0"/>
+              <a:t>11)	Missile jack, that moves on the X axis.</a:t>
+            </a:r>
+          </a:p>
+          <a:p>
+            <a:r>
+              <a:rPr lang="en-US" dirty="0"/>
+              <a:t>12)	In game music, that will also change (star theme, ending theme).</a:t>
+            </a:r>
+          </a:p>
+          <a:p>
+            <a:r>
+              <a:rPr lang="en-US" dirty="0"/>
+              <a:t>13)	Timer for the game, if the count goes to 0, Mario will be destroyed.</a:t>
+            </a:r>
+          </a:p>
+          <a:p>
+            <a:r>
+              <a:rPr lang="en-US" dirty="0"/>
+              <a:t>14)	Coins, everyone need coins! Also a display of the player's score.</a:t>
+            </a:r>
+          </a:p>
+          <a:p>
+            <a:r>
+              <a:rPr lang="en-US" dirty="0"/>
+              <a:t>15)	Bowser that spit fire and hammers, and he also jump (maybe with a random function in an array of [3], hammer/fire/jump)</a:t>
+            </a:r>
+          </a:p>
+          <a:p>
+            <a:r>
+              <a:rPr lang="en-US" dirty="0"/>
+              <a:t>16)	Fire wheels (cross) that Mario has to avoid.</a:t>
+            </a:r>
+          </a:p>
+          <a:p>
+            <a:r>
+              <a:rPr lang="en-US" dirty="0"/>
+              <a:t>17)	Water spots that changes the game gravity if some objects enters there.</a:t>
+            </a:r>
+          </a:p>
+        </p:txBody>
+      </p:sp>
+    </p:spTree>
+    <p:extLst>
+      <p:ext uri="{BB962C8B-B14F-4D97-AF65-F5344CB8AC3E}">
+        <p14:creationId xmlns:p14="http://schemas.microsoft.com/office/powerpoint/2010/main" val="86738302"/>
+      </p:ext>
+    </p:extLst>
+  </p:cSld>
+  <p:clrMapOvr>
+    <a:masterClrMapping/>
+  </p:clrMapOvr>
+</p:sld>
+</file>
+
+<file path=ppt/slides/slide21.xml><?xml version="1.0" encoding="utf-8"?>
+<p:sld xmlns:a="http://schemas.openxmlformats.org/drawingml/2006/main" xmlns:r="http://schemas.openxmlformats.org/officeDocument/2006/relationships" xmlns:p="http://schemas.openxmlformats.org/presentationml/2006/main">
+  <p:cSld>
+    <p:spTree>
+      <p:nvGrpSpPr>
+        <p:cNvPr id="1" name=""/>
+        <p:cNvGrpSpPr/>
+        <p:nvPr/>
+      </p:nvGrpSpPr>
+      <p:grpSpPr>
+        <a:xfrm>
+          <a:off x="0" y="0"/>
+          <a:ext cx="0" cy="0"/>
+          <a:chOff x="0" y="0"/>
+          <a:chExt cx="0" cy="0"/>
+        </a:xfrm>
+      </p:grpSpPr>
+      <p:sp>
+        <p:nvSpPr>
+          <p:cNvPr id="2" name="Title 1">
+            <a:extLst>
+              <a:ext uri="{FF2B5EF4-FFF2-40B4-BE49-F238E27FC236}">
+                <a16:creationId xmlns:a16="http://schemas.microsoft.com/office/drawing/2014/main" id="{329ECC05-C5FD-4D67-839E-6297C580421C}"/>
+              </a:ext>
+            </a:extLst>
+          </p:cNvPr>
+          <p:cNvSpPr>
+            <a:spLocks noGrp="1"/>
+          </p:cNvSpPr>
+          <p:nvPr>
+            <p:ph type="title"/>
+          </p:nvPr>
+        </p:nvSpPr>
+        <p:spPr/>
+        <p:txBody>
+          <a:bodyPr/>
+          <a:lstStyle/>
+          <a:p>
+            <a:endParaRPr lang="en-US"/>
+          </a:p>
+        </p:txBody>
+      </p:sp>
+      <p:pic>
+        <p:nvPicPr>
+          <p:cNvPr id="5" name="Picture 2" descr="After Sonic Mania, Sega needs to make 2D Sonic games a priority - SlashGear">
+            <a:extLst>
+              <a:ext uri="{FF2B5EF4-FFF2-40B4-BE49-F238E27FC236}">
+                <a16:creationId xmlns:a16="http://schemas.microsoft.com/office/drawing/2014/main" id="{CCB01907-FA77-459E-B674-D98BEC4E6FE7}"/>
+              </a:ext>
+            </a:extLst>
+          </p:cNvPr>
+          <p:cNvPicPr>
+            <a:picLocks noGrp="1" noChangeAspect="1" noChangeArrowheads="1"/>
+          </p:cNvPicPr>
+          <p:nvPr>
+            <p:ph idx="1"/>
+          </p:nvPr>
+        </p:nvPicPr>
+        <p:blipFill>
+          <a:blip r:embed="rId2">
+            <a:extLst>
+              <a:ext uri="{28A0092B-C50C-407E-A947-70E740481C1C}">
+                <a14:useLocalDpi xmlns:a14="http://schemas.microsoft.com/office/drawing/2010/main" val="0"/>
+              </a:ext>
+            </a:extLst>
+          </a:blip>
+          <a:srcRect/>
+          <a:stretch>
+            <a:fillRect/>
+          </a:stretch>
+        </p:blipFill>
+        <p:spPr bwMode="auto">
+          <a:xfrm>
+            <a:off x="-1" y="-41214"/>
+            <a:ext cx="12265269" cy="6899214"/>
+          </a:xfrm>
+          <a:prstGeom prst="rect">
+            <a:avLst/>
+          </a:prstGeom>
+          <a:noFill/>
+          <a:extLst>
+            <a:ext uri="{909E8E84-426E-40DD-AFC4-6F175D3DCCD1}">
+              <a14:hiddenFill xmlns:a14="http://schemas.microsoft.com/office/drawing/2010/main">
+                <a:solidFill>
+                  <a:srgbClr val="FFFFFF"/>
+                </a:solidFill>
+              </a14:hiddenFill>
+            </a:ext>
+          </a:extLst>
+        </p:spPr>
+      </p:pic>
+      <p:sp>
+        <p:nvSpPr>
+          <p:cNvPr id="4" name="Rectangle: Rounded Corners 3">
+            <a:extLst>
+              <a:ext uri="{FF2B5EF4-FFF2-40B4-BE49-F238E27FC236}">
+                <a16:creationId xmlns:a16="http://schemas.microsoft.com/office/drawing/2014/main" id="{0DF2381E-FB60-4B2C-8733-84BA6D0C45B4}"/>
+              </a:ext>
+            </a:extLst>
+          </p:cNvPr>
+          <p:cNvSpPr/>
+          <p:nvPr/>
+        </p:nvSpPr>
+        <p:spPr>
+          <a:xfrm>
+            <a:off x="11302023" y="227806"/>
+            <a:ext cx="738554" cy="800100"/>
+          </a:xfrm>
+          <a:prstGeom prst="roundRect">
+            <a:avLst/>
+          </a:prstGeom>
+          <a:solidFill>
+            <a:schemeClr val="accent4"/>
+          </a:solidFill>
+        </p:spPr>
+        <p:style>
+          <a:lnRef idx="2">
+            <a:schemeClr val="accent1">
+              <a:shade val="50000"/>
+            </a:schemeClr>
+          </a:lnRef>
+          <a:fillRef idx="1">
+            <a:schemeClr val="accent1"/>
+          </a:fillRef>
+          <a:effectRef idx="0">
+            <a:schemeClr val="accent1"/>
+          </a:effectRef>
+          <a:fontRef idx="minor">
+            <a:schemeClr val="lt1"/>
+          </a:fontRef>
+        </p:style>
+        <p:txBody>
+          <a:bodyPr rtlCol="0" anchor="ctr"/>
+          <a:lstStyle/>
+          <a:p>
+            <a:pPr algn="ctr"/>
+            <a:r>
+              <a:rPr lang="en-US" dirty="0"/>
+              <a:t>Jetpack </a:t>
+            </a:r>
+          </a:p>
+        </p:txBody>
+      </p:sp>
+      <p:sp>
+        <p:nvSpPr>
+          <p:cNvPr id="7" name="Rectangle: Rounded Corners 6">
+            <a:extLst>
+              <a:ext uri="{FF2B5EF4-FFF2-40B4-BE49-F238E27FC236}">
+                <a16:creationId xmlns:a16="http://schemas.microsoft.com/office/drawing/2014/main" id="{1F10F5D6-B45C-4CA8-A390-E46AC21433FE}"/>
+              </a:ext>
+            </a:extLst>
+          </p:cNvPr>
+          <p:cNvSpPr/>
+          <p:nvPr/>
+        </p:nvSpPr>
+        <p:spPr>
+          <a:xfrm>
+            <a:off x="7474683" y="365125"/>
+            <a:ext cx="738554" cy="800100"/>
+          </a:xfrm>
+          <a:prstGeom prst="roundRect">
+            <a:avLst/>
+          </a:prstGeom>
+          <a:solidFill>
+            <a:schemeClr val="accent4"/>
+          </a:solidFill>
+        </p:spPr>
+        <p:style>
+          <a:lnRef idx="2">
+            <a:schemeClr val="accent1">
+              <a:shade val="50000"/>
+            </a:schemeClr>
+          </a:lnRef>
+          <a:fillRef idx="1">
+            <a:schemeClr val="accent1"/>
+          </a:fillRef>
+          <a:effectRef idx="0">
+            <a:schemeClr val="accent1"/>
+          </a:effectRef>
+          <a:fontRef idx="minor">
+            <a:schemeClr val="lt1"/>
+          </a:fontRef>
+        </p:style>
+        <p:txBody>
+          <a:bodyPr rtlCol="0" anchor="ctr"/>
+          <a:lstStyle/>
+          <a:p>
+            <a:pPr algn="ctr"/>
+            <a:r>
+              <a:rPr lang="en-US" dirty="0"/>
+              <a:t>Collectable </a:t>
+            </a:r>
+          </a:p>
+        </p:txBody>
+      </p:sp>
+    </p:spTree>
+    <p:extLst>
+      <p:ext uri="{BB962C8B-B14F-4D97-AF65-F5344CB8AC3E}">
+        <p14:creationId xmlns:p14="http://schemas.microsoft.com/office/powerpoint/2010/main" val="1600090529"/>
+      </p:ext>
+    </p:extLst>
+  </p:cSld>
+  <p:clrMapOvr>
+    <a:masterClrMapping/>
+  </p:clrMapOvr>
+</p:sld>
+</file>
+
+<file path=ppt/slides/slide22.xml><?xml version="1.0" encoding="utf-8"?>
+<p:sld xmlns:a="http://schemas.openxmlformats.org/drawingml/2006/main" xmlns:r="http://schemas.openxmlformats.org/officeDocument/2006/relationships" xmlns:p="http://schemas.openxmlformats.org/presentationml/2006/main">
+  <p:cSld>
+    <p:spTree>
+      <p:nvGrpSpPr>
+        <p:cNvPr id="1" name=""/>
+        <p:cNvGrpSpPr/>
+        <p:nvPr/>
+      </p:nvGrpSpPr>
+      <p:grpSpPr>
+        <a:xfrm>
+          <a:off x="0" y="0"/>
+          <a:ext cx="0" cy="0"/>
+          <a:chOff x="0" y="0"/>
+          <a:chExt cx="0" cy="0"/>
+        </a:xfrm>
+      </p:grpSpPr>
+      <p:sp>
+        <p:nvSpPr>
+          <p:cNvPr id="2" name="Title 1">
+            <a:extLst>
+              <a:ext uri="{FF2B5EF4-FFF2-40B4-BE49-F238E27FC236}">
+                <a16:creationId xmlns:a16="http://schemas.microsoft.com/office/drawing/2014/main" id="{53257160-7AB6-4F70-8AD2-899F780D7238}"/>
+              </a:ext>
+            </a:extLst>
+          </p:cNvPr>
+          <p:cNvSpPr>
+            <a:spLocks noGrp="1"/>
+          </p:cNvSpPr>
+          <p:nvPr>
+            <p:ph type="title"/>
+          </p:nvPr>
+        </p:nvSpPr>
+        <p:spPr/>
+        <p:txBody>
+          <a:bodyPr/>
+          <a:lstStyle/>
+          <a:p>
+            <a:endParaRPr lang="en-US"/>
+          </a:p>
+        </p:txBody>
+      </p:sp>
+      <p:pic>
+        <p:nvPicPr>
+          <p:cNvPr id="3074" name="Picture 2" descr="Gotta Go Fast: Ranking All of The Sonic The Hedgehog Games | USgamer">
+            <a:extLst>
+              <a:ext uri="{FF2B5EF4-FFF2-40B4-BE49-F238E27FC236}">
+                <a16:creationId xmlns:a16="http://schemas.microsoft.com/office/drawing/2014/main" id="{D10D3AAF-AD97-4856-BA80-4C792A893D5A}"/>
+              </a:ext>
+            </a:extLst>
+          </p:cNvPr>
+          <p:cNvPicPr>
+            <a:picLocks noGrp="1" noChangeAspect="1" noChangeArrowheads="1"/>
+          </p:cNvPicPr>
+          <p:nvPr>
+            <p:ph idx="1"/>
+          </p:nvPr>
+        </p:nvPicPr>
+        <p:blipFill>
+          <a:blip r:embed="rId2" cstate="print">
+            <a:extLst>
+              <a:ext uri="{28A0092B-C50C-407E-A947-70E740481C1C}">
+                <a14:useLocalDpi xmlns:a14="http://schemas.microsoft.com/office/drawing/2010/main" val="0"/>
+              </a:ext>
+            </a:extLst>
+          </a:blip>
+          <a:srcRect/>
+          <a:stretch>
+            <a:fillRect/>
+          </a:stretch>
+        </p:blipFill>
+        <p:spPr bwMode="auto">
+          <a:xfrm>
+            <a:off x="0" y="2506662"/>
+            <a:ext cx="7735712" cy="4351338"/>
+          </a:xfrm>
+          <a:prstGeom prst="rect">
+            <a:avLst/>
+          </a:prstGeom>
+          <a:noFill/>
+          <a:extLst>
+            <a:ext uri="{909E8E84-426E-40DD-AFC4-6F175D3DCCD1}">
+              <a14:hiddenFill xmlns:a14="http://schemas.microsoft.com/office/drawing/2010/main">
+                <a:solidFill>
+                  <a:srgbClr val="FFFFFF"/>
+                </a:solidFill>
+              </a14:hiddenFill>
+            </a:ext>
+          </a:extLst>
+        </p:spPr>
+      </p:pic>
+    </p:spTree>
+    <p:extLst>
+      <p:ext uri="{BB962C8B-B14F-4D97-AF65-F5344CB8AC3E}">
+        <p14:creationId xmlns:p14="http://schemas.microsoft.com/office/powerpoint/2010/main" val="75731966"/>
+      </p:ext>
+    </p:extLst>
+  </p:cSld>
+  <p:clrMapOvr>
+    <a:masterClrMapping/>
+  </p:clrMapOvr>
+</p:sld>
+</file>
+
+<file path=ppt/slides/slide23.xml><?xml version="1.0" encoding="utf-8"?>
+<p:sld xmlns:a="http://schemas.openxmlformats.org/drawingml/2006/main" xmlns:r="http://schemas.openxmlformats.org/officeDocument/2006/relationships" xmlns:p="http://schemas.openxmlformats.org/presentationml/2006/main">
+  <p:cSld>
+    <p:spTree>
+      <p:nvGrpSpPr>
+        <p:cNvPr id="1" name=""/>
+        <p:cNvGrpSpPr/>
+        <p:nvPr/>
+      </p:nvGrpSpPr>
+      <p:grpSpPr>
+        <a:xfrm>
+          <a:off x="0" y="0"/>
+          <a:ext cx="0" cy="0"/>
+          <a:chOff x="0" y="0"/>
+          <a:chExt cx="0" cy="0"/>
+        </a:xfrm>
+      </p:grpSpPr>
+      <p:sp>
+        <p:nvSpPr>
+          <p:cNvPr id="2" name="Title 1">
+            <a:extLst>
+              <a:ext uri="{FF2B5EF4-FFF2-40B4-BE49-F238E27FC236}">
+                <a16:creationId xmlns:a16="http://schemas.microsoft.com/office/drawing/2014/main" id="{1306A314-212E-466E-AC7E-5EB76D501EBD}"/>
+              </a:ext>
+            </a:extLst>
+          </p:cNvPr>
+          <p:cNvSpPr>
+            <a:spLocks noGrp="1"/>
+          </p:cNvSpPr>
+          <p:nvPr>
+            <p:ph type="title"/>
+          </p:nvPr>
+        </p:nvSpPr>
+        <p:spPr/>
+        <p:txBody>
+          <a:bodyPr/>
+          <a:lstStyle/>
+          <a:p>
+            <a:endParaRPr lang="en-US"/>
+          </a:p>
+        </p:txBody>
+      </p:sp>
+      <p:pic>
+        <p:nvPicPr>
+          <p:cNvPr id="4098" name="Picture 2" descr="Free Sonic Games Online Sonic Games For Free Sonic Games Free Sonic Games  Free Download - YouTube">
+            <a:extLst>
+              <a:ext uri="{FF2B5EF4-FFF2-40B4-BE49-F238E27FC236}">
+                <a16:creationId xmlns:a16="http://schemas.microsoft.com/office/drawing/2014/main" id="{E74D9335-E599-4CAA-9F78-481F633E15DE}"/>
+              </a:ext>
+            </a:extLst>
+          </p:cNvPr>
+          <p:cNvPicPr>
+            <a:picLocks noGrp="1" noChangeAspect="1" noChangeArrowheads="1"/>
+          </p:cNvPicPr>
+          <p:nvPr>
+            <p:ph idx="1"/>
+          </p:nvPr>
+        </p:nvPicPr>
+        <p:blipFill>
+          <a:blip r:embed="rId2">
+            <a:extLst>
+              <a:ext uri="{28A0092B-C50C-407E-A947-70E740481C1C}">
+                <a14:useLocalDpi xmlns:a14="http://schemas.microsoft.com/office/drawing/2010/main" val="0"/>
+              </a:ext>
+            </a:extLst>
+          </a:blip>
+          <a:srcRect/>
+          <a:stretch>
+            <a:fillRect/>
+          </a:stretch>
+        </p:blipFill>
+        <p:spPr bwMode="auto">
+          <a:xfrm>
+            <a:off x="2228144" y="1825625"/>
+            <a:ext cx="7735712" cy="4351338"/>
+          </a:xfrm>
+          <a:prstGeom prst="rect">
+            <a:avLst/>
+          </a:prstGeom>
+          <a:noFill/>
+          <a:extLst>
+            <a:ext uri="{909E8E84-426E-40DD-AFC4-6F175D3DCCD1}">
+              <a14:hiddenFill xmlns:a14="http://schemas.microsoft.com/office/drawing/2010/main">
+                <a:solidFill>
+                  <a:srgbClr val="FFFFFF"/>
+                </a:solidFill>
+              </a14:hiddenFill>
+            </a:ext>
+          </a:extLst>
+        </p:spPr>
+      </p:pic>
+    </p:spTree>
+    <p:extLst>
+      <p:ext uri="{BB962C8B-B14F-4D97-AF65-F5344CB8AC3E}">
+        <p14:creationId xmlns:p14="http://schemas.microsoft.com/office/powerpoint/2010/main" val="1480866755"/>
+      </p:ext>
+    </p:extLst>
+  </p:cSld>
+  <p:clrMapOvr>
+    <a:masterClrMapping/>
+  </p:clrMapOvr>
+</p:sld>
+</file>
+
+<file path=ppt/slides/slide24.xml><?xml version="1.0" encoding="utf-8"?>
+<p:sld xmlns:a="http://schemas.openxmlformats.org/drawingml/2006/main" xmlns:r="http://schemas.openxmlformats.org/officeDocument/2006/relationships" xmlns:p="http://schemas.openxmlformats.org/presentationml/2006/main">
+  <p:cSld>
+    <p:spTree>
+      <p:nvGrpSpPr>
+        <p:cNvPr id="1" name=""/>
+        <p:cNvGrpSpPr/>
+        <p:nvPr/>
+      </p:nvGrpSpPr>
+      <p:grpSpPr>
+        <a:xfrm>
+          <a:off x="0" y="0"/>
+          <a:ext cx="0" cy="0"/>
+          <a:chOff x="0" y="0"/>
+          <a:chExt cx="0" cy="0"/>
+        </a:xfrm>
+      </p:grpSpPr>
+      <p:sp>
+        <p:nvSpPr>
+          <p:cNvPr id="2" name="Title 1">
+            <a:extLst>
+              <a:ext uri="{FF2B5EF4-FFF2-40B4-BE49-F238E27FC236}">
+                <a16:creationId xmlns:a16="http://schemas.microsoft.com/office/drawing/2014/main" id="{608C5315-1FA3-4DED-9C54-275FE4C0E69C}"/>
+              </a:ext>
+            </a:extLst>
+          </p:cNvPr>
+          <p:cNvSpPr>
+            <a:spLocks noGrp="1"/>
+          </p:cNvSpPr>
+          <p:nvPr>
+            <p:ph type="title"/>
+          </p:nvPr>
+        </p:nvSpPr>
+        <p:spPr/>
+        <p:txBody>
+          <a:bodyPr/>
+          <a:lstStyle/>
+          <a:p>
+            <a:endParaRPr lang="en-US"/>
+          </a:p>
+        </p:txBody>
+      </p:sp>
+      <p:pic>
+        <p:nvPicPr>
+          <p:cNvPr id="5122" name="Picture 2" descr="✓ [Updated] Sonic Dash PC / Android App Download (2021)">
+            <a:extLst>
+              <a:ext uri="{FF2B5EF4-FFF2-40B4-BE49-F238E27FC236}">
+                <a16:creationId xmlns:a16="http://schemas.microsoft.com/office/drawing/2014/main" id="{70816804-8FAF-42D7-A175-7A4C5D7B99A5}"/>
+              </a:ext>
+            </a:extLst>
+          </p:cNvPr>
+          <p:cNvPicPr>
+            <a:picLocks noGrp="1" noChangeAspect="1" noChangeArrowheads="1"/>
+          </p:cNvPicPr>
+          <p:nvPr>
+            <p:ph idx="1"/>
+          </p:nvPr>
+        </p:nvPicPr>
+        <p:blipFill>
+          <a:blip r:embed="rId2">
+            <a:extLst>
+              <a:ext uri="{28A0092B-C50C-407E-A947-70E740481C1C}">
+                <a14:useLocalDpi xmlns:a14="http://schemas.microsoft.com/office/drawing/2010/main" val="0"/>
+              </a:ext>
+            </a:extLst>
+          </a:blip>
+          <a:srcRect/>
+          <a:stretch>
+            <a:fillRect/>
+          </a:stretch>
+        </p:blipFill>
+        <p:spPr bwMode="auto">
+          <a:xfrm>
+            <a:off x="4736207" y="1825625"/>
+            <a:ext cx="2719586" cy="4351338"/>
+          </a:xfrm>
+          <a:prstGeom prst="rect">
+            <a:avLst/>
+          </a:prstGeom>
+          <a:noFill/>
+          <a:extLst>
+            <a:ext uri="{909E8E84-426E-40DD-AFC4-6F175D3DCCD1}">
+              <a14:hiddenFill xmlns:a14="http://schemas.microsoft.com/office/drawing/2010/main">
+                <a:solidFill>
+                  <a:srgbClr val="FFFFFF"/>
+                </a:solidFill>
+              </a14:hiddenFill>
+            </a:ext>
+          </a:extLst>
+        </p:spPr>
+      </p:pic>
+    </p:spTree>
+    <p:extLst>
+      <p:ext uri="{BB962C8B-B14F-4D97-AF65-F5344CB8AC3E}">
+        <p14:creationId xmlns:p14="http://schemas.microsoft.com/office/powerpoint/2010/main" val="2319577907"/>
+      </p:ext>
+    </p:extLst>
+  </p:cSld>
+  <p:clrMapOvr>
+    <a:masterClrMapping/>
+  </p:clrMapOvr>
+</p:sld>
+</file>
+
+<file path=ppt/slides/slide25.xml><?xml version="1.0" encoding="utf-8"?>
+<p:sld xmlns:a="http://schemas.openxmlformats.org/drawingml/2006/main" xmlns:r="http://schemas.openxmlformats.org/officeDocument/2006/relationships" xmlns:p="http://schemas.openxmlformats.org/presentationml/2006/main">
+  <p:cSld>
+    <p:spTree>
+      <p:nvGrpSpPr>
+        <p:cNvPr id="1" name=""/>
+        <p:cNvGrpSpPr/>
+        <p:nvPr/>
+      </p:nvGrpSpPr>
+      <p:grpSpPr>
+        <a:xfrm>
+          <a:off x="0" y="0"/>
+          <a:ext cx="0" cy="0"/>
+          <a:chOff x="0" y="0"/>
+          <a:chExt cx="0" cy="0"/>
+        </a:xfrm>
+      </p:grpSpPr>
+      <p:sp>
+        <p:nvSpPr>
+          <p:cNvPr id="2" name="Title 1">
+            <a:extLst>
+              <a:ext uri="{FF2B5EF4-FFF2-40B4-BE49-F238E27FC236}">
+                <a16:creationId xmlns:a16="http://schemas.microsoft.com/office/drawing/2014/main" id="{9E41437B-56D3-47DA-8A45-9F854A2AC5DD}"/>
+              </a:ext>
+            </a:extLst>
+          </p:cNvPr>
+          <p:cNvSpPr>
+            <a:spLocks noGrp="1"/>
+          </p:cNvSpPr>
+          <p:nvPr>
+            <p:ph type="title"/>
+          </p:nvPr>
+        </p:nvSpPr>
+        <p:spPr/>
+        <p:txBody>
+          <a:bodyPr/>
+          <a:lstStyle/>
+          <a:p>
+            <a:endParaRPr lang="en-US"/>
+          </a:p>
+        </p:txBody>
+      </p:sp>
+      <p:pic>
+        <p:nvPicPr>
+          <p:cNvPr id="6146" name="Picture 2" descr="Descarga gratis la nueva versión de Sonic Dash para iOS | Applediario">
+            <a:extLst>
+              <a:ext uri="{FF2B5EF4-FFF2-40B4-BE49-F238E27FC236}">
+                <a16:creationId xmlns:a16="http://schemas.microsoft.com/office/drawing/2014/main" id="{F66E0F30-64B1-4253-89EA-DAF1366FADA7}"/>
+              </a:ext>
+            </a:extLst>
+          </p:cNvPr>
+          <p:cNvPicPr>
+            <a:picLocks noGrp="1" noChangeAspect="1" noChangeArrowheads="1"/>
+          </p:cNvPicPr>
+          <p:nvPr>
+            <p:ph idx="1"/>
+          </p:nvPr>
+        </p:nvPicPr>
+        <p:blipFill>
+          <a:blip r:embed="rId2">
+            <a:extLst>
+              <a:ext uri="{28A0092B-C50C-407E-A947-70E740481C1C}">
+                <a14:useLocalDpi xmlns:a14="http://schemas.microsoft.com/office/drawing/2010/main" val="0"/>
+              </a:ext>
+            </a:extLst>
+          </a:blip>
+          <a:srcRect/>
+          <a:stretch>
+            <a:fillRect/>
+          </a:stretch>
+        </p:blipFill>
+        <p:spPr bwMode="auto">
+          <a:xfrm>
+            <a:off x="4465321" y="1825625"/>
+            <a:ext cx="3261357" cy="4351338"/>
+          </a:xfrm>
+          <a:prstGeom prst="rect">
+            <a:avLst/>
+          </a:prstGeom>
+          <a:noFill/>
+          <a:extLst>
+            <a:ext uri="{909E8E84-426E-40DD-AFC4-6F175D3DCCD1}">
+              <a14:hiddenFill xmlns:a14="http://schemas.microsoft.com/office/drawing/2010/main">
+                <a:solidFill>
+                  <a:srgbClr val="FFFFFF"/>
+                </a:solidFill>
+              </a14:hiddenFill>
+            </a:ext>
+          </a:extLst>
+        </p:spPr>
+      </p:pic>
+    </p:spTree>
+    <p:extLst>
+      <p:ext uri="{BB962C8B-B14F-4D97-AF65-F5344CB8AC3E}">
+        <p14:creationId xmlns:p14="http://schemas.microsoft.com/office/powerpoint/2010/main" val="842893229"/>
+      </p:ext>
+    </p:extLst>
+  </p:cSld>
+  <p:clrMapOvr>
+    <a:masterClrMapping/>
+  </p:clrMapOvr>
+</p:sld>
+</file>
+
+<file path=ppt/slides/slide26.xml><?xml version="1.0" encoding="utf-8"?>
+<p:sld xmlns:a="http://schemas.openxmlformats.org/drawingml/2006/main" xmlns:r="http://schemas.openxmlformats.org/officeDocument/2006/relationships" xmlns:p="http://schemas.openxmlformats.org/presentationml/2006/main">
+  <p:cSld>
+    <p:spTree>
+      <p:nvGrpSpPr>
+        <p:cNvPr id="1" name=""/>
+        <p:cNvGrpSpPr/>
+        <p:nvPr/>
+      </p:nvGrpSpPr>
+      <p:grpSpPr>
+        <a:xfrm>
+          <a:off x="0" y="0"/>
+          <a:ext cx="0" cy="0"/>
+          <a:chOff x="0" y="0"/>
+          <a:chExt cx="0" cy="0"/>
+        </a:xfrm>
+      </p:grpSpPr>
+      <p:sp>
+        <p:nvSpPr>
+          <p:cNvPr id="2" name="Title 1">
+            <a:extLst>
+              <a:ext uri="{FF2B5EF4-FFF2-40B4-BE49-F238E27FC236}">
+                <a16:creationId xmlns:a16="http://schemas.microsoft.com/office/drawing/2014/main" id="{8B1966B5-57ED-4F54-8773-30848EF8B4D4}"/>
+              </a:ext>
+            </a:extLst>
+          </p:cNvPr>
+          <p:cNvSpPr>
+            <a:spLocks noGrp="1"/>
+          </p:cNvSpPr>
+          <p:nvPr>
+            <p:ph type="title"/>
+          </p:nvPr>
+        </p:nvSpPr>
+        <p:spPr/>
+        <p:txBody>
+          <a:bodyPr/>
+          <a:lstStyle/>
+          <a:p>
+            <a:endParaRPr lang="en-US"/>
+          </a:p>
+        </p:txBody>
+      </p:sp>
+      <p:pic>
+        <p:nvPicPr>
+          <p:cNvPr id="7170" name="Picture 2" descr="Sonic Forces: Green Hill [1080 HD] - YouTube">
+            <a:extLst>
+              <a:ext uri="{FF2B5EF4-FFF2-40B4-BE49-F238E27FC236}">
+                <a16:creationId xmlns:a16="http://schemas.microsoft.com/office/drawing/2014/main" id="{28DD42A9-6B17-4109-8398-18219E1C4B4E}"/>
+              </a:ext>
+            </a:extLst>
+          </p:cNvPr>
+          <p:cNvPicPr>
+            <a:picLocks noGrp="1" noChangeAspect="1" noChangeArrowheads="1"/>
+          </p:cNvPicPr>
+          <p:nvPr>
+            <p:ph idx="1"/>
+          </p:nvPr>
+        </p:nvPicPr>
+        <p:blipFill>
+          <a:blip r:embed="rId2">
+            <a:extLst>
+              <a:ext uri="{28A0092B-C50C-407E-A947-70E740481C1C}">
+                <a14:useLocalDpi xmlns:a14="http://schemas.microsoft.com/office/drawing/2010/main" val="0"/>
+              </a:ext>
+            </a:extLst>
+          </a:blip>
+          <a:srcRect/>
+          <a:stretch>
+            <a:fillRect/>
+          </a:stretch>
+        </p:blipFill>
+        <p:spPr bwMode="auto">
+          <a:xfrm>
+            <a:off x="0" y="2506662"/>
+            <a:ext cx="7735712" cy="4351338"/>
+          </a:xfrm>
+          <a:prstGeom prst="rect">
+            <a:avLst/>
+          </a:prstGeom>
+          <a:noFill/>
+          <a:extLst>
+            <a:ext uri="{909E8E84-426E-40DD-AFC4-6F175D3DCCD1}">
+              <a14:hiddenFill xmlns:a14="http://schemas.microsoft.com/office/drawing/2010/main">
+                <a:solidFill>
+                  <a:srgbClr val="FFFFFF"/>
+                </a:solidFill>
+              </a14:hiddenFill>
+            </a:ext>
+          </a:extLst>
+        </p:spPr>
+      </p:pic>
+    </p:spTree>
+    <p:extLst>
+      <p:ext uri="{BB962C8B-B14F-4D97-AF65-F5344CB8AC3E}">
+        <p14:creationId xmlns:p14="http://schemas.microsoft.com/office/powerpoint/2010/main" val="3404938383"/>
+      </p:ext>
+    </p:extLst>
+  </p:cSld>
+  <p:clrMapOvr>
+    <a:masterClrMapping/>
+  </p:clrMapOvr>
+</p:sld>
+</file>
+
 <file path=ppt/slides/slide3.xml><?xml version="1.0" encoding="utf-8"?>
 <p:sld xmlns:a="http://schemas.openxmlformats.org/drawingml/2006/main" xmlns:r="http://schemas.openxmlformats.org/officeDocument/2006/relationships" xmlns:p="http://schemas.openxmlformats.org/presentationml/2006/main">
   <p:cSld>
@@ -5706,7 +7107,7 @@
         <p:spPr/>
         <p:txBody>
           <a:bodyPr vert="horz" lIns="91440" tIns="45720" rIns="91440" bIns="45720" rtlCol="0" anchor="t">
-            <a:normAutofit fontScale="70000" lnSpcReduction="20000"/>
+            <a:normAutofit fontScale="47500" lnSpcReduction="20000"/>
           </a:bodyPr>
           <a:lstStyle/>
           <a:p>
@@ -5891,9 +7292,71 @@
             <a:pPr lvl="1"/>
             <a:r>
               <a:rPr lang="en-US" dirty="0">
+                <a:solidFill>
+                  <a:srgbClr val="00B050"/>
+                </a:solidFill>
                 <a:cs typeface="Calibri"/>
               </a:rPr>
               <a:t>Save start as checkpoint</a:t>
+            </a:r>
+          </a:p>
+          <a:p>
+            <a:r>
+              <a:rPr lang="en-US" dirty="0">
+                <a:cs typeface="Calibri"/>
+              </a:rPr>
+              <a:t>Collect coins:</a:t>
+            </a:r>
+          </a:p>
+          <a:p>
+            <a:pPr lvl="1"/>
+            <a:r>
+              <a:rPr lang="en-US" dirty="0">
+                <a:cs typeface="Calibri"/>
+              </a:rPr>
+              <a:t>Add score (</a:t>
+            </a:r>
+            <a:r>
+              <a:rPr lang="en-US" dirty="0" err="1">
+                <a:cs typeface="Calibri"/>
+              </a:rPr>
+              <a:t>ui</a:t>
+            </a:r>
+            <a:r>
+              <a:rPr lang="en-US" dirty="0">
+                <a:cs typeface="Calibri"/>
+              </a:rPr>
+              <a:t>),</a:t>
+            </a:r>
+          </a:p>
+          <a:p>
+            <a:pPr lvl="1"/>
+            <a:r>
+              <a:rPr lang="en-US" dirty="0">
+                <a:cs typeface="Calibri"/>
+              </a:rPr>
+              <a:t>Sound / animation / …</a:t>
+            </a:r>
+          </a:p>
+          <a:p>
+            <a:pPr lvl="1"/>
+            <a:r>
+              <a:rPr lang="en-US" dirty="0">
+                <a:cs typeface="Calibri"/>
+              </a:rPr>
+              <a:t>Coin will disappear when hit </a:t>
+            </a:r>
+            <a:r>
+              <a:rPr lang="en-US" dirty="0" err="1">
+                <a:cs typeface="Calibri"/>
+              </a:rPr>
+              <a:t>mario</a:t>
+            </a:r>
+            <a:r>
+              <a:rPr lang="en-US" dirty="0">
+                <a:cs typeface="Calibri"/>
+              </a:rPr>
+              <a:t>.</a:t>
             </a:r>
           </a:p>
           <a:p>
@@ -5948,6 +7411,242 @@
           <p:cNvPr id="2" name="Title 1">
             <a:extLst>
               <a:ext uri="{FF2B5EF4-FFF2-40B4-BE49-F238E27FC236}">
+                <a16:creationId xmlns:a16="http://schemas.microsoft.com/office/drawing/2014/main" id="{9C7A9524-E330-498E-9310-7B115D122704}"/>
+              </a:ext>
+            </a:extLst>
+          </p:cNvPr>
+          <p:cNvSpPr>
+            <a:spLocks noGrp="1"/>
+          </p:cNvSpPr>
+          <p:nvPr>
+            <p:ph type="title"/>
+          </p:nvPr>
+        </p:nvSpPr>
+        <p:spPr/>
+        <p:txBody>
+          <a:bodyPr/>
+          <a:lstStyle/>
+          <a:p>
+            <a:endParaRPr lang="en-US"/>
+          </a:p>
+        </p:txBody>
+      </p:sp>
+      <p:sp>
+        <p:nvSpPr>
+          <p:cNvPr id="3" name="Content Placeholder 2">
+            <a:extLst>
+              <a:ext uri="{FF2B5EF4-FFF2-40B4-BE49-F238E27FC236}">
+                <a16:creationId xmlns:a16="http://schemas.microsoft.com/office/drawing/2014/main" id="{73812C6F-38AB-4E70-A27D-B5C1B7C3A8AD}"/>
+              </a:ext>
+            </a:extLst>
+          </p:cNvPr>
+          <p:cNvSpPr>
+            <a:spLocks noGrp="1"/>
+          </p:cNvSpPr>
+          <p:nvPr>
+            <p:ph idx="1"/>
+          </p:nvPr>
+        </p:nvSpPr>
+        <p:spPr/>
+        <p:txBody>
+          <a:bodyPr/>
+          <a:lstStyle/>
+          <a:p>
+            <a:endParaRPr lang="en-US"/>
+          </a:p>
+        </p:txBody>
+      </p:sp>
+      <p:sp>
+        <p:nvSpPr>
+          <p:cNvPr id="4" name="Rectangle 3">
+            <a:extLst>
+              <a:ext uri="{FF2B5EF4-FFF2-40B4-BE49-F238E27FC236}">
+                <a16:creationId xmlns:a16="http://schemas.microsoft.com/office/drawing/2014/main" id="{66558095-A7D8-4D77-8EFA-6B11B1C35134}"/>
+              </a:ext>
+            </a:extLst>
+          </p:cNvPr>
+          <p:cNvSpPr/>
+          <p:nvPr/>
+        </p:nvSpPr>
+        <p:spPr>
+          <a:xfrm>
+            <a:off x="165100" y="1690688"/>
+            <a:ext cx="3619500" cy="3516312"/>
+          </a:xfrm>
+          <a:prstGeom prst="rect">
+            <a:avLst/>
+          </a:prstGeom>
+          <a:solidFill>
+            <a:srgbClr val="00B050"/>
+          </a:solidFill>
+        </p:spPr>
+        <p:style>
+          <a:lnRef idx="2">
+            <a:schemeClr val="accent4">
+              <a:shade val="50000"/>
+            </a:schemeClr>
+          </a:lnRef>
+          <a:fillRef idx="1">
+            <a:schemeClr val="accent4"/>
+          </a:fillRef>
+          <a:effectRef idx="0">
+            <a:schemeClr val="accent4"/>
+          </a:effectRef>
+          <a:fontRef idx="minor">
+            <a:schemeClr val="lt1"/>
+          </a:fontRef>
+        </p:style>
+        <p:txBody>
+          <a:bodyPr rtlCol="0" anchor="ctr"/>
+          <a:lstStyle/>
+          <a:p>
+            <a:pPr algn="ctr"/>
+            <a:r>
+              <a:rPr lang="en-US" sz="7200" dirty="0"/>
+              <a:t>COINS</a:t>
+            </a:r>
+          </a:p>
+        </p:txBody>
+      </p:sp>
+      <p:sp>
+        <p:nvSpPr>
+          <p:cNvPr id="5" name="Rectangle 4">
+            <a:extLst>
+              <a:ext uri="{FF2B5EF4-FFF2-40B4-BE49-F238E27FC236}">
+                <a16:creationId xmlns:a16="http://schemas.microsoft.com/office/drawing/2014/main" id="{E3DC08B6-FDB8-4141-BED5-D7F00C40C8F4}"/>
+              </a:ext>
+            </a:extLst>
+          </p:cNvPr>
+          <p:cNvSpPr/>
+          <p:nvPr/>
+        </p:nvSpPr>
+        <p:spPr>
+          <a:xfrm>
+            <a:off x="4368800" y="1690688"/>
+            <a:ext cx="3619500" cy="3516312"/>
+          </a:xfrm>
+          <a:prstGeom prst="rect">
+            <a:avLst/>
+          </a:prstGeom>
+          <a:solidFill>
+            <a:srgbClr val="FF0000"/>
+          </a:solidFill>
+        </p:spPr>
+        <p:style>
+          <a:lnRef idx="2">
+            <a:schemeClr val="accent4">
+              <a:shade val="50000"/>
+            </a:schemeClr>
+          </a:lnRef>
+          <a:fillRef idx="1">
+            <a:schemeClr val="accent4"/>
+          </a:fillRef>
+          <a:effectRef idx="0">
+            <a:schemeClr val="accent4"/>
+          </a:effectRef>
+          <a:fontRef idx="minor">
+            <a:schemeClr val="lt1"/>
+          </a:fontRef>
+        </p:style>
+        <p:txBody>
+          <a:bodyPr rtlCol="0" anchor="ctr"/>
+          <a:lstStyle/>
+          <a:p>
+            <a:pPr algn="ctr"/>
+            <a:r>
+              <a:rPr lang="en-US" sz="7200" dirty="0"/>
+              <a:t>LIVES</a:t>
+            </a:r>
+          </a:p>
+        </p:txBody>
+      </p:sp>
+      <p:sp>
+        <p:nvSpPr>
+          <p:cNvPr id="6" name="Rectangle 5">
+            <a:extLst>
+              <a:ext uri="{FF2B5EF4-FFF2-40B4-BE49-F238E27FC236}">
+                <a16:creationId xmlns:a16="http://schemas.microsoft.com/office/drawing/2014/main" id="{A01B4AB7-47DF-49A7-BDDE-49E1B9BC8164}"/>
+              </a:ext>
+            </a:extLst>
+          </p:cNvPr>
+          <p:cNvSpPr/>
+          <p:nvPr/>
+        </p:nvSpPr>
+        <p:spPr>
+          <a:xfrm>
+            <a:off x="8572500" y="1690688"/>
+            <a:ext cx="3619500" cy="3516312"/>
+          </a:xfrm>
+          <a:prstGeom prst="rect">
+            <a:avLst/>
+          </a:prstGeom>
+          <a:solidFill>
+            <a:schemeClr val="accent4"/>
+          </a:solidFill>
+        </p:spPr>
+        <p:style>
+          <a:lnRef idx="2">
+            <a:schemeClr val="accent4">
+              <a:shade val="50000"/>
+            </a:schemeClr>
+          </a:lnRef>
+          <a:fillRef idx="1">
+            <a:schemeClr val="accent4"/>
+          </a:fillRef>
+          <a:effectRef idx="0">
+            <a:schemeClr val="accent4"/>
+          </a:effectRef>
+          <a:fontRef idx="minor">
+            <a:schemeClr val="lt1"/>
+          </a:fontRef>
+        </p:style>
+        <p:txBody>
+          <a:bodyPr rtlCol="0" anchor="ctr"/>
+          <a:lstStyle/>
+          <a:p>
+            <a:pPr algn="ctr"/>
+            <a:r>
+              <a:rPr lang="en-US" sz="7200" dirty="0"/>
+              <a:t>Moving Platform</a:t>
+            </a:r>
+          </a:p>
+        </p:txBody>
+      </p:sp>
+    </p:spTree>
+    <p:extLst>
+      <p:ext uri="{BB962C8B-B14F-4D97-AF65-F5344CB8AC3E}">
+        <p14:creationId xmlns:p14="http://schemas.microsoft.com/office/powerpoint/2010/main" val="1718767021"/>
+      </p:ext>
+    </p:extLst>
+  </p:cSld>
+  <p:clrMapOvr>
+    <a:masterClrMapping/>
+  </p:clrMapOvr>
+</p:sld>
+</file>
+
+<file path=ppt/slides/slide6.xml><?xml version="1.0" encoding="utf-8"?>
+<p:sld xmlns:a="http://schemas.openxmlformats.org/drawingml/2006/main" xmlns:r="http://schemas.openxmlformats.org/officeDocument/2006/relationships" xmlns:p="http://schemas.openxmlformats.org/presentationml/2006/main">
+  <p:cSld>
+    <p:spTree>
+      <p:nvGrpSpPr>
+        <p:cNvPr id="1" name=""/>
+        <p:cNvGrpSpPr/>
+        <p:nvPr/>
+      </p:nvGrpSpPr>
+      <p:grpSpPr>
+        <a:xfrm>
+          <a:off x="0" y="0"/>
+          <a:ext cx="0" cy="0"/>
+          <a:chOff x="0" y="0"/>
+          <a:chExt cx="0" cy="0"/>
+        </a:xfrm>
+      </p:grpSpPr>
+      <p:sp>
+        <p:nvSpPr>
+          <p:cNvPr id="2" name="Title 1">
+            <a:extLst>
+              <a:ext uri="{FF2B5EF4-FFF2-40B4-BE49-F238E27FC236}">
                 <a16:creationId xmlns:a16="http://schemas.microsoft.com/office/drawing/2014/main" id="{A333FE23-DFC1-4CC7-89FD-1B83B4E9C090}"/>
               </a:ext>
             </a:extLst>
@@ -6021,7 +7720,7 @@
 </p:sld>
 </file>
 
-<file path=ppt/slides/slide6.xml><?xml version="1.0" encoding="utf-8"?>
+<file path=ppt/slides/slide7.xml><?xml version="1.0" encoding="utf-8"?>
 <p:sld xmlns:a="http://schemas.openxmlformats.org/drawingml/2006/main" xmlns:r="http://schemas.openxmlformats.org/officeDocument/2006/relationships" xmlns:p="http://schemas.openxmlformats.org/presentationml/2006/main">
   <p:cSld>
     <p:spTree>
@@ -6131,7 +7830,7 @@
 </p:sld>
 </file>
 
-<file path=ppt/slides/slide7.xml><?xml version="1.0" encoding="utf-8"?>
+<file path=ppt/slides/slide8.xml><?xml version="1.0" encoding="utf-8"?>
 <p:sld xmlns:a="http://schemas.openxmlformats.org/drawingml/2006/main" xmlns:r="http://schemas.openxmlformats.org/officeDocument/2006/relationships" xmlns:p="http://schemas.openxmlformats.org/presentationml/2006/main">
   <p:cSld>
     <p:spTree>
@@ -6162,7 +7861,7 @@
         </p:nvSpPr>
         <p:spPr>
           <a:xfrm>
-            <a:off x="725362" y="703382"/>
+            <a:off x="1384789" y="723168"/>
             <a:ext cx="870439" cy="870439"/>
           </a:xfrm>
           <a:prstGeom prst="rect">
@@ -6725,7 +8424,7 @@
 </p:sld>
 </file>
 
-<file path=ppt/slides/slide8.xml><?xml version="1.0" encoding="utf-8"?>
+<file path=ppt/slides/slide9.xml><?xml version="1.0" encoding="utf-8"?>
 <p:sld xmlns:a="http://schemas.openxmlformats.org/drawingml/2006/main" xmlns:r="http://schemas.openxmlformats.org/officeDocument/2006/relationships" xmlns:p="http://schemas.openxmlformats.org/presentationml/2006/main">
   <p:cSld>
     <p:spTree>
@@ -6744,90 +8443,10 @@
       </p:grpSpPr>
       <p:sp>
         <p:nvSpPr>
-          <p:cNvPr id="2" name="Title 1">
+          <p:cNvPr id="4" name="Rectangle 3">
             <a:extLst>
               <a:ext uri="{FF2B5EF4-FFF2-40B4-BE49-F238E27FC236}">
-                <a16:creationId xmlns:a16="http://schemas.microsoft.com/office/drawing/2014/main" id="{F3414B47-FD15-4DA6-BFFB-6049F3A0CD9E}"/>
-              </a:ext>
-            </a:extLst>
-          </p:cNvPr>
-          <p:cNvSpPr>
-            <a:spLocks noGrp="1"/>
-          </p:cNvSpPr>
-          <p:nvPr>
-            <p:ph type="title"/>
-          </p:nvPr>
-        </p:nvSpPr>
-        <p:spPr/>
-        <p:txBody>
-          <a:bodyPr/>
-          <a:lstStyle/>
-          <a:p>
-            <a:endParaRPr lang="en-US"/>
-          </a:p>
-        </p:txBody>
-      </p:sp>
-      <p:sp>
-        <p:nvSpPr>
-          <p:cNvPr id="3" name="Content Placeholder 2">
-            <a:extLst>
-              <a:ext uri="{FF2B5EF4-FFF2-40B4-BE49-F238E27FC236}">
-                <a16:creationId xmlns:a16="http://schemas.microsoft.com/office/drawing/2014/main" id="{32ED41EF-F1EC-4A0C-9878-A9DF36652C12}"/>
-              </a:ext>
-            </a:extLst>
-          </p:cNvPr>
-          <p:cNvSpPr>
-            <a:spLocks noGrp="1"/>
-          </p:cNvSpPr>
-          <p:nvPr>
-            <p:ph idx="1"/>
-          </p:nvPr>
-        </p:nvSpPr>
-        <p:spPr/>
-        <p:txBody>
-          <a:bodyPr/>
-          <a:lstStyle/>
-          <a:p>
-            <a:endParaRPr lang="en-US"/>
-          </a:p>
-        </p:txBody>
-      </p:sp>
-      <p:pic>
-        <p:nvPicPr>
-          <p:cNvPr id="5" name="Picture 4">
-            <a:extLst>
-              <a:ext uri="{FF2B5EF4-FFF2-40B4-BE49-F238E27FC236}">
-                <a16:creationId xmlns:a16="http://schemas.microsoft.com/office/drawing/2014/main" id="{5EDFBC42-96DD-4172-A81E-37C84F8E6244}"/>
-              </a:ext>
-            </a:extLst>
-          </p:cNvPr>
-          <p:cNvPicPr>
-            <a:picLocks noChangeAspect="1"/>
-          </p:cNvPicPr>
-          <p:nvPr/>
-        </p:nvPicPr>
-        <p:blipFill>
-          <a:blip r:embed="rId2"/>
-          <a:stretch>
-            <a:fillRect/>
-          </a:stretch>
-        </p:blipFill>
-        <p:spPr>
-          <a:xfrm>
-            <a:off x="-5363" y="0"/>
-            <a:ext cx="12192000" cy="6858000"/>
-          </a:xfrm>
-          <a:prstGeom prst="rect">
-            <a:avLst/>
-          </a:prstGeom>
-        </p:spPr>
-      </p:pic>
-      <p:sp>
-        <p:nvSpPr>
-          <p:cNvPr id="6" name="Rectangle 5">
-            <a:extLst>
-              <a:ext uri="{FF2B5EF4-FFF2-40B4-BE49-F238E27FC236}">
-                <a16:creationId xmlns:a16="http://schemas.microsoft.com/office/drawing/2014/main" id="{E5A319B0-3F95-4F41-846A-832CD0694D3C}"/>
+                <a16:creationId xmlns:a16="http://schemas.microsoft.com/office/drawing/2014/main" id="{15037197-49AB-4834-8C8B-1082C2BA6CDC}"/>
               </a:ext>
             </a:extLst>
           </p:cNvPr>
@@ -6836,8 +8455,8 @@
         </p:nvSpPr>
         <p:spPr>
           <a:xfrm>
-            <a:off x="6890489" y="3293778"/>
-            <a:ext cx="1470996" cy="870439"/>
+            <a:off x="1219689" y="5630007"/>
+            <a:ext cx="870439" cy="870439"/>
           </a:xfrm>
           <a:prstGeom prst="rect">
             <a:avLst/>
@@ -6865,9 +8484,10 @@
           <a:p>
             <a:pPr algn="ctr"/>
             <a:r>
-              <a:rPr lang="en-US" dirty="0"/>
-              <a:t>checkpoint</a:t>
-            </a:r>
+              <a:rPr lang="en-US" dirty="0" err="1"/>
+              <a:t>mario</a:t>
+            </a:r>
+            <a:endParaRPr lang="en-US" dirty="0"/>
           </a:p>
         </p:txBody>
       </p:sp>
@@ -6876,7 +8496,7 @@
           <p:cNvPr id="8" name="Rectangle 7">
             <a:extLst>
               <a:ext uri="{FF2B5EF4-FFF2-40B4-BE49-F238E27FC236}">
-                <a16:creationId xmlns:a16="http://schemas.microsoft.com/office/drawing/2014/main" id="{EF904892-6F23-4CA4-B774-824A9C5245B1}"/>
+                <a16:creationId xmlns:a16="http://schemas.microsoft.com/office/drawing/2014/main" id="{302659D4-830B-4B54-A6A0-B314C8784B90}"/>
               </a:ext>
             </a:extLst>
           </p:cNvPr>
@@ -6885,8 +8505,8 @@
         </p:nvSpPr>
         <p:spPr>
           <a:xfrm>
-            <a:off x="9674471" y="3293777"/>
-            <a:ext cx="1571140" cy="870439"/>
+            <a:off x="0" y="3429000"/>
+            <a:ext cx="11917973" cy="361950"/>
           </a:xfrm>
           <a:prstGeom prst="rect">
             <a:avLst/>
@@ -6913,9 +8533,199 @@
           <a:lstStyle/>
           <a:p>
             <a:pPr algn="ctr"/>
+            <a:endParaRPr lang="en-US" dirty="0"/>
+          </a:p>
+        </p:txBody>
+      </p:sp>
+      <p:sp>
+        <p:nvSpPr>
+          <p:cNvPr id="15" name="Rectangle 14">
+            <a:extLst>
+              <a:ext uri="{FF2B5EF4-FFF2-40B4-BE49-F238E27FC236}">
+                <a16:creationId xmlns:a16="http://schemas.microsoft.com/office/drawing/2014/main" id="{6C736AAB-FF12-47AF-A4F9-AAB382C5BAF4}"/>
+              </a:ext>
+            </a:extLst>
+          </p:cNvPr>
+          <p:cNvSpPr/>
+          <p:nvPr/>
+        </p:nvSpPr>
+        <p:spPr>
+          <a:xfrm>
+            <a:off x="0" y="6500446"/>
+            <a:ext cx="11917973" cy="361950"/>
+          </a:xfrm>
+          <a:prstGeom prst="rect">
+            <a:avLst/>
+          </a:prstGeom>
+        </p:spPr>
+        <p:style>
+          <a:lnRef idx="2">
+            <a:schemeClr val="accent1">
+              <a:shade val="50000"/>
+            </a:schemeClr>
+          </a:lnRef>
+          <a:fillRef idx="1">
+            <a:schemeClr val="accent1"/>
+          </a:fillRef>
+          <a:effectRef idx="0">
+            <a:schemeClr val="accent1"/>
+          </a:effectRef>
+          <a:fontRef idx="minor">
+            <a:schemeClr val="lt1"/>
+          </a:fontRef>
+        </p:style>
+        <p:txBody>
+          <a:bodyPr rtlCol="0" anchor="ctr"/>
+          <a:lstStyle/>
+          <a:p>
+            <a:pPr algn="ctr"/>
+            <a:endParaRPr lang="en-US" dirty="0"/>
+          </a:p>
+        </p:txBody>
+      </p:sp>
+      <p:sp>
+        <p:nvSpPr>
+          <p:cNvPr id="17" name="Rectangle 16">
+            <a:extLst>
+              <a:ext uri="{FF2B5EF4-FFF2-40B4-BE49-F238E27FC236}">
+                <a16:creationId xmlns:a16="http://schemas.microsoft.com/office/drawing/2014/main" id="{53DAE902-C1BA-4EF2-AD3C-C4F0154022F6}"/>
+              </a:ext>
+            </a:extLst>
+          </p:cNvPr>
+          <p:cNvSpPr/>
+          <p:nvPr/>
+        </p:nvSpPr>
+        <p:spPr>
+          <a:xfrm>
+            <a:off x="4375639" y="1118088"/>
+            <a:ext cx="870439" cy="870439"/>
+          </a:xfrm>
+          <a:prstGeom prst="rect">
+            <a:avLst/>
+          </a:prstGeom>
+        </p:spPr>
+        <p:style>
+          <a:lnRef idx="2">
+            <a:schemeClr val="accent1">
+              <a:shade val="50000"/>
+            </a:schemeClr>
+          </a:lnRef>
+          <a:fillRef idx="1">
+            <a:schemeClr val="accent1"/>
+          </a:fillRef>
+          <a:effectRef idx="0">
+            <a:schemeClr val="accent1"/>
+          </a:effectRef>
+          <a:fontRef idx="minor">
+            <a:schemeClr val="lt1"/>
+          </a:fontRef>
+        </p:style>
+        <p:txBody>
+          <a:bodyPr rtlCol="0" anchor="ctr"/>
+          <a:lstStyle/>
+          <a:p>
+            <a:pPr algn="ctr"/>
             <a:r>
               <a:rPr lang="en-US" dirty="0"/>
-              <a:t>mushroom</a:t>
+              <a:t>box</a:t>
+            </a:r>
+          </a:p>
+        </p:txBody>
+      </p:sp>
+      <p:sp>
+        <p:nvSpPr>
+          <p:cNvPr id="19" name="Rectangle 18">
+            <a:extLst>
+              <a:ext uri="{FF2B5EF4-FFF2-40B4-BE49-F238E27FC236}">
+                <a16:creationId xmlns:a16="http://schemas.microsoft.com/office/drawing/2014/main" id="{72FAA8F8-D2F7-43CE-B951-033F874B06EA}"/>
+              </a:ext>
+            </a:extLst>
+          </p:cNvPr>
+          <p:cNvSpPr/>
+          <p:nvPr/>
+        </p:nvSpPr>
+        <p:spPr>
+          <a:xfrm>
+            <a:off x="4473208" y="345219"/>
+            <a:ext cx="675300" cy="675300"/>
+          </a:xfrm>
+          <a:prstGeom prst="rect">
+            <a:avLst/>
+          </a:prstGeom>
+        </p:spPr>
+        <p:style>
+          <a:lnRef idx="2">
+            <a:schemeClr val="accent1">
+              <a:shade val="50000"/>
+            </a:schemeClr>
+          </a:lnRef>
+          <a:fillRef idx="1">
+            <a:schemeClr val="accent1"/>
+          </a:fillRef>
+          <a:effectRef idx="0">
+            <a:schemeClr val="accent1"/>
+          </a:effectRef>
+          <a:fontRef idx="minor">
+            <a:schemeClr val="lt1"/>
+          </a:fontRef>
+        </p:style>
+        <p:txBody>
+          <a:bodyPr rtlCol="0" anchor="ctr"/>
+          <a:lstStyle/>
+          <a:p>
+            <a:pPr algn="ctr"/>
+            <a:r>
+              <a:rPr lang="en-US" dirty="0"/>
+              <a:t>coin</a:t>
+            </a:r>
+          </a:p>
+        </p:txBody>
+      </p:sp>
+      <p:sp>
+        <p:nvSpPr>
+          <p:cNvPr id="20" name="Rectangle 19">
+            <a:extLst>
+              <a:ext uri="{FF2B5EF4-FFF2-40B4-BE49-F238E27FC236}">
+                <a16:creationId xmlns:a16="http://schemas.microsoft.com/office/drawing/2014/main" id="{663DD272-D67F-4195-8224-353ED16BF085}"/>
+              </a:ext>
+            </a:extLst>
+          </p:cNvPr>
+          <p:cNvSpPr/>
+          <p:nvPr/>
+        </p:nvSpPr>
+        <p:spPr>
+          <a:xfrm>
+            <a:off x="4181107" y="5630007"/>
+            <a:ext cx="870439" cy="870439"/>
+          </a:xfrm>
+          <a:prstGeom prst="rect">
+            <a:avLst/>
+          </a:prstGeom>
+        </p:spPr>
+        <p:style>
+          <a:lnRef idx="2">
+            <a:schemeClr val="accent1">
+              <a:shade val="50000"/>
+            </a:schemeClr>
+          </a:lnRef>
+          <a:fillRef idx="1">
+            <a:schemeClr val="accent1"/>
+          </a:fillRef>
+          <a:effectRef idx="0">
+            <a:schemeClr val="accent1"/>
+          </a:effectRef>
+          <a:fontRef idx="minor">
+            <a:schemeClr val="lt1"/>
+          </a:fontRef>
+        </p:style>
+        <p:txBody>
+          <a:bodyPr rtlCol="0" anchor="ctr"/>
+          <a:lstStyle/>
+          <a:p>
+            <a:pPr algn="ctr"/>
+            <a:r>
+              <a:rPr lang="en-US" dirty="0"/>
+              <a:t>coin</a:t>
             </a:r>
           </a:p>
         </p:txBody>
@@ -6923,203 +8733,7 @@
     </p:spTree>
     <p:extLst>
       <p:ext uri="{BB962C8B-B14F-4D97-AF65-F5344CB8AC3E}">
-        <p14:creationId xmlns:p14="http://schemas.microsoft.com/office/powerpoint/2010/main" val="1174699669"/>
-      </p:ext>
-    </p:extLst>
-  </p:cSld>
-  <p:clrMapOvr>
-    <a:masterClrMapping/>
-  </p:clrMapOvr>
-</p:sld>
-</file>
-
-<file path=ppt/slides/slide9.xml><?xml version="1.0" encoding="utf-8"?>
-<p:sld xmlns:a="http://schemas.openxmlformats.org/drawingml/2006/main" xmlns:r="http://schemas.openxmlformats.org/officeDocument/2006/relationships" xmlns:p="http://schemas.openxmlformats.org/presentationml/2006/main">
-  <p:cSld>
-    <p:spTree>
-      <p:nvGrpSpPr>
-        <p:cNvPr id="1" name=""/>
-        <p:cNvGrpSpPr/>
-        <p:nvPr/>
-      </p:nvGrpSpPr>
-      <p:grpSpPr>
-        <a:xfrm>
-          <a:off x="0" y="0"/>
-          <a:ext cx="0" cy="0"/>
-          <a:chOff x="0" y="0"/>
-          <a:chExt cx="0" cy="0"/>
-        </a:xfrm>
-      </p:grpSpPr>
-      <p:sp>
-        <p:nvSpPr>
-          <p:cNvPr id="2" name="Title 1">
-            <a:extLst>
-              <a:ext uri="{FF2B5EF4-FFF2-40B4-BE49-F238E27FC236}">
-                <a16:creationId xmlns:a16="http://schemas.microsoft.com/office/drawing/2014/main" id="{EE01A759-C4E4-4F6D-BA7A-693BD7ADE4F6}"/>
-              </a:ext>
-            </a:extLst>
-          </p:cNvPr>
-          <p:cNvSpPr>
-            <a:spLocks noGrp="1"/>
-          </p:cNvSpPr>
-          <p:nvPr>
-            <p:ph type="title"/>
-          </p:nvPr>
-        </p:nvSpPr>
-        <p:spPr/>
-        <p:txBody>
-          <a:bodyPr/>
-          <a:lstStyle/>
-          <a:p>
-            <a:r>
-              <a:rPr lang="en-US" dirty="0">
-                <a:cs typeface="Calibri Light"/>
-              </a:rPr>
-              <a:t>How to start developing the game</a:t>
-            </a:r>
-            <a:endParaRPr lang="en-US" dirty="0"/>
-          </a:p>
-        </p:txBody>
-      </p:sp>
-      <p:sp>
-        <p:nvSpPr>
-          <p:cNvPr id="3" name="Content Placeholder 2">
-            <a:extLst>
-              <a:ext uri="{FF2B5EF4-FFF2-40B4-BE49-F238E27FC236}">
-                <a16:creationId xmlns:a16="http://schemas.microsoft.com/office/drawing/2014/main" id="{8E1B27CB-58E4-4E58-989E-05EDF35E3D88}"/>
-              </a:ext>
-            </a:extLst>
-          </p:cNvPr>
-          <p:cNvSpPr>
-            <a:spLocks noGrp="1"/>
-          </p:cNvSpPr>
-          <p:nvPr>
-            <p:ph idx="1"/>
-          </p:nvPr>
-        </p:nvSpPr>
-        <p:spPr/>
-        <p:txBody>
-          <a:bodyPr vert="horz" lIns="91440" tIns="45720" rIns="91440" bIns="45720" rtlCol="0" anchor="t">
-            <a:normAutofit/>
-          </a:bodyPr>
-          <a:lstStyle/>
-          <a:p>
-            <a:r>
-              <a:rPr lang="en-US" dirty="0">
-                <a:cs typeface="Calibri"/>
-              </a:rPr>
-              <a:t>Make the avatar move</a:t>
-            </a:r>
-          </a:p>
-          <a:p>
-            <a:pPr lvl="1"/>
-            <a:r>
-              <a:rPr lang="en-US" dirty="0" err="1">
-                <a:solidFill>
-                  <a:srgbClr val="00B050"/>
-                </a:solidFill>
-                <a:ea typeface="+mn-lt"/>
-                <a:cs typeface="+mn-lt"/>
-              </a:rPr>
-              <a:t>OnKey</a:t>
-            </a:r>
-            <a:r>
-              <a:rPr lang="en-US" dirty="0">
-                <a:solidFill>
-                  <a:srgbClr val="00B050"/>
-                </a:solidFill>
-                <a:ea typeface="+mn-lt"/>
-                <a:cs typeface="+mn-lt"/>
-              </a:rPr>
-              <a:t> </a:t>
-            </a:r>
-            <a:r>
-              <a:rPr lang="en-US" dirty="0">
-                <a:solidFill>
-                  <a:srgbClr val="00B050"/>
-                </a:solidFill>
-                <a:cs typeface="Calibri"/>
-              </a:rPr>
-              <a:t>RIGHT , go right</a:t>
-            </a:r>
-          </a:p>
-          <a:p>
-            <a:pPr lvl="1"/>
-            <a:r>
-              <a:rPr lang="en-US" dirty="0" err="1">
-                <a:solidFill>
-                  <a:srgbClr val="00B050"/>
-                </a:solidFill>
-                <a:cs typeface="Calibri"/>
-              </a:rPr>
-              <a:t>OnKey</a:t>
-            </a:r>
-            <a:r>
-              <a:rPr lang="en-US" dirty="0">
-                <a:solidFill>
-                  <a:srgbClr val="00B050"/>
-                </a:solidFill>
-                <a:cs typeface="Calibri"/>
-              </a:rPr>
-              <a:t> LEFT, …</a:t>
-            </a:r>
-          </a:p>
-          <a:p>
-            <a:pPr lvl="1"/>
-            <a:r>
-              <a:rPr lang="en-US" dirty="0" err="1">
-                <a:solidFill>
-                  <a:srgbClr val="00B050"/>
-                </a:solidFill>
-                <a:ea typeface="+mn-lt"/>
-                <a:cs typeface="+mn-lt"/>
-              </a:rPr>
-              <a:t>OnKeyDown</a:t>
-            </a:r>
-            <a:r>
-              <a:rPr lang="en-US" dirty="0">
-                <a:solidFill>
-                  <a:srgbClr val="00B050"/>
-                </a:solidFill>
-                <a:ea typeface="+mn-lt"/>
-                <a:cs typeface="+mn-lt"/>
-              </a:rPr>
-              <a:t> </a:t>
-            </a:r>
-            <a:r>
-              <a:rPr lang="en-US" dirty="0">
-                <a:solidFill>
-                  <a:srgbClr val="00B050"/>
-                </a:solidFill>
-                <a:cs typeface="Calibri"/>
-              </a:rPr>
-              <a:t>Press UP, jump (physics or </a:t>
-            </a:r>
-            <a:r>
-              <a:rPr lang="en-US" dirty="0">
-                <a:solidFill>
-                  <a:srgbClr val="FF0000"/>
-                </a:solidFill>
-                <a:cs typeface="Calibri"/>
-              </a:rPr>
-              <a:t>animation..</a:t>
-            </a:r>
-            <a:r>
-              <a:rPr lang="en-US" dirty="0">
-                <a:solidFill>
-                  <a:srgbClr val="00B050"/>
-                </a:solidFill>
-                <a:cs typeface="Calibri"/>
-              </a:rPr>
-              <a:t>.). </a:t>
-            </a:r>
-          </a:p>
-        </p:txBody>
-      </p:sp>
-    </p:spTree>
-    <p:extLst>
-      <p:ext uri="{BB962C8B-B14F-4D97-AF65-F5344CB8AC3E}">
-        <p14:creationId xmlns:p14="http://schemas.microsoft.com/office/powerpoint/2010/main" val="2050108797"/>
+        <p14:creationId xmlns:p14="http://schemas.microsoft.com/office/powerpoint/2010/main" val="2763635886"/>
       </p:ext>
     </p:extLst>
   </p:cSld>
@@ -7391,15 +9005,6 @@
 </file>
 
 <file path=customXml/item1.xml><?xml version="1.0" encoding="utf-8"?>
-<?mso-contentType ?>
-<FormTemplates xmlns="http://schemas.microsoft.com/sharepoint/v3/contenttype/forms">
-  <Display>DocumentLibraryForm</Display>
-  <Edit>DocumentLibraryForm</Edit>
-  <New>DocumentLibraryForm</New>
-</FormTemplates>
-</file>
-
-<file path=customXml/item2.xml><?xml version="1.0" encoding="utf-8"?>
 <ct:contentTypeSchema xmlns:ct="http://schemas.microsoft.com/office/2006/metadata/contentType" xmlns:ma="http://schemas.microsoft.com/office/2006/metadata/properties/metaAttributes" ct:_="" ma:_="" ma:contentTypeName="Documento" ma:contentTypeID="0x010100A1E9F1B842402C4B978E599175A9CC2F" ma:contentTypeVersion="9" ma:contentTypeDescription="Creare un nuovo documento." ma:contentTypeScope="" ma:versionID="c7719b27c111f0394d42d44072dff4b4">
   <xsd:schema xmlns:xsd="http://www.w3.org/2001/XMLSchema" xmlns:xs="http://www.w3.org/2001/XMLSchema" xmlns:p="http://schemas.microsoft.com/office/2006/metadata/properties" xmlns:ns2="74bdbfcc-7011-488f-9302-f3f90946f977" targetNamespace="http://schemas.microsoft.com/office/2006/metadata/properties" ma:root="true" ma:fieldsID="b9e0f31806f3447edbda3facc4895caa" ns2:_="">
     <xsd:import namespace="74bdbfcc-7011-488f-9302-f3f90946f977"/>
@@ -7575,6 +9180,15 @@
 </ct:contentTypeSchema>
 </file>
 
+<file path=customXml/item2.xml><?xml version="1.0" encoding="utf-8"?>
+<?mso-contentType ?>
+<FormTemplates xmlns="http://schemas.microsoft.com/sharepoint/v3/contenttype/forms">
+  <Display>DocumentLibraryForm</Display>
+  <Edit>DocumentLibraryForm</Edit>
+  <New>DocumentLibraryForm</New>
+</FormTemplates>
+</file>
+
 <file path=customXml/item3.xml><?xml version="1.0" encoding="utf-8"?>
 <p:properties xmlns:p="http://schemas.microsoft.com/office/2006/metadata/properties" xmlns:xsi="http://www.w3.org/2001/XMLSchema-instance" xmlns:pc="http://schemas.microsoft.com/office/infopath/2007/PartnerControls">
   <documentManagement/>
@@ -7582,14 +9196,6 @@
 </file>
 
 <file path=customXml/itemProps1.xml><?xml version="1.0" encoding="utf-8"?>
-<ds:datastoreItem xmlns:ds="http://schemas.openxmlformats.org/officeDocument/2006/customXml" ds:itemID="{C77525A5-9444-4E49-A3A8-9EBC94C17F95}">
-  <ds:schemaRefs>
-    <ds:schemaRef ds:uri="http://schemas.microsoft.com/sharepoint/v3/contenttype/forms"/>
-  </ds:schemaRefs>
-</ds:datastoreItem>
-</file>
-
-<file path=customXml/itemProps2.xml><?xml version="1.0" encoding="utf-8"?>
 <ds:datastoreItem xmlns:ds="http://schemas.openxmlformats.org/officeDocument/2006/customXml" ds:itemID="{59F38C61-2F2D-4D29-A732-9575E29CCC7A}">
   <ds:schemaRefs>
     <ds:schemaRef ds:uri="http://schemas.microsoft.com/office/2006/metadata/contentType"/>
@@ -7607,6 +9213,14 @@
 </ds:datastoreItem>
 </file>
 
+<file path=customXml/itemProps2.xml><?xml version="1.0" encoding="utf-8"?>
+<ds:datastoreItem xmlns:ds="http://schemas.openxmlformats.org/officeDocument/2006/customXml" ds:itemID="{C77525A5-9444-4E49-A3A8-9EBC94C17F95}">
+  <ds:schemaRefs>
+    <ds:schemaRef ds:uri="http://schemas.microsoft.com/sharepoint/v3/contenttype/forms"/>
+  </ds:schemaRefs>
+</ds:datastoreItem>
+</file>
+
 <file path=customXml/itemProps3.xml><?xml version="1.0" encoding="utf-8"?>
 <ds:datastoreItem xmlns:ds="http://schemas.openxmlformats.org/officeDocument/2006/customXml" ds:itemID="{6F99CC6B-3FC4-4611-BB8A-0161C42924D8}">
   <ds:schemaRefs>
